--- a/209418028周子翔.pptx
+++ b/209418028周子翔.pptx
@@ -107,6 +107,11 @@
       </a:defRPr>
     </a:lvl9pPr>
   </p:defaultTextStyle>
+  <p:extLst>
+    <p:ext uri="{EFAFB233-063F-42B5-8137-9DF3F51BA10A}">
+      <p15:sldGuideLst xmlns:p15="http://schemas.microsoft.com/office/powerpoint/2012/main"/>
+    </p:ext>
+  </p:extLst>
 </p:presentation>
 </file>
 
@@ -3472,34 +3477,41 @@
           </a:p>
         </p:txBody>
       </p:sp>
-      <p:sp>
-        <p:nvSpPr>
-          <p:cNvPr id="3" name="內容版面配置區 2">
-            <a:extLst>
-              <a:ext uri="{FF2B5EF4-FFF2-40B4-BE49-F238E27FC236}">
-                <a16:creationId xmlns:a16="http://schemas.microsoft.com/office/drawing/2014/main" id="{7D706ACA-746E-4E10-9C8E-324DC4B99F2A}"/>
-              </a:ext>
-            </a:extLst>
-          </p:cNvPr>
-          <p:cNvSpPr>
-            <a:spLocks noGrp="1"/>
-          </p:cNvSpPr>
+      <p:pic>
+        <p:nvPicPr>
+          <p:cNvPr id="5" name="內容版面配置區 4">
+            <a:extLst>
+              <a:ext uri="{FF2B5EF4-FFF2-40B4-BE49-F238E27FC236}">
+                <a16:creationId xmlns:a16="http://schemas.microsoft.com/office/drawing/2014/main" id="{00367147-FBB0-4342-A996-71A266B31881}"/>
+              </a:ext>
+            </a:extLst>
+          </p:cNvPr>
+          <p:cNvPicPr>
+            <a:picLocks noGrp="1" noChangeAspect="1"/>
+          </p:cNvPicPr>
           <p:nvPr>
             <p:ph idx="1"/>
           </p:nvPr>
-        </p:nvSpPr>
-        <p:spPr/>
-        <p:txBody>
-          <a:bodyPr/>
-          <a:lstStyle/>
-          <a:p>
-            <a:pPr marL="0" indent="0">
-              <a:buNone/>
-            </a:pPr>
-            <a:endParaRPr lang="zh-TW" altLang="en-US" dirty="0"/>
-          </a:p>
-        </p:txBody>
-      </p:sp>
+        </p:nvPicPr>
+        <p:blipFill>
+          <a:blip r:embed="rId2">
+            <a:extLst>
+              <a:ext uri="{28A0092B-C50C-407E-A947-70E740481C1C}">
+                <a14:useLocalDpi xmlns:a14="http://schemas.microsoft.com/office/drawing/2010/main" val="0"/>
+              </a:ext>
+            </a:extLst>
+          </a:blip>
+          <a:stretch>
+            <a:fillRect/>
+          </a:stretch>
+        </p:blipFill>
+        <p:spPr>
+          <a:xfrm>
+            <a:off x="1894449" y="1825625"/>
+            <a:ext cx="8403101" cy="4351338"/>
+          </a:xfrm>
+        </p:spPr>
+      </p:pic>
     </p:spTree>
     <p:extLst>
       <p:ext uri="{BB962C8B-B14F-4D97-AF65-F5344CB8AC3E}">

--- a/209418028周子翔.pptx
+++ b/209418028周子翔.pptx
@@ -2,21 +2,22 @@
 <file path=ppt/presentation.xml><?xml version="1.0" encoding="utf-8"?>
 <p:presentation xmlns:a="http://schemas.openxmlformats.org/drawingml/2006/main" xmlns:r="http://schemas.openxmlformats.org/officeDocument/2006/relationships" xmlns:p="http://schemas.openxmlformats.org/presentationml/2006/main" saveSubsetFonts="1">
   <p:sldMasterIdLst>
-    <p:sldMasterId id="2147483648" r:id="rId1"/>
+    <p:sldMasterId id="2147483672" r:id="rId1"/>
   </p:sldMasterIdLst>
   <p:sldIdLst>
     <p:sldId id="256" r:id="rId2"/>
-    <p:sldId id="257" r:id="rId3"/>
-    <p:sldId id="258" r:id="rId4"/>
-    <p:sldId id="259" r:id="rId5"/>
+    <p:sldId id="260" r:id="rId3"/>
+    <p:sldId id="257" r:id="rId4"/>
+    <p:sldId id="258" r:id="rId5"/>
+    <p:sldId id="259" r:id="rId6"/>
   </p:sldIdLst>
   <p:sldSz cx="12192000" cy="6858000"/>
   <p:notesSz cx="6858000" cy="9144000"/>
   <p:defaultTextStyle>
     <a:defPPr>
-      <a:defRPr lang="zh-TW"/>
+      <a:defRPr lang="en-US"/>
     </a:defPPr>
-    <a:lvl1pPr marL="0" algn="l" defTabSz="914400" rtl="0" eaLnBrk="1" latinLnBrk="0" hangingPunct="1">
+    <a:lvl1pPr marL="0" algn="l" defTabSz="457200" rtl="0" eaLnBrk="1" latinLnBrk="0" hangingPunct="1">
       <a:defRPr sz="1800" kern="1200">
         <a:solidFill>
           <a:schemeClr val="tx1"/>
@@ -26,7 +27,7 @@
         <a:cs typeface="+mn-cs"/>
       </a:defRPr>
     </a:lvl1pPr>
-    <a:lvl2pPr marL="457200" algn="l" defTabSz="914400" rtl="0" eaLnBrk="1" latinLnBrk="0" hangingPunct="1">
+    <a:lvl2pPr marL="457200" algn="l" defTabSz="457200" rtl="0" eaLnBrk="1" latinLnBrk="0" hangingPunct="1">
       <a:defRPr sz="1800" kern="1200">
         <a:solidFill>
           <a:schemeClr val="tx1"/>
@@ -36,7 +37,7 @@
         <a:cs typeface="+mn-cs"/>
       </a:defRPr>
     </a:lvl2pPr>
-    <a:lvl3pPr marL="914400" algn="l" defTabSz="914400" rtl="0" eaLnBrk="1" latinLnBrk="0" hangingPunct="1">
+    <a:lvl3pPr marL="914400" algn="l" defTabSz="457200" rtl="0" eaLnBrk="1" latinLnBrk="0" hangingPunct="1">
       <a:defRPr sz="1800" kern="1200">
         <a:solidFill>
           <a:schemeClr val="tx1"/>
@@ -46,7 +47,7 @@
         <a:cs typeface="+mn-cs"/>
       </a:defRPr>
     </a:lvl3pPr>
-    <a:lvl4pPr marL="1371600" algn="l" defTabSz="914400" rtl="0" eaLnBrk="1" latinLnBrk="0" hangingPunct="1">
+    <a:lvl4pPr marL="1371600" algn="l" defTabSz="457200" rtl="0" eaLnBrk="1" latinLnBrk="0" hangingPunct="1">
       <a:defRPr sz="1800" kern="1200">
         <a:solidFill>
           <a:schemeClr val="tx1"/>
@@ -56,7 +57,7 @@
         <a:cs typeface="+mn-cs"/>
       </a:defRPr>
     </a:lvl4pPr>
-    <a:lvl5pPr marL="1828800" algn="l" defTabSz="914400" rtl="0" eaLnBrk="1" latinLnBrk="0" hangingPunct="1">
+    <a:lvl5pPr marL="1828800" algn="l" defTabSz="457200" rtl="0" eaLnBrk="1" latinLnBrk="0" hangingPunct="1">
       <a:defRPr sz="1800" kern="1200">
         <a:solidFill>
           <a:schemeClr val="tx1"/>
@@ -66,7 +67,7 @@
         <a:cs typeface="+mn-cs"/>
       </a:defRPr>
     </a:lvl5pPr>
-    <a:lvl6pPr marL="2286000" algn="l" defTabSz="914400" rtl="0" eaLnBrk="1" latinLnBrk="0" hangingPunct="1">
+    <a:lvl6pPr marL="2286000" algn="l" defTabSz="457200" rtl="0" eaLnBrk="1" latinLnBrk="0" hangingPunct="1">
       <a:defRPr sz="1800" kern="1200">
         <a:solidFill>
           <a:schemeClr val="tx1"/>
@@ -76,7 +77,7 @@
         <a:cs typeface="+mn-cs"/>
       </a:defRPr>
     </a:lvl6pPr>
-    <a:lvl7pPr marL="2743200" algn="l" defTabSz="914400" rtl="0" eaLnBrk="1" latinLnBrk="0" hangingPunct="1">
+    <a:lvl7pPr marL="2743200" algn="l" defTabSz="457200" rtl="0" eaLnBrk="1" latinLnBrk="0" hangingPunct="1">
       <a:defRPr sz="1800" kern="1200">
         <a:solidFill>
           <a:schemeClr val="tx1"/>
@@ -86,7 +87,7 @@
         <a:cs typeface="+mn-cs"/>
       </a:defRPr>
     </a:lvl7pPr>
-    <a:lvl8pPr marL="3200400" algn="l" defTabSz="914400" rtl="0" eaLnBrk="1" latinLnBrk="0" hangingPunct="1">
+    <a:lvl8pPr marL="3200400" algn="l" defTabSz="457200" rtl="0" eaLnBrk="1" latinLnBrk="0" hangingPunct="1">
       <a:defRPr sz="1800" kern="1200">
         <a:solidFill>
           <a:schemeClr val="tx1"/>
@@ -96,7 +97,7 @@
         <a:cs typeface="+mn-cs"/>
       </a:defRPr>
     </a:lvl8pPr>
-    <a:lvl9pPr marL="3657600" algn="l" defTabSz="914400" rtl="0" eaLnBrk="1" latinLnBrk="0" hangingPunct="1">
+    <a:lvl9pPr marL="3657600" algn="l" defTabSz="457200" rtl="0" eaLnBrk="1" latinLnBrk="0" hangingPunct="1">
       <a:defRPr sz="1800" kern="1200">
         <a:solidFill>
           <a:schemeClr val="tx1"/>
@@ -116,7 +117,7 @@
 </file>
 
 <file path=ppt/slideLayouts/slideLayout1.xml><?xml version="1.0" encoding="utf-8"?>
-<p:sldLayout xmlns:a="http://schemas.openxmlformats.org/drawingml/2006/main" xmlns:r="http://schemas.openxmlformats.org/officeDocument/2006/relationships" xmlns:p="http://schemas.openxmlformats.org/presentationml/2006/main" type="title" preserve="1">
+<p:sldLayout xmlns:a="http://schemas.openxmlformats.org/drawingml/2006/main" xmlns:r="http://schemas.openxmlformats.org/officeDocument/2006/relationships" xmlns:p="http://schemas.openxmlformats.org/presentationml/2006/main" showMasterSp="0" type="title" preserve="1">
   <p:cSld name="標題投影片">
     <p:spTree>
       <p:nvGrpSpPr>
@@ -134,13 +135,7 @@
       </p:grpSpPr>
       <p:sp>
         <p:nvSpPr>
-          <p:cNvPr id="2" name="標題 1">
-            <a:extLst>
-              <a:ext uri="{FF2B5EF4-FFF2-40B4-BE49-F238E27FC236}">
-                <a16:creationId xmlns:a16="http://schemas.microsoft.com/office/drawing/2014/main" id="{7B0E30E8-21F6-4304-A29E-238E865EF927}"/>
-              </a:ext>
-            </a:extLst>
-          </p:cNvPr>
+          <p:cNvPr id="2" name="Title 1"/>
           <p:cNvSpPr>
             <a:spLocks noGrp="1"/>
           </p:cNvSpPr>
@@ -150,15 +145,19 @@
         </p:nvSpPr>
         <p:spPr>
           <a:xfrm>
-            <a:off x="1524000" y="1122363"/>
-            <a:ext cx="9144000" cy="2387600"/>
+            <a:off x="684212" y="685799"/>
+            <a:ext cx="8001000" cy="2971801"/>
           </a:xfrm>
         </p:spPr>
         <p:txBody>
-          <a:bodyPr anchor="b"/>
+          <a:bodyPr anchor="b">
+            <a:normAutofit/>
+          </a:bodyPr>
           <a:lstStyle>
-            <a:lvl1pPr algn="ctr">
-              <a:defRPr sz="6000"/>
+            <a:lvl1pPr algn="l">
+              <a:defRPr sz="4800">
+                <a:effectLst/>
+              </a:defRPr>
             </a:lvl1pPr>
           </a:lstStyle>
           <a:p>
@@ -166,18 +165,13 @@
               <a:rPr lang="zh-TW" altLang="en-US"/>
               <a:t>按一下以編輯母片標題樣式</a:t>
             </a:r>
-          </a:p>
-        </p:txBody>
-      </p:sp>
-      <p:sp>
-        <p:nvSpPr>
-          <p:cNvPr id="3" name="副標題 2">
-            <a:extLst>
-              <a:ext uri="{FF2B5EF4-FFF2-40B4-BE49-F238E27FC236}">
-                <a16:creationId xmlns:a16="http://schemas.microsoft.com/office/drawing/2014/main" id="{55F15FE6-FCAF-495B-B73D-09113B8B4635}"/>
-              </a:ext>
-            </a:extLst>
-          </p:cNvPr>
+            <a:endParaRPr lang="en-US" dirty="0"/>
+          </a:p>
+        </p:txBody>
+      </p:sp>
+      <p:sp>
+        <p:nvSpPr>
+          <p:cNvPr id="3" name="Subtitle 2"/>
           <p:cNvSpPr>
             <a:spLocks noGrp="1"/>
           </p:cNvSpPr>
@@ -187,48 +181,104 @@
         </p:nvSpPr>
         <p:spPr>
           <a:xfrm>
-            <a:off x="1524000" y="3602038"/>
-            <a:ext cx="9144000" cy="1655762"/>
+            <a:off x="684212" y="3843867"/>
+            <a:ext cx="6400800" cy="1947333"/>
           </a:xfrm>
         </p:spPr>
         <p:txBody>
-          <a:bodyPr/>
+          <a:bodyPr anchor="t">
+            <a:normAutofit/>
+          </a:bodyPr>
           <a:lstStyle>
-            <a:lvl1pPr marL="0" indent="0" algn="ctr">
-              <a:buNone/>
-              <a:defRPr sz="2400"/>
+            <a:lvl1pPr marL="0" indent="0" algn="l">
+              <a:buNone/>
+              <a:defRPr sz="2100">
+                <a:solidFill>
+                  <a:schemeClr val="bg2">
+                    <a:lumMod val="75000"/>
+                  </a:schemeClr>
+                </a:solidFill>
+              </a:defRPr>
             </a:lvl1pPr>
             <a:lvl2pPr marL="457200" indent="0" algn="ctr">
               <a:buNone/>
-              <a:defRPr sz="2000"/>
+              <a:defRPr>
+                <a:solidFill>
+                  <a:schemeClr val="tx1">
+                    <a:tint val="75000"/>
+                  </a:schemeClr>
+                </a:solidFill>
+              </a:defRPr>
             </a:lvl2pPr>
             <a:lvl3pPr marL="914400" indent="0" algn="ctr">
               <a:buNone/>
-              <a:defRPr sz="1800"/>
+              <a:defRPr>
+                <a:solidFill>
+                  <a:schemeClr val="tx1">
+                    <a:tint val="75000"/>
+                  </a:schemeClr>
+                </a:solidFill>
+              </a:defRPr>
             </a:lvl3pPr>
             <a:lvl4pPr marL="1371600" indent="0" algn="ctr">
               <a:buNone/>
-              <a:defRPr sz="1600"/>
+              <a:defRPr>
+                <a:solidFill>
+                  <a:schemeClr val="tx1">
+                    <a:tint val="75000"/>
+                  </a:schemeClr>
+                </a:solidFill>
+              </a:defRPr>
             </a:lvl4pPr>
             <a:lvl5pPr marL="1828800" indent="0" algn="ctr">
               <a:buNone/>
-              <a:defRPr sz="1600"/>
+              <a:defRPr>
+                <a:solidFill>
+                  <a:schemeClr val="tx1">
+                    <a:tint val="75000"/>
+                  </a:schemeClr>
+                </a:solidFill>
+              </a:defRPr>
             </a:lvl5pPr>
             <a:lvl6pPr marL="2286000" indent="0" algn="ctr">
               <a:buNone/>
-              <a:defRPr sz="1600"/>
+              <a:defRPr>
+                <a:solidFill>
+                  <a:schemeClr val="tx1">
+                    <a:tint val="75000"/>
+                  </a:schemeClr>
+                </a:solidFill>
+              </a:defRPr>
             </a:lvl6pPr>
             <a:lvl7pPr marL="2743200" indent="0" algn="ctr">
               <a:buNone/>
-              <a:defRPr sz="1600"/>
+              <a:defRPr>
+                <a:solidFill>
+                  <a:schemeClr val="tx1">
+                    <a:tint val="75000"/>
+                  </a:schemeClr>
+                </a:solidFill>
+              </a:defRPr>
             </a:lvl7pPr>
             <a:lvl8pPr marL="3200400" indent="0" algn="ctr">
               <a:buNone/>
-              <a:defRPr sz="1600"/>
+              <a:defRPr>
+                <a:solidFill>
+                  <a:schemeClr val="tx1">
+                    <a:tint val="75000"/>
+                  </a:schemeClr>
+                </a:solidFill>
+              </a:defRPr>
             </a:lvl8pPr>
             <a:lvl9pPr marL="3657600" indent="0" algn="ctr">
               <a:buNone/>
-              <a:defRPr sz="1600"/>
+              <a:defRPr>
+                <a:solidFill>
+                  <a:schemeClr val="tx1">
+                    <a:tint val="75000"/>
+                  </a:schemeClr>
+                </a:solidFill>
+              </a:defRPr>
             </a:lvl9pPr>
           </a:lstStyle>
           <a:p>
@@ -236,18 +286,13 @@
               <a:rPr lang="zh-TW" altLang="en-US"/>
               <a:t>按一下以編輯母片子標題樣式</a:t>
             </a:r>
-          </a:p>
-        </p:txBody>
-      </p:sp>
-      <p:sp>
-        <p:nvSpPr>
-          <p:cNvPr id="4" name="日期版面配置區 3">
-            <a:extLst>
-              <a:ext uri="{FF2B5EF4-FFF2-40B4-BE49-F238E27FC236}">
-                <a16:creationId xmlns:a16="http://schemas.microsoft.com/office/drawing/2014/main" id="{BA470BEF-73AA-465A-82EA-9D2D6AB4393E}"/>
-              </a:ext>
-            </a:extLst>
-          </p:cNvPr>
+            <a:endParaRPr lang="en-US" dirty="0"/>
+          </a:p>
+        </p:txBody>
+      </p:sp>
+      <p:sp>
+        <p:nvSpPr>
+          <p:cNvPr id="4" name="Date Placeholder 3"/>
           <p:cNvSpPr>
             <a:spLocks noGrp="1"/>
           </p:cNvSpPr>
@@ -262,7 +307,7 @@
           <a:p>
             <a:fld id="{049DCE47-09B5-43F6-8F6D-72AD5738B37B}" type="datetimeFigureOut">
               <a:rPr lang="zh-TW" altLang="en-US" smtClean="0"/>
-              <a:t>2021/1/3</a:t>
+              <a:t>2021/1/10</a:t>
             </a:fld>
             <a:endParaRPr lang="zh-TW" altLang="en-US"/>
           </a:p>
@@ -270,13 +315,7 @@
       </p:sp>
       <p:sp>
         <p:nvSpPr>
-          <p:cNvPr id="5" name="頁尾版面配置區 4">
-            <a:extLst>
-              <a:ext uri="{FF2B5EF4-FFF2-40B4-BE49-F238E27FC236}">
-                <a16:creationId xmlns:a16="http://schemas.microsoft.com/office/drawing/2014/main" id="{B898910D-579C-404E-B4E6-9A13C9FEE54C}"/>
-              </a:ext>
-            </a:extLst>
-          </p:cNvPr>
+          <p:cNvPr id="5" name="Footer Placeholder 4"/>
           <p:cNvSpPr>
             <a:spLocks noGrp="1"/>
           </p:cNvSpPr>
@@ -295,13 +334,7 @@
       </p:sp>
       <p:sp>
         <p:nvSpPr>
-          <p:cNvPr id="6" name="投影片編號版面配置區 5">
-            <a:extLst>
-              <a:ext uri="{FF2B5EF4-FFF2-40B4-BE49-F238E27FC236}">
-                <a16:creationId xmlns:a16="http://schemas.microsoft.com/office/drawing/2014/main" id="{4A44F5B0-CB77-4FC3-BED3-3D7503285666}"/>
-              </a:ext>
-            </a:extLst>
-          </p:cNvPr>
+          <p:cNvPr id="6" name="Slide Number Placeholder 5"/>
           <p:cNvSpPr>
             <a:spLocks noGrp="1"/>
           </p:cNvSpPr>
@@ -322,10 +355,185 @@
           </a:p>
         </p:txBody>
       </p:sp>
+      <p:cxnSp>
+        <p:nvCxnSpPr>
+          <p:cNvPr id="16" name="Straight Connector 15"/>
+          <p:cNvCxnSpPr/>
+          <p:nvPr/>
+        </p:nvCxnSpPr>
+        <p:spPr>
+          <a:xfrm flipH="1">
+            <a:off x="8228012" y="8467"/>
+            <a:ext cx="3810000" cy="3810000"/>
+          </a:xfrm>
+          <a:prstGeom prst="line">
+            <a:avLst/>
+          </a:prstGeom>
+          <a:ln w="12700">
+            <a:solidFill>
+              <a:schemeClr val="tx1"/>
+            </a:solidFill>
+          </a:ln>
+        </p:spPr>
+        <p:style>
+          <a:lnRef idx="2">
+            <a:schemeClr val="accent1"/>
+          </a:lnRef>
+          <a:fillRef idx="0">
+            <a:schemeClr val="accent1"/>
+          </a:fillRef>
+          <a:effectRef idx="1">
+            <a:schemeClr val="accent1"/>
+          </a:effectRef>
+          <a:fontRef idx="minor">
+            <a:schemeClr val="tx1"/>
+          </a:fontRef>
+        </p:style>
+      </p:cxnSp>
+      <p:cxnSp>
+        <p:nvCxnSpPr>
+          <p:cNvPr id="17" name="Straight Connector 16"/>
+          <p:cNvCxnSpPr/>
+          <p:nvPr/>
+        </p:nvCxnSpPr>
+        <p:spPr>
+          <a:xfrm flipH="1">
+            <a:off x="6108170" y="91545"/>
+            <a:ext cx="6080655" cy="6080655"/>
+          </a:xfrm>
+          <a:prstGeom prst="line">
+            <a:avLst/>
+          </a:prstGeom>
+          <a:ln w="12700">
+            <a:solidFill>
+              <a:schemeClr val="tx1"/>
+            </a:solidFill>
+          </a:ln>
+        </p:spPr>
+        <p:style>
+          <a:lnRef idx="2">
+            <a:schemeClr val="accent1"/>
+          </a:lnRef>
+          <a:fillRef idx="0">
+            <a:schemeClr val="accent1"/>
+          </a:fillRef>
+          <a:effectRef idx="1">
+            <a:schemeClr val="accent1"/>
+          </a:effectRef>
+          <a:fontRef idx="minor">
+            <a:schemeClr val="tx1"/>
+          </a:fontRef>
+        </p:style>
+      </p:cxnSp>
+      <p:cxnSp>
+        <p:nvCxnSpPr>
+          <p:cNvPr id="19" name="Straight Connector 18"/>
+          <p:cNvCxnSpPr/>
+          <p:nvPr/>
+        </p:nvCxnSpPr>
+        <p:spPr>
+          <a:xfrm flipH="1">
+            <a:off x="7235825" y="228600"/>
+            <a:ext cx="4953000" cy="4953000"/>
+          </a:xfrm>
+          <a:prstGeom prst="line">
+            <a:avLst/>
+          </a:prstGeom>
+          <a:ln w="12700">
+            <a:solidFill>
+              <a:schemeClr val="tx1"/>
+            </a:solidFill>
+          </a:ln>
+        </p:spPr>
+        <p:style>
+          <a:lnRef idx="2">
+            <a:schemeClr val="accent1"/>
+          </a:lnRef>
+          <a:fillRef idx="0">
+            <a:schemeClr val="accent1"/>
+          </a:fillRef>
+          <a:effectRef idx="1">
+            <a:schemeClr val="accent1"/>
+          </a:effectRef>
+          <a:fontRef idx="minor">
+            <a:schemeClr val="tx1"/>
+          </a:fontRef>
+        </p:style>
+      </p:cxnSp>
+      <p:cxnSp>
+        <p:nvCxnSpPr>
+          <p:cNvPr id="21" name="Straight Connector 20"/>
+          <p:cNvCxnSpPr/>
+          <p:nvPr/>
+        </p:nvCxnSpPr>
+        <p:spPr>
+          <a:xfrm flipH="1">
+            <a:off x="7335837" y="32278"/>
+            <a:ext cx="4852989" cy="4852989"/>
+          </a:xfrm>
+          <a:prstGeom prst="line">
+            <a:avLst/>
+          </a:prstGeom>
+          <a:ln w="31750">
+            <a:solidFill>
+              <a:schemeClr val="tx1"/>
+            </a:solidFill>
+          </a:ln>
+        </p:spPr>
+        <p:style>
+          <a:lnRef idx="2">
+            <a:schemeClr val="accent1"/>
+          </a:lnRef>
+          <a:fillRef idx="0">
+            <a:schemeClr val="accent1"/>
+          </a:fillRef>
+          <a:effectRef idx="1">
+            <a:schemeClr val="accent1"/>
+          </a:effectRef>
+          <a:fontRef idx="minor">
+            <a:schemeClr val="tx1"/>
+          </a:fontRef>
+        </p:style>
+      </p:cxnSp>
+      <p:cxnSp>
+        <p:nvCxnSpPr>
+          <p:cNvPr id="23" name="Straight Connector 22"/>
+          <p:cNvCxnSpPr/>
+          <p:nvPr/>
+        </p:nvCxnSpPr>
+        <p:spPr>
+          <a:xfrm flipH="1">
+            <a:off x="7845426" y="609601"/>
+            <a:ext cx="4343399" cy="4343399"/>
+          </a:xfrm>
+          <a:prstGeom prst="line">
+            <a:avLst/>
+          </a:prstGeom>
+          <a:ln w="31750">
+            <a:solidFill>
+              <a:schemeClr val="tx1"/>
+            </a:solidFill>
+          </a:ln>
+        </p:spPr>
+        <p:style>
+          <a:lnRef idx="2">
+            <a:schemeClr val="accent1"/>
+          </a:lnRef>
+          <a:fillRef idx="0">
+            <a:schemeClr val="accent1"/>
+          </a:fillRef>
+          <a:effectRef idx="1">
+            <a:schemeClr val="accent1"/>
+          </a:effectRef>
+          <a:fontRef idx="minor">
+            <a:schemeClr val="tx1"/>
+          </a:fontRef>
+        </p:style>
+      </p:cxnSp>
     </p:spTree>
     <p:extLst>
       <p:ext uri="{BB962C8B-B14F-4D97-AF65-F5344CB8AC3E}">
-        <p14:creationId xmlns:p14="http://schemas.microsoft.com/office/powerpoint/2010/main" val="2167068028"/>
+        <p14:creationId xmlns:p14="http://schemas.microsoft.com/office/powerpoint/2010/main" val="2658025379"/>
       </p:ext>
     </p:extLst>
   </p:cSld>
@@ -336,6 +544,1812 @@
 </file>
 
 <file path=ppt/slideLayouts/slideLayout10.xml><?xml version="1.0" encoding="utf-8"?>
+<p:sldLayout xmlns:a="http://schemas.openxmlformats.org/drawingml/2006/main" xmlns:r="http://schemas.openxmlformats.org/officeDocument/2006/relationships" xmlns:p="http://schemas.openxmlformats.org/presentationml/2006/main" preserve="1">
+  <p:cSld name="全景圖片 (含輔助字幕)">
+    <p:spTree>
+      <p:nvGrpSpPr>
+        <p:cNvPr id="1" name=""/>
+        <p:cNvGrpSpPr/>
+        <p:nvPr/>
+      </p:nvGrpSpPr>
+      <p:grpSpPr>
+        <a:xfrm>
+          <a:off x="0" y="0"/>
+          <a:ext cx="0" cy="0"/>
+          <a:chOff x="0" y="0"/>
+          <a:chExt cx="0" cy="0"/>
+        </a:xfrm>
+      </p:grpSpPr>
+      <p:sp>
+        <p:nvSpPr>
+          <p:cNvPr id="2" name="Title 1"/>
+          <p:cNvSpPr>
+            <a:spLocks noGrp="1"/>
+          </p:cNvSpPr>
+          <p:nvPr>
+            <p:ph type="title"/>
+          </p:nvPr>
+        </p:nvSpPr>
+        <p:spPr/>
+        <p:txBody>
+          <a:bodyPr/>
+          <a:lstStyle/>
+          <a:p>
+            <a:r>
+              <a:rPr lang="zh-TW" altLang="en-US"/>
+              <a:t>按一下以編輯母片標題樣式</a:t>
+            </a:r>
+            <a:endParaRPr lang="en-US" dirty="0"/>
+          </a:p>
+        </p:txBody>
+      </p:sp>
+      <p:sp>
+        <p:nvSpPr>
+          <p:cNvPr id="17" name="Picture Placeholder 2"/>
+          <p:cNvSpPr>
+            <a:spLocks noGrp="1" noChangeAspect="1"/>
+          </p:cNvSpPr>
+          <p:nvPr>
+            <p:ph type="pic" idx="13"/>
+          </p:nvPr>
+        </p:nvSpPr>
+        <p:spPr>
+          <a:xfrm>
+            <a:off x="685800" y="533400"/>
+            <a:ext cx="10818812" cy="3124200"/>
+          </a:xfrm>
+          <a:prstGeom prst="snip2DiagRect">
+            <a:avLst>
+              <a:gd name="adj1" fmla="val 10815"/>
+              <a:gd name="adj2" fmla="val 0"/>
+            </a:avLst>
+          </a:prstGeom>
+          <a:ln w="15875">
+            <a:solidFill>
+              <a:schemeClr val="tx1">
+                <a:alpha val="40000"/>
+              </a:schemeClr>
+            </a:solidFill>
+          </a:ln>
+          <a:effectLst>
+            <a:innerShdw blurRad="57150" dist="38100" dir="14460000">
+              <a:srgbClr val="000000">
+                <a:alpha val="70000"/>
+              </a:srgbClr>
+            </a:innerShdw>
+          </a:effectLst>
+        </p:spPr>
+        <p:txBody>
+          <a:bodyPr anchor="t">
+            <a:normAutofit/>
+          </a:bodyPr>
+          <a:lstStyle>
+            <a:lvl1pPr marL="0" indent="0" algn="ctr">
+              <a:buNone/>
+              <a:defRPr sz="1600"/>
+            </a:lvl1pPr>
+            <a:lvl2pPr marL="457200" indent="0">
+              <a:buNone/>
+              <a:defRPr sz="1600"/>
+            </a:lvl2pPr>
+            <a:lvl3pPr marL="914400" indent="0">
+              <a:buNone/>
+              <a:defRPr sz="1600"/>
+            </a:lvl3pPr>
+            <a:lvl4pPr marL="1371600" indent="0">
+              <a:buNone/>
+              <a:defRPr sz="1600"/>
+            </a:lvl4pPr>
+            <a:lvl5pPr marL="1828800" indent="0">
+              <a:buNone/>
+              <a:defRPr sz="1600"/>
+            </a:lvl5pPr>
+            <a:lvl6pPr marL="2286000" indent="0">
+              <a:buNone/>
+              <a:defRPr sz="1600"/>
+            </a:lvl6pPr>
+            <a:lvl7pPr marL="2743200" indent="0">
+              <a:buNone/>
+              <a:defRPr sz="1600"/>
+            </a:lvl7pPr>
+            <a:lvl8pPr marL="3200400" indent="0">
+              <a:buNone/>
+              <a:defRPr sz="1600"/>
+            </a:lvl8pPr>
+            <a:lvl9pPr marL="3657600" indent="0">
+              <a:buNone/>
+              <a:defRPr sz="1600"/>
+            </a:lvl9pPr>
+          </a:lstStyle>
+          <a:p>
+            <a:r>
+              <a:rPr lang="zh-TW" altLang="en-US"/>
+              <a:t>按一下圖示以新增圖片</a:t>
+            </a:r>
+            <a:endParaRPr lang="en-US" dirty="0"/>
+          </a:p>
+        </p:txBody>
+      </p:sp>
+      <p:sp>
+        <p:nvSpPr>
+          <p:cNvPr id="16" name="Text Placeholder 9"/>
+          <p:cNvSpPr>
+            <a:spLocks noGrp="1"/>
+          </p:cNvSpPr>
+          <p:nvPr>
+            <p:ph type="body" sz="quarter" idx="14"/>
+          </p:nvPr>
+        </p:nvSpPr>
+        <p:spPr>
+          <a:xfrm>
+            <a:off x="914402" y="3843867"/>
+            <a:ext cx="8304210" cy="457200"/>
+          </a:xfrm>
+        </p:spPr>
+        <p:txBody>
+          <a:bodyPr anchor="t">
+            <a:normAutofit/>
+          </a:bodyPr>
+          <a:lstStyle>
+            <a:lvl1pPr marL="0" indent="0">
+              <a:buFontTx/>
+              <a:buNone/>
+              <a:defRPr sz="1600"/>
+            </a:lvl1pPr>
+            <a:lvl2pPr marL="457200" indent="0">
+              <a:buFontTx/>
+              <a:buNone/>
+              <a:defRPr/>
+            </a:lvl2pPr>
+            <a:lvl3pPr marL="914400" indent="0">
+              <a:buFontTx/>
+              <a:buNone/>
+              <a:defRPr/>
+            </a:lvl3pPr>
+            <a:lvl4pPr marL="1371600" indent="0">
+              <a:buFontTx/>
+              <a:buNone/>
+              <a:defRPr/>
+            </a:lvl4pPr>
+            <a:lvl5pPr marL="1828800" indent="0">
+              <a:buFontTx/>
+              <a:buNone/>
+              <a:defRPr/>
+            </a:lvl5pPr>
+          </a:lstStyle>
+          <a:p>
+            <a:pPr lvl="0"/>
+            <a:r>
+              <a:rPr lang="zh-TW" altLang="en-US"/>
+              <a:t>按一下以編輯母片文字樣式</a:t>
+            </a:r>
+          </a:p>
+        </p:txBody>
+      </p:sp>
+      <p:sp>
+        <p:nvSpPr>
+          <p:cNvPr id="3" name="Date Placeholder 2"/>
+          <p:cNvSpPr>
+            <a:spLocks noGrp="1"/>
+          </p:cNvSpPr>
+          <p:nvPr>
+            <p:ph type="dt" sz="half" idx="10"/>
+          </p:nvPr>
+        </p:nvSpPr>
+        <p:spPr/>
+        <p:txBody>
+          <a:bodyPr/>
+          <a:lstStyle/>
+          <a:p>
+            <a:fld id="{049DCE47-09B5-43F6-8F6D-72AD5738B37B}" type="datetimeFigureOut">
+              <a:rPr lang="zh-TW" altLang="en-US" smtClean="0"/>
+              <a:t>2021/1/10</a:t>
+            </a:fld>
+            <a:endParaRPr lang="zh-TW" altLang="en-US"/>
+          </a:p>
+        </p:txBody>
+      </p:sp>
+      <p:sp>
+        <p:nvSpPr>
+          <p:cNvPr id="4" name="Footer Placeholder 3"/>
+          <p:cNvSpPr>
+            <a:spLocks noGrp="1"/>
+          </p:cNvSpPr>
+          <p:nvPr>
+            <p:ph type="ftr" sz="quarter" idx="11"/>
+          </p:nvPr>
+        </p:nvSpPr>
+        <p:spPr/>
+        <p:txBody>
+          <a:bodyPr/>
+          <a:lstStyle/>
+          <a:p>
+            <a:endParaRPr lang="zh-TW" altLang="en-US"/>
+          </a:p>
+        </p:txBody>
+      </p:sp>
+      <p:sp>
+        <p:nvSpPr>
+          <p:cNvPr id="5" name="Slide Number Placeholder 4"/>
+          <p:cNvSpPr>
+            <a:spLocks noGrp="1"/>
+          </p:cNvSpPr>
+          <p:nvPr>
+            <p:ph type="sldNum" sz="quarter" idx="12"/>
+          </p:nvPr>
+        </p:nvSpPr>
+        <p:spPr/>
+        <p:txBody>
+          <a:bodyPr/>
+          <a:lstStyle/>
+          <a:p>
+            <a:fld id="{48297742-3C1D-4687-8B0C-E83771171140}" type="slidenum">
+              <a:rPr lang="zh-TW" altLang="en-US" smtClean="0"/>
+              <a:t>‹#›</a:t>
+            </a:fld>
+            <a:endParaRPr lang="zh-TW" altLang="en-US"/>
+          </a:p>
+        </p:txBody>
+      </p:sp>
+    </p:spTree>
+    <p:extLst>
+      <p:ext uri="{BB962C8B-B14F-4D97-AF65-F5344CB8AC3E}">
+        <p14:creationId xmlns:p14="http://schemas.microsoft.com/office/powerpoint/2010/main" val="1853692590"/>
+      </p:ext>
+    </p:extLst>
+  </p:cSld>
+  <p:clrMapOvr>
+    <a:masterClrMapping/>
+  </p:clrMapOvr>
+</p:sldLayout>
+</file>
+
+<file path=ppt/slideLayouts/slideLayout11.xml><?xml version="1.0" encoding="utf-8"?>
+<p:sldLayout xmlns:a="http://schemas.openxmlformats.org/drawingml/2006/main" xmlns:r="http://schemas.openxmlformats.org/officeDocument/2006/relationships" xmlns:p="http://schemas.openxmlformats.org/presentationml/2006/main" preserve="1">
+  <p:cSld name="標題與輔助字幕">
+    <p:spTree>
+      <p:nvGrpSpPr>
+        <p:cNvPr id="1" name=""/>
+        <p:cNvGrpSpPr/>
+        <p:nvPr/>
+      </p:nvGrpSpPr>
+      <p:grpSpPr>
+        <a:xfrm>
+          <a:off x="0" y="0"/>
+          <a:ext cx="0" cy="0"/>
+          <a:chOff x="0" y="0"/>
+          <a:chExt cx="0" cy="0"/>
+        </a:xfrm>
+      </p:grpSpPr>
+      <p:sp>
+        <p:nvSpPr>
+          <p:cNvPr id="2" name="Title 1"/>
+          <p:cNvSpPr>
+            <a:spLocks noGrp="1"/>
+          </p:cNvSpPr>
+          <p:nvPr>
+            <p:ph type="title"/>
+          </p:nvPr>
+        </p:nvSpPr>
+        <p:spPr>
+          <a:xfrm>
+            <a:off x="684213" y="685800"/>
+            <a:ext cx="10058400" cy="2743200"/>
+          </a:xfrm>
+        </p:spPr>
+        <p:txBody>
+          <a:bodyPr anchor="ctr">
+            <a:normAutofit/>
+          </a:bodyPr>
+          <a:lstStyle>
+            <a:lvl1pPr algn="l">
+              <a:defRPr sz="3200" b="0" cap="all"/>
+            </a:lvl1pPr>
+          </a:lstStyle>
+          <a:p>
+            <a:r>
+              <a:rPr lang="zh-TW" altLang="en-US"/>
+              <a:t>按一下以編輯母片標題樣式</a:t>
+            </a:r>
+            <a:endParaRPr lang="en-US" dirty="0"/>
+          </a:p>
+        </p:txBody>
+      </p:sp>
+      <p:sp>
+        <p:nvSpPr>
+          <p:cNvPr id="3" name="Text Placeholder 2"/>
+          <p:cNvSpPr>
+            <a:spLocks noGrp="1"/>
+          </p:cNvSpPr>
+          <p:nvPr>
+            <p:ph type="body" idx="1"/>
+          </p:nvPr>
+        </p:nvSpPr>
+        <p:spPr>
+          <a:xfrm>
+            <a:off x="684212" y="4114800"/>
+            <a:ext cx="8535988" cy="1879600"/>
+          </a:xfrm>
+        </p:spPr>
+        <p:txBody>
+          <a:bodyPr anchor="ctr">
+            <a:normAutofit/>
+          </a:bodyPr>
+          <a:lstStyle>
+            <a:lvl1pPr marL="0" indent="0" algn="l">
+              <a:buNone/>
+              <a:defRPr sz="2000">
+                <a:solidFill>
+                  <a:schemeClr val="bg2">
+                    <a:lumMod val="75000"/>
+                  </a:schemeClr>
+                </a:solidFill>
+              </a:defRPr>
+            </a:lvl1pPr>
+            <a:lvl2pPr marL="457200" indent="0">
+              <a:buNone/>
+              <a:defRPr sz="1800">
+                <a:solidFill>
+                  <a:schemeClr val="tx1">
+                    <a:tint val="75000"/>
+                  </a:schemeClr>
+                </a:solidFill>
+              </a:defRPr>
+            </a:lvl2pPr>
+            <a:lvl3pPr marL="914400" indent="0">
+              <a:buNone/>
+              <a:defRPr sz="1600">
+                <a:solidFill>
+                  <a:schemeClr val="tx1">
+                    <a:tint val="75000"/>
+                  </a:schemeClr>
+                </a:solidFill>
+              </a:defRPr>
+            </a:lvl3pPr>
+            <a:lvl4pPr marL="1371600" indent="0">
+              <a:buNone/>
+              <a:defRPr sz="1400">
+                <a:solidFill>
+                  <a:schemeClr val="tx1">
+                    <a:tint val="75000"/>
+                  </a:schemeClr>
+                </a:solidFill>
+              </a:defRPr>
+            </a:lvl4pPr>
+            <a:lvl5pPr marL="1828800" indent="0">
+              <a:buNone/>
+              <a:defRPr sz="1400">
+                <a:solidFill>
+                  <a:schemeClr val="tx1">
+                    <a:tint val="75000"/>
+                  </a:schemeClr>
+                </a:solidFill>
+              </a:defRPr>
+            </a:lvl5pPr>
+            <a:lvl6pPr marL="2286000" indent="0">
+              <a:buNone/>
+              <a:defRPr sz="1400">
+                <a:solidFill>
+                  <a:schemeClr val="tx1">
+                    <a:tint val="75000"/>
+                  </a:schemeClr>
+                </a:solidFill>
+              </a:defRPr>
+            </a:lvl6pPr>
+            <a:lvl7pPr marL="2743200" indent="0">
+              <a:buNone/>
+              <a:defRPr sz="1400">
+                <a:solidFill>
+                  <a:schemeClr val="tx1">
+                    <a:tint val="75000"/>
+                  </a:schemeClr>
+                </a:solidFill>
+              </a:defRPr>
+            </a:lvl7pPr>
+            <a:lvl8pPr marL="3200400" indent="0">
+              <a:buNone/>
+              <a:defRPr sz="1400">
+                <a:solidFill>
+                  <a:schemeClr val="tx1">
+                    <a:tint val="75000"/>
+                  </a:schemeClr>
+                </a:solidFill>
+              </a:defRPr>
+            </a:lvl8pPr>
+            <a:lvl9pPr marL="3657600" indent="0">
+              <a:buNone/>
+              <a:defRPr sz="1400">
+                <a:solidFill>
+                  <a:schemeClr val="tx1">
+                    <a:tint val="75000"/>
+                  </a:schemeClr>
+                </a:solidFill>
+              </a:defRPr>
+            </a:lvl9pPr>
+          </a:lstStyle>
+          <a:p>
+            <a:pPr lvl="0"/>
+            <a:r>
+              <a:rPr lang="zh-TW" altLang="en-US"/>
+              <a:t>按一下以編輯母片文字樣式</a:t>
+            </a:r>
+          </a:p>
+        </p:txBody>
+      </p:sp>
+      <p:sp>
+        <p:nvSpPr>
+          <p:cNvPr id="4" name="Date Placeholder 3"/>
+          <p:cNvSpPr>
+            <a:spLocks noGrp="1"/>
+          </p:cNvSpPr>
+          <p:nvPr>
+            <p:ph type="dt" sz="half" idx="10"/>
+          </p:nvPr>
+        </p:nvSpPr>
+        <p:spPr/>
+        <p:txBody>
+          <a:bodyPr/>
+          <a:lstStyle/>
+          <a:p>
+            <a:fld id="{049DCE47-09B5-43F6-8F6D-72AD5738B37B}" type="datetimeFigureOut">
+              <a:rPr lang="zh-TW" altLang="en-US" smtClean="0"/>
+              <a:t>2021/1/10</a:t>
+            </a:fld>
+            <a:endParaRPr lang="zh-TW" altLang="en-US"/>
+          </a:p>
+        </p:txBody>
+      </p:sp>
+      <p:sp>
+        <p:nvSpPr>
+          <p:cNvPr id="5" name="Footer Placeholder 4"/>
+          <p:cNvSpPr>
+            <a:spLocks noGrp="1"/>
+          </p:cNvSpPr>
+          <p:nvPr>
+            <p:ph type="ftr" sz="quarter" idx="11"/>
+          </p:nvPr>
+        </p:nvSpPr>
+        <p:spPr/>
+        <p:txBody>
+          <a:bodyPr/>
+          <a:lstStyle/>
+          <a:p>
+            <a:endParaRPr lang="zh-TW" altLang="en-US"/>
+          </a:p>
+        </p:txBody>
+      </p:sp>
+      <p:sp>
+        <p:nvSpPr>
+          <p:cNvPr id="6" name="Slide Number Placeholder 5"/>
+          <p:cNvSpPr>
+            <a:spLocks noGrp="1"/>
+          </p:cNvSpPr>
+          <p:nvPr>
+            <p:ph type="sldNum" sz="quarter" idx="12"/>
+          </p:nvPr>
+        </p:nvSpPr>
+        <p:spPr/>
+        <p:txBody>
+          <a:bodyPr/>
+          <a:lstStyle/>
+          <a:p>
+            <a:fld id="{48297742-3C1D-4687-8B0C-E83771171140}" type="slidenum">
+              <a:rPr lang="zh-TW" altLang="en-US" smtClean="0"/>
+              <a:t>‹#›</a:t>
+            </a:fld>
+            <a:endParaRPr lang="zh-TW" altLang="en-US"/>
+          </a:p>
+        </p:txBody>
+      </p:sp>
+    </p:spTree>
+    <p:extLst>
+      <p:ext uri="{BB962C8B-B14F-4D97-AF65-F5344CB8AC3E}">
+        <p14:creationId xmlns:p14="http://schemas.microsoft.com/office/powerpoint/2010/main" val="143451387"/>
+      </p:ext>
+    </p:extLst>
+  </p:cSld>
+  <p:clrMapOvr>
+    <a:masterClrMapping/>
+  </p:clrMapOvr>
+</p:sldLayout>
+</file>
+
+<file path=ppt/slideLayouts/slideLayout12.xml><?xml version="1.0" encoding="utf-8"?>
+<p:sldLayout xmlns:a="http://schemas.openxmlformats.org/drawingml/2006/main" xmlns:r="http://schemas.openxmlformats.org/officeDocument/2006/relationships" xmlns:p="http://schemas.openxmlformats.org/presentationml/2006/main" preserve="1">
+  <p:cSld name="引述 (含輔助字幕)">
+    <p:spTree>
+      <p:nvGrpSpPr>
+        <p:cNvPr id="1" name=""/>
+        <p:cNvGrpSpPr/>
+        <p:nvPr/>
+      </p:nvGrpSpPr>
+      <p:grpSpPr>
+        <a:xfrm>
+          <a:off x="0" y="0"/>
+          <a:ext cx="0" cy="0"/>
+          <a:chOff x="0" y="0"/>
+          <a:chExt cx="0" cy="0"/>
+        </a:xfrm>
+      </p:grpSpPr>
+      <p:sp>
+        <p:nvSpPr>
+          <p:cNvPr id="2" name="Title 1"/>
+          <p:cNvSpPr>
+            <a:spLocks noGrp="1"/>
+          </p:cNvSpPr>
+          <p:nvPr>
+            <p:ph type="title"/>
+          </p:nvPr>
+        </p:nvSpPr>
+        <p:spPr>
+          <a:xfrm>
+            <a:off x="1141411" y="685800"/>
+            <a:ext cx="9144001" cy="2743200"/>
+          </a:xfrm>
+        </p:spPr>
+        <p:txBody>
+          <a:bodyPr anchor="ctr">
+            <a:normAutofit/>
+          </a:bodyPr>
+          <a:lstStyle>
+            <a:lvl1pPr algn="l">
+              <a:defRPr sz="3200" b="0" cap="all">
+                <a:solidFill>
+                  <a:schemeClr val="tx1"/>
+                </a:solidFill>
+              </a:defRPr>
+            </a:lvl1pPr>
+          </a:lstStyle>
+          <a:p>
+            <a:r>
+              <a:rPr lang="zh-TW" altLang="en-US"/>
+              <a:t>按一下以編輯母片標題樣式</a:t>
+            </a:r>
+            <a:endParaRPr lang="en-US" dirty="0"/>
+          </a:p>
+        </p:txBody>
+      </p:sp>
+      <p:sp>
+        <p:nvSpPr>
+          <p:cNvPr id="10" name="Text Placeholder 9"/>
+          <p:cNvSpPr>
+            <a:spLocks noGrp="1"/>
+          </p:cNvSpPr>
+          <p:nvPr>
+            <p:ph type="body" sz="quarter" idx="13"/>
+          </p:nvPr>
+        </p:nvSpPr>
+        <p:spPr>
+          <a:xfrm>
+            <a:off x="1446212" y="3429000"/>
+            <a:ext cx="8534400" cy="381000"/>
+          </a:xfrm>
+        </p:spPr>
+        <p:txBody>
+          <a:bodyPr anchor="ctr"/>
+          <a:lstStyle>
+            <a:lvl1pPr marL="0" indent="0">
+              <a:buFontTx/>
+              <a:buNone/>
+              <a:defRPr/>
+            </a:lvl1pPr>
+            <a:lvl2pPr marL="457200" indent="0">
+              <a:buFontTx/>
+              <a:buNone/>
+              <a:defRPr/>
+            </a:lvl2pPr>
+            <a:lvl3pPr marL="914400" indent="0">
+              <a:buFontTx/>
+              <a:buNone/>
+              <a:defRPr/>
+            </a:lvl3pPr>
+            <a:lvl4pPr marL="1371600" indent="0">
+              <a:buFontTx/>
+              <a:buNone/>
+              <a:defRPr/>
+            </a:lvl4pPr>
+            <a:lvl5pPr marL="1828800" indent="0">
+              <a:buFontTx/>
+              <a:buNone/>
+              <a:defRPr/>
+            </a:lvl5pPr>
+          </a:lstStyle>
+          <a:p>
+            <a:pPr lvl="0"/>
+            <a:r>
+              <a:rPr lang="zh-TW" altLang="en-US"/>
+              <a:t>按一下以編輯母片文字樣式</a:t>
+            </a:r>
+          </a:p>
+        </p:txBody>
+      </p:sp>
+      <p:sp>
+        <p:nvSpPr>
+          <p:cNvPr id="3" name="Text Placeholder 2"/>
+          <p:cNvSpPr>
+            <a:spLocks noGrp="1"/>
+          </p:cNvSpPr>
+          <p:nvPr>
+            <p:ph type="body" idx="1"/>
+          </p:nvPr>
+        </p:nvSpPr>
+        <p:spPr>
+          <a:xfrm>
+            <a:off x="684213" y="4301067"/>
+            <a:ext cx="8534400" cy="1684865"/>
+          </a:xfrm>
+        </p:spPr>
+        <p:txBody>
+          <a:bodyPr anchor="ctr">
+            <a:normAutofit/>
+          </a:bodyPr>
+          <a:lstStyle>
+            <a:lvl1pPr marL="0" indent="0" algn="l">
+              <a:buNone/>
+              <a:defRPr sz="2000">
+                <a:solidFill>
+                  <a:schemeClr val="bg2">
+                    <a:lumMod val="75000"/>
+                  </a:schemeClr>
+                </a:solidFill>
+              </a:defRPr>
+            </a:lvl1pPr>
+            <a:lvl2pPr marL="457200" indent="0">
+              <a:buNone/>
+              <a:defRPr sz="1800">
+                <a:solidFill>
+                  <a:schemeClr val="tx1">
+                    <a:tint val="75000"/>
+                  </a:schemeClr>
+                </a:solidFill>
+              </a:defRPr>
+            </a:lvl2pPr>
+            <a:lvl3pPr marL="914400" indent="0">
+              <a:buNone/>
+              <a:defRPr sz="1600">
+                <a:solidFill>
+                  <a:schemeClr val="tx1">
+                    <a:tint val="75000"/>
+                  </a:schemeClr>
+                </a:solidFill>
+              </a:defRPr>
+            </a:lvl3pPr>
+            <a:lvl4pPr marL="1371600" indent="0">
+              <a:buNone/>
+              <a:defRPr sz="1400">
+                <a:solidFill>
+                  <a:schemeClr val="tx1">
+                    <a:tint val="75000"/>
+                  </a:schemeClr>
+                </a:solidFill>
+              </a:defRPr>
+            </a:lvl4pPr>
+            <a:lvl5pPr marL="1828800" indent="0">
+              <a:buNone/>
+              <a:defRPr sz="1400">
+                <a:solidFill>
+                  <a:schemeClr val="tx1">
+                    <a:tint val="75000"/>
+                  </a:schemeClr>
+                </a:solidFill>
+              </a:defRPr>
+            </a:lvl5pPr>
+            <a:lvl6pPr marL="2286000" indent="0">
+              <a:buNone/>
+              <a:defRPr sz="1400">
+                <a:solidFill>
+                  <a:schemeClr val="tx1">
+                    <a:tint val="75000"/>
+                  </a:schemeClr>
+                </a:solidFill>
+              </a:defRPr>
+            </a:lvl6pPr>
+            <a:lvl7pPr marL="2743200" indent="0">
+              <a:buNone/>
+              <a:defRPr sz="1400">
+                <a:solidFill>
+                  <a:schemeClr val="tx1">
+                    <a:tint val="75000"/>
+                  </a:schemeClr>
+                </a:solidFill>
+              </a:defRPr>
+            </a:lvl7pPr>
+            <a:lvl8pPr marL="3200400" indent="0">
+              <a:buNone/>
+              <a:defRPr sz="1400">
+                <a:solidFill>
+                  <a:schemeClr val="tx1">
+                    <a:tint val="75000"/>
+                  </a:schemeClr>
+                </a:solidFill>
+              </a:defRPr>
+            </a:lvl8pPr>
+            <a:lvl9pPr marL="3657600" indent="0">
+              <a:buNone/>
+              <a:defRPr sz="1400">
+                <a:solidFill>
+                  <a:schemeClr val="tx1">
+                    <a:tint val="75000"/>
+                  </a:schemeClr>
+                </a:solidFill>
+              </a:defRPr>
+            </a:lvl9pPr>
+          </a:lstStyle>
+          <a:p>
+            <a:pPr lvl="0"/>
+            <a:r>
+              <a:rPr lang="zh-TW" altLang="en-US"/>
+              <a:t>按一下以編輯母片文字樣式</a:t>
+            </a:r>
+          </a:p>
+        </p:txBody>
+      </p:sp>
+      <p:sp>
+        <p:nvSpPr>
+          <p:cNvPr id="4" name="Date Placeholder 3"/>
+          <p:cNvSpPr>
+            <a:spLocks noGrp="1"/>
+          </p:cNvSpPr>
+          <p:nvPr>
+            <p:ph type="dt" sz="half" idx="10"/>
+          </p:nvPr>
+        </p:nvSpPr>
+        <p:spPr/>
+        <p:txBody>
+          <a:bodyPr/>
+          <a:lstStyle/>
+          <a:p>
+            <a:fld id="{049DCE47-09B5-43F6-8F6D-72AD5738B37B}" type="datetimeFigureOut">
+              <a:rPr lang="zh-TW" altLang="en-US" smtClean="0"/>
+              <a:t>2021/1/10</a:t>
+            </a:fld>
+            <a:endParaRPr lang="zh-TW" altLang="en-US"/>
+          </a:p>
+        </p:txBody>
+      </p:sp>
+      <p:sp>
+        <p:nvSpPr>
+          <p:cNvPr id="5" name="Footer Placeholder 4"/>
+          <p:cNvSpPr>
+            <a:spLocks noGrp="1"/>
+          </p:cNvSpPr>
+          <p:nvPr>
+            <p:ph type="ftr" sz="quarter" idx="11"/>
+          </p:nvPr>
+        </p:nvSpPr>
+        <p:spPr/>
+        <p:txBody>
+          <a:bodyPr/>
+          <a:lstStyle/>
+          <a:p>
+            <a:endParaRPr lang="zh-TW" altLang="en-US"/>
+          </a:p>
+        </p:txBody>
+      </p:sp>
+      <p:sp>
+        <p:nvSpPr>
+          <p:cNvPr id="6" name="Slide Number Placeholder 5"/>
+          <p:cNvSpPr>
+            <a:spLocks noGrp="1"/>
+          </p:cNvSpPr>
+          <p:nvPr>
+            <p:ph type="sldNum" sz="quarter" idx="12"/>
+          </p:nvPr>
+        </p:nvSpPr>
+        <p:spPr/>
+        <p:txBody>
+          <a:bodyPr/>
+          <a:lstStyle/>
+          <a:p>
+            <a:fld id="{48297742-3C1D-4687-8B0C-E83771171140}" type="slidenum">
+              <a:rPr lang="zh-TW" altLang="en-US" smtClean="0"/>
+              <a:t>‹#›</a:t>
+            </a:fld>
+            <a:endParaRPr lang="zh-TW" altLang="en-US"/>
+          </a:p>
+        </p:txBody>
+      </p:sp>
+      <p:sp>
+        <p:nvSpPr>
+          <p:cNvPr id="14" name="TextBox 13"/>
+          <p:cNvSpPr txBox="1"/>
+          <p:nvPr/>
+        </p:nvSpPr>
+        <p:spPr>
+          <a:xfrm>
+            <a:off x="531812" y="812222"/>
+            <a:ext cx="609600" cy="584776"/>
+          </a:xfrm>
+          <a:prstGeom prst="rect">
+            <a:avLst/>
+          </a:prstGeom>
+        </p:spPr>
+        <p:txBody>
+          <a:bodyPr vert="horz" lIns="91440" tIns="45720" rIns="91440" bIns="45720" rtlCol="0" anchor="ctr">
+            <a:noAutofit/>
+          </a:bodyPr>
+          <a:lstStyle/>
+          <a:p>
+            <a:pPr lvl="0"/>
+            <a:r>
+              <a:rPr lang="en-US" sz="8000" dirty="0">
+                <a:solidFill>
+                  <a:schemeClr val="tx1"/>
+                </a:solidFill>
+                <a:effectLst/>
+              </a:rPr>
+              <a:t>“</a:t>
+            </a:r>
+          </a:p>
+        </p:txBody>
+      </p:sp>
+      <p:sp>
+        <p:nvSpPr>
+          <p:cNvPr id="15" name="TextBox 14"/>
+          <p:cNvSpPr txBox="1"/>
+          <p:nvPr/>
+        </p:nvSpPr>
+        <p:spPr>
+          <a:xfrm>
+            <a:off x="10285412" y="2768601"/>
+            <a:ext cx="609600" cy="584776"/>
+          </a:xfrm>
+          <a:prstGeom prst="rect">
+            <a:avLst/>
+          </a:prstGeom>
+        </p:spPr>
+        <p:txBody>
+          <a:bodyPr vert="horz" lIns="91440" tIns="45720" rIns="91440" bIns="45720" rtlCol="0" anchor="ctr">
+            <a:noAutofit/>
+          </a:bodyPr>
+          <a:lstStyle/>
+          <a:p>
+            <a:pPr lvl="0" algn="r"/>
+            <a:r>
+              <a:rPr lang="en-US" sz="8000" dirty="0">
+                <a:solidFill>
+                  <a:schemeClr val="tx1"/>
+                </a:solidFill>
+                <a:effectLst/>
+              </a:rPr>
+              <a:t>”</a:t>
+            </a:r>
+          </a:p>
+        </p:txBody>
+      </p:sp>
+    </p:spTree>
+    <p:extLst>
+      <p:ext uri="{BB962C8B-B14F-4D97-AF65-F5344CB8AC3E}">
+        <p14:creationId xmlns:p14="http://schemas.microsoft.com/office/powerpoint/2010/main" val="3614018072"/>
+      </p:ext>
+    </p:extLst>
+  </p:cSld>
+  <p:clrMapOvr>
+    <a:masterClrMapping/>
+  </p:clrMapOvr>
+</p:sldLayout>
+</file>
+
+<file path=ppt/slideLayouts/slideLayout13.xml><?xml version="1.0" encoding="utf-8"?>
+<p:sldLayout xmlns:a="http://schemas.openxmlformats.org/drawingml/2006/main" xmlns:r="http://schemas.openxmlformats.org/officeDocument/2006/relationships" xmlns:p="http://schemas.openxmlformats.org/presentationml/2006/main" preserve="1">
+  <p:cSld name="名片">
+    <p:spTree>
+      <p:nvGrpSpPr>
+        <p:cNvPr id="1" name=""/>
+        <p:cNvGrpSpPr/>
+        <p:nvPr/>
+      </p:nvGrpSpPr>
+      <p:grpSpPr>
+        <a:xfrm>
+          <a:off x="0" y="0"/>
+          <a:ext cx="0" cy="0"/>
+          <a:chOff x="0" y="0"/>
+          <a:chExt cx="0" cy="0"/>
+        </a:xfrm>
+      </p:grpSpPr>
+      <p:sp>
+        <p:nvSpPr>
+          <p:cNvPr id="2" name="Title 1"/>
+          <p:cNvSpPr>
+            <a:spLocks noGrp="1"/>
+          </p:cNvSpPr>
+          <p:nvPr>
+            <p:ph type="title"/>
+          </p:nvPr>
+        </p:nvSpPr>
+        <p:spPr>
+          <a:xfrm>
+            <a:off x="684212" y="3429000"/>
+            <a:ext cx="8534400" cy="1697400"/>
+          </a:xfrm>
+        </p:spPr>
+        <p:txBody>
+          <a:bodyPr anchor="b">
+            <a:normAutofit/>
+          </a:bodyPr>
+          <a:lstStyle>
+            <a:lvl1pPr algn="l">
+              <a:defRPr sz="3200" b="0" cap="all"/>
+            </a:lvl1pPr>
+          </a:lstStyle>
+          <a:p>
+            <a:r>
+              <a:rPr lang="zh-TW" altLang="en-US"/>
+              <a:t>按一下以編輯母片標題樣式</a:t>
+            </a:r>
+            <a:endParaRPr lang="en-US" dirty="0"/>
+          </a:p>
+        </p:txBody>
+      </p:sp>
+      <p:sp>
+        <p:nvSpPr>
+          <p:cNvPr id="3" name="Text Placeholder 2"/>
+          <p:cNvSpPr>
+            <a:spLocks noGrp="1"/>
+          </p:cNvSpPr>
+          <p:nvPr>
+            <p:ph type="body" idx="1"/>
+          </p:nvPr>
+        </p:nvSpPr>
+        <p:spPr>
+          <a:xfrm>
+            <a:off x="684211" y="5132981"/>
+            <a:ext cx="8535990" cy="860400"/>
+          </a:xfrm>
+        </p:spPr>
+        <p:txBody>
+          <a:bodyPr anchor="t">
+            <a:normAutofit/>
+          </a:bodyPr>
+          <a:lstStyle>
+            <a:lvl1pPr marL="0" indent="0" algn="l">
+              <a:buNone/>
+              <a:defRPr sz="2000">
+                <a:solidFill>
+                  <a:schemeClr val="bg2">
+                    <a:lumMod val="75000"/>
+                  </a:schemeClr>
+                </a:solidFill>
+              </a:defRPr>
+            </a:lvl1pPr>
+            <a:lvl2pPr marL="457200" indent="0">
+              <a:buNone/>
+              <a:defRPr sz="1800">
+                <a:solidFill>
+                  <a:schemeClr val="tx1">
+                    <a:tint val="75000"/>
+                  </a:schemeClr>
+                </a:solidFill>
+              </a:defRPr>
+            </a:lvl2pPr>
+            <a:lvl3pPr marL="914400" indent="0">
+              <a:buNone/>
+              <a:defRPr sz="1600">
+                <a:solidFill>
+                  <a:schemeClr val="tx1">
+                    <a:tint val="75000"/>
+                  </a:schemeClr>
+                </a:solidFill>
+              </a:defRPr>
+            </a:lvl3pPr>
+            <a:lvl4pPr marL="1371600" indent="0">
+              <a:buNone/>
+              <a:defRPr sz="1400">
+                <a:solidFill>
+                  <a:schemeClr val="tx1">
+                    <a:tint val="75000"/>
+                  </a:schemeClr>
+                </a:solidFill>
+              </a:defRPr>
+            </a:lvl4pPr>
+            <a:lvl5pPr marL="1828800" indent="0">
+              <a:buNone/>
+              <a:defRPr sz="1400">
+                <a:solidFill>
+                  <a:schemeClr val="tx1">
+                    <a:tint val="75000"/>
+                  </a:schemeClr>
+                </a:solidFill>
+              </a:defRPr>
+            </a:lvl5pPr>
+            <a:lvl6pPr marL="2286000" indent="0">
+              <a:buNone/>
+              <a:defRPr sz="1400">
+                <a:solidFill>
+                  <a:schemeClr val="tx1">
+                    <a:tint val="75000"/>
+                  </a:schemeClr>
+                </a:solidFill>
+              </a:defRPr>
+            </a:lvl6pPr>
+            <a:lvl7pPr marL="2743200" indent="0">
+              <a:buNone/>
+              <a:defRPr sz="1400">
+                <a:solidFill>
+                  <a:schemeClr val="tx1">
+                    <a:tint val="75000"/>
+                  </a:schemeClr>
+                </a:solidFill>
+              </a:defRPr>
+            </a:lvl7pPr>
+            <a:lvl8pPr marL="3200400" indent="0">
+              <a:buNone/>
+              <a:defRPr sz="1400">
+                <a:solidFill>
+                  <a:schemeClr val="tx1">
+                    <a:tint val="75000"/>
+                  </a:schemeClr>
+                </a:solidFill>
+              </a:defRPr>
+            </a:lvl8pPr>
+            <a:lvl9pPr marL="3657600" indent="0">
+              <a:buNone/>
+              <a:defRPr sz="1400">
+                <a:solidFill>
+                  <a:schemeClr val="tx1">
+                    <a:tint val="75000"/>
+                  </a:schemeClr>
+                </a:solidFill>
+              </a:defRPr>
+            </a:lvl9pPr>
+          </a:lstStyle>
+          <a:p>
+            <a:pPr lvl="0"/>
+            <a:r>
+              <a:rPr lang="zh-TW" altLang="en-US"/>
+              <a:t>按一下以編輯母片文字樣式</a:t>
+            </a:r>
+          </a:p>
+        </p:txBody>
+      </p:sp>
+      <p:sp>
+        <p:nvSpPr>
+          <p:cNvPr id="4" name="Date Placeholder 3"/>
+          <p:cNvSpPr>
+            <a:spLocks noGrp="1"/>
+          </p:cNvSpPr>
+          <p:nvPr>
+            <p:ph type="dt" sz="half" idx="10"/>
+          </p:nvPr>
+        </p:nvSpPr>
+        <p:spPr/>
+        <p:txBody>
+          <a:bodyPr/>
+          <a:lstStyle/>
+          <a:p>
+            <a:fld id="{049DCE47-09B5-43F6-8F6D-72AD5738B37B}" type="datetimeFigureOut">
+              <a:rPr lang="zh-TW" altLang="en-US" smtClean="0"/>
+              <a:t>2021/1/10</a:t>
+            </a:fld>
+            <a:endParaRPr lang="zh-TW" altLang="en-US"/>
+          </a:p>
+        </p:txBody>
+      </p:sp>
+      <p:sp>
+        <p:nvSpPr>
+          <p:cNvPr id="5" name="Footer Placeholder 4"/>
+          <p:cNvSpPr>
+            <a:spLocks noGrp="1"/>
+          </p:cNvSpPr>
+          <p:nvPr>
+            <p:ph type="ftr" sz="quarter" idx="11"/>
+          </p:nvPr>
+        </p:nvSpPr>
+        <p:spPr/>
+        <p:txBody>
+          <a:bodyPr/>
+          <a:lstStyle/>
+          <a:p>
+            <a:endParaRPr lang="zh-TW" altLang="en-US"/>
+          </a:p>
+        </p:txBody>
+      </p:sp>
+      <p:sp>
+        <p:nvSpPr>
+          <p:cNvPr id="6" name="Slide Number Placeholder 5"/>
+          <p:cNvSpPr>
+            <a:spLocks noGrp="1"/>
+          </p:cNvSpPr>
+          <p:nvPr>
+            <p:ph type="sldNum" sz="quarter" idx="12"/>
+          </p:nvPr>
+        </p:nvSpPr>
+        <p:spPr/>
+        <p:txBody>
+          <a:bodyPr/>
+          <a:lstStyle/>
+          <a:p>
+            <a:fld id="{48297742-3C1D-4687-8B0C-E83771171140}" type="slidenum">
+              <a:rPr lang="zh-TW" altLang="en-US" smtClean="0"/>
+              <a:t>‹#›</a:t>
+            </a:fld>
+            <a:endParaRPr lang="zh-TW" altLang="en-US"/>
+          </a:p>
+        </p:txBody>
+      </p:sp>
+    </p:spTree>
+    <p:extLst>
+      <p:ext uri="{BB962C8B-B14F-4D97-AF65-F5344CB8AC3E}">
+        <p14:creationId xmlns:p14="http://schemas.microsoft.com/office/powerpoint/2010/main" val="3465968825"/>
+      </p:ext>
+    </p:extLst>
+  </p:cSld>
+  <p:clrMapOvr>
+    <a:masterClrMapping/>
+  </p:clrMapOvr>
+</p:sldLayout>
+</file>
+
+<file path=ppt/slideLayouts/slideLayout14.xml><?xml version="1.0" encoding="utf-8"?>
+<p:sldLayout xmlns:a="http://schemas.openxmlformats.org/drawingml/2006/main" xmlns:r="http://schemas.openxmlformats.org/officeDocument/2006/relationships" xmlns:p="http://schemas.openxmlformats.org/presentationml/2006/main" preserve="1">
+  <p:cSld name="引述名片">
+    <p:spTree>
+      <p:nvGrpSpPr>
+        <p:cNvPr id="1" name=""/>
+        <p:cNvGrpSpPr/>
+        <p:nvPr/>
+      </p:nvGrpSpPr>
+      <p:grpSpPr>
+        <a:xfrm>
+          <a:off x="0" y="0"/>
+          <a:ext cx="0" cy="0"/>
+          <a:chOff x="0" y="0"/>
+          <a:chExt cx="0" cy="0"/>
+        </a:xfrm>
+      </p:grpSpPr>
+      <p:sp>
+        <p:nvSpPr>
+          <p:cNvPr id="2" name="Title 1"/>
+          <p:cNvSpPr>
+            <a:spLocks noGrp="1"/>
+          </p:cNvSpPr>
+          <p:nvPr>
+            <p:ph type="title"/>
+          </p:nvPr>
+        </p:nvSpPr>
+        <p:spPr>
+          <a:xfrm>
+            <a:off x="1141413" y="685800"/>
+            <a:ext cx="9144000" cy="2743200"/>
+          </a:xfrm>
+        </p:spPr>
+        <p:txBody>
+          <a:bodyPr anchor="ctr">
+            <a:normAutofit/>
+          </a:bodyPr>
+          <a:lstStyle>
+            <a:lvl1pPr algn="l">
+              <a:defRPr sz="3200" b="0" cap="all">
+                <a:solidFill>
+                  <a:schemeClr val="tx1"/>
+                </a:solidFill>
+              </a:defRPr>
+            </a:lvl1pPr>
+          </a:lstStyle>
+          <a:p>
+            <a:r>
+              <a:rPr lang="zh-TW" altLang="en-US"/>
+              <a:t>按一下以編輯母片標題樣式</a:t>
+            </a:r>
+            <a:endParaRPr lang="en-US" dirty="0"/>
+          </a:p>
+        </p:txBody>
+      </p:sp>
+      <p:sp>
+        <p:nvSpPr>
+          <p:cNvPr id="10" name="Text Placeholder 9"/>
+          <p:cNvSpPr>
+            <a:spLocks noGrp="1"/>
+          </p:cNvSpPr>
+          <p:nvPr>
+            <p:ph type="body" sz="quarter" idx="13"/>
+          </p:nvPr>
+        </p:nvSpPr>
+        <p:spPr>
+          <a:xfrm>
+            <a:off x="684212" y="3928534"/>
+            <a:ext cx="8534401" cy="1049866"/>
+          </a:xfrm>
+        </p:spPr>
+        <p:txBody>
+          <a:bodyPr vert="horz" lIns="91440" tIns="45720" rIns="91440" bIns="45720" rtlCol="0" anchor="b">
+            <a:normAutofit/>
+          </a:bodyPr>
+          <a:lstStyle>
+            <a:lvl1pPr>
+              <a:buNone/>
+              <a:defRPr lang="en-US" sz="2400" b="0" cap="all" dirty="0">
+                <a:ln w="3175" cmpd="sng">
+                  <a:noFill/>
+                </a:ln>
+                <a:solidFill>
+                  <a:schemeClr val="tx1"/>
+                </a:solidFill>
+                <a:effectLst/>
+              </a:defRPr>
+            </a:lvl1pPr>
+          </a:lstStyle>
+          <a:p>
+            <a:pPr marL="0" lvl="0">
+              <a:spcBef>
+                <a:spcPct val="0"/>
+              </a:spcBef>
+              <a:buNone/>
+            </a:pPr>
+            <a:r>
+              <a:rPr lang="zh-TW" altLang="en-US"/>
+              <a:t>按一下以編輯母片文字樣式</a:t>
+            </a:r>
+          </a:p>
+        </p:txBody>
+      </p:sp>
+      <p:sp>
+        <p:nvSpPr>
+          <p:cNvPr id="3" name="Text Placeholder 2"/>
+          <p:cNvSpPr>
+            <a:spLocks noGrp="1"/>
+          </p:cNvSpPr>
+          <p:nvPr>
+            <p:ph type="body" idx="1"/>
+          </p:nvPr>
+        </p:nvSpPr>
+        <p:spPr>
+          <a:xfrm>
+            <a:off x="684211" y="4978400"/>
+            <a:ext cx="8534401" cy="1016000"/>
+          </a:xfrm>
+        </p:spPr>
+        <p:txBody>
+          <a:bodyPr anchor="t">
+            <a:normAutofit/>
+          </a:bodyPr>
+          <a:lstStyle>
+            <a:lvl1pPr marL="0" indent="0" algn="l">
+              <a:buNone/>
+              <a:defRPr sz="1800">
+                <a:solidFill>
+                  <a:schemeClr val="bg2">
+                    <a:lumMod val="75000"/>
+                  </a:schemeClr>
+                </a:solidFill>
+              </a:defRPr>
+            </a:lvl1pPr>
+            <a:lvl2pPr marL="457200" indent="0">
+              <a:buNone/>
+              <a:defRPr sz="1800">
+                <a:solidFill>
+                  <a:schemeClr val="tx1">
+                    <a:tint val="75000"/>
+                  </a:schemeClr>
+                </a:solidFill>
+              </a:defRPr>
+            </a:lvl2pPr>
+            <a:lvl3pPr marL="914400" indent="0">
+              <a:buNone/>
+              <a:defRPr sz="1600">
+                <a:solidFill>
+                  <a:schemeClr val="tx1">
+                    <a:tint val="75000"/>
+                  </a:schemeClr>
+                </a:solidFill>
+              </a:defRPr>
+            </a:lvl3pPr>
+            <a:lvl4pPr marL="1371600" indent="0">
+              <a:buNone/>
+              <a:defRPr sz="1400">
+                <a:solidFill>
+                  <a:schemeClr val="tx1">
+                    <a:tint val="75000"/>
+                  </a:schemeClr>
+                </a:solidFill>
+              </a:defRPr>
+            </a:lvl4pPr>
+            <a:lvl5pPr marL="1828800" indent="0">
+              <a:buNone/>
+              <a:defRPr sz="1400">
+                <a:solidFill>
+                  <a:schemeClr val="tx1">
+                    <a:tint val="75000"/>
+                  </a:schemeClr>
+                </a:solidFill>
+              </a:defRPr>
+            </a:lvl5pPr>
+            <a:lvl6pPr marL="2286000" indent="0">
+              <a:buNone/>
+              <a:defRPr sz="1400">
+                <a:solidFill>
+                  <a:schemeClr val="tx1">
+                    <a:tint val="75000"/>
+                  </a:schemeClr>
+                </a:solidFill>
+              </a:defRPr>
+            </a:lvl6pPr>
+            <a:lvl7pPr marL="2743200" indent="0">
+              <a:buNone/>
+              <a:defRPr sz="1400">
+                <a:solidFill>
+                  <a:schemeClr val="tx1">
+                    <a:tint val="75000"/>
+                  </a:schemeClr>
+                </a:solidFill>
+              </a:defRPr>
+            </a:lvl7pPr>
+            <a:lvl8pPr marL="3200400" indent="0">
+              <a:buNone/>
+              <a:defRPr sz="1400">
+                <a:solidFill>
+                  <a:schemeClr val="tx1">
+                    <a:tint val="75000"/>
+                  </a:schemeClr>
+                </a:solidFill>
+              </a:defRPr>
+            </a:lvl8pPr>
+            <a:lvl9pPr marL="3657600" indent="0">
+              <a:buNone/>
+              <a:defRPr sz="1400">
+                <a:solidFill>
+                  <a:schemeClr val="tx1">
+                    <a:tint val="75000"/>
+                  </a:schemeClr>
+                </a:solidFill>
+              </a:defRPr>
+            </a:lvl9pPr>
+          </a:lstStyle>
+          <a:p>
+            <a:pPr lvl="0"/>
+            <a:r>
+              <a:rPr lang="zh-TW" altLang="en-US"/>
+              <a:t>按一下以編輯母片文字樣式</a:t>
+            </a:r>
+          </a:p>
+        </p:txBody>
+      </p:sp>
+      <p:sp>
+        <p:nvSpPr>
+          <p:cNvPr id="4" name="Date Placeholder 3"/>
+          <p:cNvSpPr>
+            <a:spLocks noGrp="1"/>
+          </p:cNvSpPr>
+          <p:nvPr>
+            <p:ph type="dt" sz="half" idx="10"/>
+          </p:nvPr>
+        </p:nvSpPr>
+        <p:spPr/>
+        <p:txBody>
+          <a:bodyPr/>
+          <a:lstStyle/>
+          <a:p>
+            <a:fld id="{049DCE47-09B5-43F6-8F6D-72AD5738B37B}" type="datetimeFigureOut">
+              <a:rPr lang="zh-TW" altLang="en-US" smtClean="0"/>
+              <a:t>2021/1/10</a:t>
+            </a:fld>
+            <a:endParaRPr lang="zh-TW" altLang="en-US"/>
+          </a:p>
+        </p:txBody>
+      </p:sp>
+      <p:sp>
+        <p:nvSpPr>
+          <p:cNvPr id="5" name="Footer Placeholder 4"/>
+          <p:cNvSpPr>
+            <a:spLocks noGrp="1"/>
+          </p:cNvSpPr>
+          <p:nvPr>
+            <p:ph type="ftr" sz="quarter" idx="11"/>
+          </p:nvPr>
+        </p:nvSpPr>
+        <p:spPr/>
+        <p:txBody>
+          <a:bodyPr/>
+          <a:lstStyle/>
+          <a:p>
+            <a:endParaRPr lang="zh-TW" altLang="en-US"/>
+          </a:p>
+        </p:txBody>
+      </p:sp>
+      <p:sp>
+        <p:nvSpPr>
+          <p:cNvPr id="6" name="Slide Number Placeholder 5"/>
+          <p:cNvSpPr>
+            <a:spLocks noGrp="1"/>
+          </p:cNvSpPr>
+          <p:nvPr>
+            <p:ph type="sldNum" sz="quarter" idx="12"/>
+          </p:nvPr>
+        </p:nvSpPr>
+        <p:spPr/>
+        <p:txBody>
+          <a:bodyPr/>
+          <a:lstStyle/>
+          <a:p>
+            <a:fld id="{48297742-3C1D-4687-8B0C-E83771171140}" type="slidenum">
+              <a:rPr lang="zh-TW" altLang="en-US" smtClean="0"/>
+              <a:t>‹#›</a:t>
+            </a:fld>
+            <a:endParaRPr lang="zh-TW" altLang="en-US"/>
+          </a:p>
+        </p:txBody>
+      </p:sp>
+      <p:sp>
+        <p:nvSpPr>
+          <p:cNvPr id="11" name="TextBox 10"/>
+          <p:cNvSpPr txBox="1"/>
+          <p:nvPr/>
+        </p:nvSpPr>
+        <p:spPr>
+          <a:xfrm>
+            <a:off x="531812" y="812222"/>
+            <a:ext cx="609600" cy="584776"/>
+          </a:xfrm>
+          <a:prstGeom prst="rect">
+            <a:avLst/>
+          </a:prstGeom>
+        </p:spPr>
+        <p:txBody>
+          <a:bodyPr vert="horz" lIns="91440" tIns="45720" rIns="91440" bIns="45720" rtlCol="0" anchor="ctr">
+            <a:noAutofit/>
+          </a:bodyPr>
+          <a:lstStyle/>
+          <a:p>
+            <a:pPr lvl="0"/>
+            <a:r>
+              <a:rPr lang="en-US" sz="8000" dirty="0">
+                <a:solidFill>
+                  <a:schemeClr val="tx1"/>
+                </a:solidFill>
+                <a:effectLst/>
+              </a:rPr>
+              <a:t>“</a:t>
+            </a:r>
+          </a:p>
+        </p:txBody>
+      </p:sp>
+      <p:sp>
+        <p:nvSpPr>
+          <p:cNvPr id="12" name="TextBox 11"/>
+          <p:cNvSpPr txBox="1"/>
+          <p:nvPr/>
+        </p:nvSpPr>
+        <p:spPr>
+          <a:xfrm>
+            <a:off x="10285412" y="2768601"/>
+            <a:ext cx="609600" cy="584776"/>
+          </a:xfrm>
+          <a:prstGeom prst="rect">
+            <a:avLst/>
+          </a:prstGeom>
+        </p:spPr>
+        <p:txBody>
+          <a:bodyPr vert="horz" lIns="91440" tIns="45720" rIns="91440" bIns="45720" rtlCol="0" anchor="ctr">
+            <a:noAutofit/>
+          </a:bodyPr>
+          <a:lstStyle/>
+          <a:p>
+            <a:pPr lvl="0" algn="r"/>
+            <a:r>
+              <a:rPr lang="en-US" sz="8000" dirty="0">
+                <a:solidFill>
+                  <a:schemeClr val="tx1"/>
+                </a:solidFill>
+                <a:effectLst/>
+              </a:rPr>
+              <a:t>”</a:t>
+            </a:r>
+          </a:p>
+        </p:txBody>
+      </p:sp>
+    </p:spTree>
+    <p:extLst>
+      <p:ext uri="{BB962C8B-B14F-4D97-AF65-F5344CB8AC3E}">
+        <p14:creationId xmlns:p14="http://schemas.microsoft.com/office/powerpoint/2010/main" val="456203185"/>
+      </p:ext>
+    </p:extLst>
+  </p:cSld>
+  <p:clrMapOvr>
+    <a:masterClrMapping/>
+  </p:clrMapOvr>
+</p:sldLayout>
+</file>
+
+<file path=ppt/slideLayouts/slideLayout15.xml><?xml version="1.0" encoding="utf-8"?>
+<p:sldLayout xmlns:a="http://schemas.openxmlformats.org/drawingml/2006/main" xmlns:r="http://schemas.openxmlformats.org/officeDocument/2006/relationships" xmlns:p="http://schemas.openxmlformats.org/presentationml/2006/main" preserve="1">
+  <p:cSld name="是非題">
+    <p:spTree>
+      <p:nvGrpSpPr>
+        <p:cNvPr id="1" name=""/>
+        <p:cNvGrpSpPr/>
+        <p:nvPr/>
+      </p:nvGrpSpPr>
+      <p:grpSpPr>
+        <a:xfrm>
+          <a:off x="0" y="0"/>
+          <a:ext cx="0" cy="0"/>
+          <a:chOff x="0" y="0"/>
+          <a:chExt cx="0" cy="0"/>
+        </a:xfrm>
+      </p:grpSpPr>
+      <p:sp>
+        <p:nvSpPr>
+          <p:cNvPr id="2" name="Title 1"/>
+          <p:cNvSpPr>
+            <a:spLocks noGrp="1"/>
+          </p:cNvSpPr>
+          <p:nvPr>
+            <p:ph type="title"/>
+          </p:nvPr>
+        </p:nvSpPr>
+        <p:spPr>
+          <a:xfrm>
+            <a:off x="684213" y="685800"/>
+            <a:ext cx="10058400" cy="2743200"/>
+          </a:xfrm>
+        </p:spPr>
+        <p:txBody>
+          <a:bodyPr vert="horz" lIns="91440" tIns="45720" rIns="91440" bIns="45720" rtlCol="0" anchor="ctr">
+            <a:normAutofit/>
+          </a:bodyPr>
+          <a:lstStyle>
+            <a:lvl1pPr>
+              <a:defRPr lang="en-US" b="0" dirty="0"/>
+            </a:lvl1pPr>
+          </a:lstStyle>
+          <a:p>
+            <a:pPr marL="0" lvl="0"/>
+            <a:r>
+              <a:rPr lang="zh-TW" altLang="en-US"/>
+              <a:t>按一下以編輯母片標題樣式</a:t>
+            </a:r>
+            <a:endParaRPr lang="en-US" dirty="0"/>
+          </a:p>
+        </p:txBody>
+      </p:sp>
+      <p:sp>
+        <p:nvSpPr>
+          <p:cNvPr id="10" name="Text Placeholder 9"/>
+          <p:cNvSpPr>
+            <a:spLocks noGrp="1"/>
+          </p:cNvSpPr>
+          <p:nvPr>
+            <p:ph type="body" sz="quarter" idx="13"/>
+          </p:nvPr>
+        </p:nvSpPr>
+        <p:spPr>
+          <a:xfrm>
+            <a:off x="684212" y="3928534"/>
+            <a:ext cx="8534400" cy="838200"/>
+          </a:xfrm>
+        </p:spPr>
+        <p:txBody>
+          <a:bodyPr vert="horz" lIns="91440" tIns="45720" rIns="91440" bIns="45720" rtlCol="0" anchor="b">
+            <a:normAutofit/>
+          </a:bodyPr>
+          <a:lstStyle>
+            <a:lvl1pPr>
+              <a:buNone/>
+              <a:defRPr lang="en-US" sz="2400" b="0" cap="all" dirty="0">
+                <a:ln w="3175" cmpd="sng">
+                  <a:noFill/>
+                </a:ln>
+                <a:solidFill>
+                  <a:schemeClr val="tx1"/>
+                </a:solidFill>
+                <a:effectLst/>
+              </a:defRPr>
+            </a:lvl1pPr>
+          </a:lstStyle>
+          <a:p>
+            <a:pPr marL="0" lvl="0">
+              <a:spcBef>
+                <a:spcPct val="0"/>
+              </a:spcBef>
+              <a:buNone/>
+            </a:pPr>
+            <a:r>
+              <a:rPr lang="zh-TW" altLang="en-US"/>
+              <a:t>按一下以編輯母片文字樣式</a:t>
+            </a:r>
+          </a:p>
+        </p:txBody>
+      </p:sp>
+      <p:sp>
+        <p:nvSpPr>
+          <p:cNvPr id="3" name="Text Placeholder 2"/>
+          <p:cNvSpPr>
+            <a:spLocks noGrp="1"/>
+          </p:cNvSpPr>
+          <p:nvPr>
+            <p:ph type="body" idx="1"/>
+          </p:nvPr>
+        </p:nvSpPr>
+        <p:spPr>
+          <a:xfrm>
+            <a:off x="684211" y="4766732"/>
+            <a:ext cx="8534401" cy="1227667"/>
+          </a:xfrm>
+        </p:spPr>
+        <p:txBody>
+          <a:bodyPr anchor="t">
+            <a:normAutofit/>
+          </a:bodyPr>
+          <a:lstStyle>
+            <a:lvl1pPr marL="0" indent="0" algn="l">
+              <a:buNone/>
+              <a:defRPr sz="1800">
+                <a:solidFill>
+                  <a:schemeClr val="bg2">
+                    <a:lumMod val="75000"/>
+                  </a:schemeClr>
+                </a:solidFill>
+              </a:defRPr>
+            </a:lvl1pPr>
+            <a:lvl2pPr marL="457200" indent="0">
+              <a:buNone/>
+              <a:defRPr sz="1800">
+                <a:solidFill>
+                  <a:schemeClr val="tx1">
+                    <a:tint val="75000"/>
+                  </a:schemeClr>
+                </a:solidFill>
+              </a:defRPr>
+            </a:lvl2pPr>
+            <a:lvl3pPr marL="914400" indent="0">
+              <a:buNone/>
+              <a:defRPr sz="1600">
+                <a:solidFill>
+                  <a:schemeClr val="tx1">
+                    <a:tint val="75000"/>
+                  </a:schemeClr>
+                </a:solidFill>
+              </a:defRPr>
+            </a:lvl3pPr>
+            <a:lvl4pPr marL="1371600" indent="0">
+              <a:buNone/>
+              <a:defRPr sz="1400">
+                <a:solidFill>
+                  <a:schemeClr val="tx1">
+                    <a:tint val="75000"/>
+                  </a:schemeClr>
+                </a:solidFill>
+              </a:defRPr>
+            </a:lvl4pPr>
+            <a:lvl5pPr marL="1828800" indent="0">
+              <a:buNone/>
+              <a:defRPr sz="1400">
+                <a:solidFill>
+                  <a:schemeClr val="tx1">
+                    <a:tint val="75000"/>
+                  </a:schemeClr>
+                </a:solidFill>
+              </a:defRPr>
+            </a:lvl5pPr>
+            <a:lvl6pPr marL="2286000" indent="0">
+              <a:buNone/>
+              <a:defRPr sz="1400">
+                <a:solidFill>
+                  <a:schemeClr val="tx1">
+                    <a:tint val="75000"/>
+                  </a:schemeClr>
+                </a:solidFill>
+              </a:defRPr>
+            </a:lvl6pPr>
+            <a:lvl7pPr marL="2743200" indent="0">
+              <a:buNone/>
+              <a:defRPr sz="1400">
+                <a:solidFill>
+                  <a:schemeClr val="tx1">
+                    <a:tint val="75000"/>
+                  </a:schemeClr>
+                </a:solidFill>
+              </a:defRPr>
+            </a:lvl7pPr>
+            <a:lvl8pPr marL="3200400" indent="0">
+              <a:buNone/>
+              <a:defRPr sz="1400">
+                <a:solidFill>
+                  <a:schemeClr val="tx1">
+                    <a:tint val="75000"/>
+                  </a:schemeClr>
+                </a:solidFill>
+              </a:defRPr>
+            </a:lvl8pPr>
+            <a:lvl9pPr marL="3657600" indent="0">
+              <a:buNone/>
+              <a:defRPr sz="1400">
+                <a:solidFill>
+                  <a:schemeClr val="tx1">
+                    <a:tint val="75000"/>
+                  </a:schemeClr>
+                </a:solidFill>
+              </a:defRPr>
+            </a:lvl9pPr>
+          </a:lstStyle>
+          <a:p>
+            <a:pPr lvl="0"/>
+            <a:r>
+              <a:rPr lang="zh-TW" altLang="en-US"/>
+              <a:t>按一下以編輯母片文字樣式</a:t>
+            </a:r>
+          </a:p>
+        </p:txBody>
+      </p:sp>
+      <p:sp>
+        <p:nvSpPr>
+          <p:cNvPr id="4" name="Date Placeholder 3"/>
+          <p:cNvSpPr>
+            <a:spLocks noGrp="1"/>
+          </p:cNvSpPr>
+          <p:nvPr>
+            <p:ph type="dt" sz="half" idx="10"/>
+          </p:nvPr>
+        </p:nvSpPr>
+        <p:spPr/>
+        <p:txBody>
+          <a:bodyPr/>
+          <a:lstStyle/>
+          <a:p>
+            <a:fld id="{049DCE47-09B5-43F6-8F6D-72AD5738B37B}" type="datetimeFigureOut">
+              <a:rPr lang="zh-TW" altLang="en-US" smtClean="0"/>
+              <a:t>2021/1/10</a:t>
+            </a:fld>
+            <a:endParaRPr lang="zh-TW" altLang="en-US"/>
+          </a:p>
+        </p:txBody>
+      </p:sp>
+      <p:sp>
+        <p:nvSpPr>
+          <p:cNvPr id="5" name="Footer Placeholder 4"/>
+          <p:cNvSpPr>
+            <a:spLocks noGrp="1"/>
+          </p:cNvSpPr>
+          <p:nvPr>
+            <p:ph type="ftr" sz="quarter" idx="11"/>
+          </p:nvPr>
+        </p:nvSpPr>
+        <p:spPr/>
+        <p:txBody>
+          <a:bodyPr/>
+          <a:lstStyle/>
+          <a:p>
+            <a:endParaRPr lang="zh-TW" altLang="en-US"/>
+          </a:p>
+        </p:txBody>
+      </p:sp>
+      <p:sp>
+        <p:nvSpPr>
+          <p:cNvPr id="6" name="Slide Number Placeholder 5"/>
+          <p:cNvSpPr>
+            <a:spLocks noGrp="1"/>
+          </p:cNvSpPr>
+          <p:nvPr>
+            <p:ph type="sldNum" sz="quarter" idx="12"/>
+          </p:nvPr>
+        </p:nvSpPr>
+        <p:spPr/>
+        <p:txBody>
+          <a:bodyPr/>
+          <a:lstStyle/>
+          <a:p>
+            <a:fld id="{48297742-3C1D-4687-8B0C-E83771171140}" type="slidenum">
+              <a:rPr lang="zh-TW" altLang="en-US" smtClean="0"/>
+              <a:t>‹#›</a:t>
+            </a:fld>
+            <a:endParaRPr lang="zh-TW" altLang="en-US"/>
+          </a:p>
+        </p:txBody>
+      </p:sp>
+    </p:spTree>
+    <p:extLst>
+      <p:ext uri="{BB962C8B-B14F-4D97-AF65-F5344CB8AC3E}">
+        <p14:creationId xmlns:p14="http://schemas.microsoft.com/office/powerpoint/2010/main" val="284002676"/>
+      </p:ext>
+    </p:extLst>
+  </p:cSld>
+  <p:clrMapOvr>
+    <a:masterClrMapping/>
+  </p:clrMapOvr>
+</p:sldLayout>
+</file>
+
+<file path=ppt/slideLayouts/slideLayout16.xml><?xml version="1.0" encoding="utf-8"?>
 <p:sldLayout xmlns:a="http://schemas.openxmlformats.org/drawingml/2006/main" xmlns:r="http://schemas.openxmlformats.org/officeDocument/2006/relationships" xmlns:p="http://schemas.openxmlformats.org/presentationml/2006/main" type="vertTx" preserve="1">
   <p:cSld name="標題及直排文字">
     <p:spTree>
@@ -354,13 +2368,7 @@
       </p:grpSpPr>
       <p:sp>
         <p:nvSpPr>
-          <p:cNvPr id="2" name="標題 1">
-            <a:extLst>
-              <a:ext uri="{FF2B5EF4-FFF2-40B4-BE49-F238E27FC236}">
-                <a16:creationId xmlns:a16="http://schemas.microsoft.com/office/drawing/2014/main" id="{ED129206-DBBE-47B8-94EA-BA9AEAD3DE9F}"/>
-              </a:ext>
-            </a:extLst>
-          </p:cNvPr>
+          <p:cNvPr id="2" name="Title 1"/>
           <p:cNvSpPr>
             <a:spLocks noGrp="1"/>
           </p:cNvSpPr>
@@ -371,24 +2379,23 @@
         <p:spPr/>
         <p:txBody>
           <a:bodyPr/>
-          <a:lstStyle/>
+          <a:lstStyle>
+            <a:lvl1pPr algn="l">
+              <a:defRPr/>
+            </a:lvl1pPr>
+          </a:lstStyle>
           <a:p>
             <a:r>
               <a:rPr lang="zh-TW" altLang="en-US"/>
               <a:t>按一下以編輯母片標題樣式</a:t>
             </a:r>
-          </a:p>
-        </p:txBody>
-      </p:sp>
-      <p:sp>
-        <p:nvSpPr>
-          <p:cNvPr id="3" name="直排文字版面配置區 2">
-            <a:extLst>
-              <a:ext uri="{FF2B5EF4-FFF2-40B4-BE49-F238E27FC236}">
-                <a16:creationId xmlns:a16="http://schemas.microsoft.com/office/drawing/2014/main" id="{D808555B-456B-4027-B6F6-0DE4F2FA3C0C}"/>
-              </a:ext>
-            </a:extLst>
-          </p:cNvPr>
+            <a:endParaRPr lang="en-US" dirty="0"/>
+          </a:p>
+        </p:txBody>
+      </p:sp>
+      <p:sp>
+        <p:nvSpPr>
+          <p:cNvPr id="3" name="Vertical Text Placeholder 2"/>
           <p:cNvSpPr>
             <a:spLocks noGrp="1"/>
           </p:cNvSpPr>
@@ -398,7 +2405,7 @@
         </p:nvSpPr>
         <p:spPr/>
         <p:txBody>
-          <a:bodyPr vert="eaVert"/>
+          <a:bodyPr vert="eaVert" anchor="t"/>
           <a:lstStyle/>
           <a:p>
             <a:pPr lvl="0"/>
@@ -434,18 +2441,13 @@
               <a:rPr lang="zh-TW" altLang="en-US"/>
               <a:t>第五層</a:t>
             </a:r>
-          </a:p>
-        </p:txBody>
-      </p:sp>
-      <p:sp>
-        <p:nvSpPr>
-          <p:cNvPr id="4" name="日期版面配置區 3">
-            <a:extLst>
-              <a:ext uri="{FF2B5EF4-FFF2-40B4-BE49-F238E27FC236}">
-                <a16:creationId xmlns:a16="http://schemas.microsoft.com/office/drawing/2014/main" id="{8F166C97-AE14-4876-B146-4CF9BB33A163}"/>
-              </a:ext>
-            </a:extLst>
-          </p:cNvPr>
+            <a:endParaRPr lang="en-US" dirty="0"/>
+          </a:p>
+        </p:txBody>
+      </p:sp>
+      <p:sp>
+        <p:nvSpPr>
+          <p:cNvPr id="4" name="Date Placeholder 3"/>
           <p:cNvSpPr>
             <a:spLocks noGrp="1"/>
           </p:cNvSpPr>
@@ -460,7 +2462,7 @@
           <a:p>
             <a:fld id="{049DCE47-09B5-43F6-8F6D-72AD5738B37B}" type="datetimeFigureOut">
               <a:rPr lang="zh-TW" altLang="en-US" smtClean="0"/>
-              <a:t>2021/1/3</a:t>
+              <a:t>2021/1/10</a:t>
             </a:fld>
             <a:endParaRPr lang="zh-TW" altLang="en-US"/>
           </a:p>
@@ -468,13 +2470,7 @@
       </p:sp>
       <p:sp>
         <p:nvSpPr>
-          <p:cNvPr id="5" name="頁尾版面配置區 4">
-            <a:extLst>
-              <a:ext uri="{FF2B5EF4-FFF2-40B4-BE49-F238E27FC236}">
-                <a16:creationId xmlns:a16="http://schemas.microsoft.com/office/drawing/2014/main" id="{219D6058-8666-4BA7-8B8E-C38212D18EDF}"/>
-              </a:ext>
-            </a:extLst>
-          </p:cNvPr>
+          <p:cNvPr id="5" name="Footer Placeholder 4"/>
           <p:cNvSpPr>
             <a:spLocks noGrp="1"/>
           </p:cNvSpPr>
@@ -493,13 +2489,7 @@
       </p:sp>
       <p:sp>
         <p:nvSpPr>
-          <p:cNvPr id="6" name="投影片編號版面配置區 5">
-            <a:extLst>
-              <a:ext uri="{FF2B5EF4-FFF2-40B4-BE49-F238E27FC236}">
-                <a16:creationId xmlns:a16="http://schemas.microsoft.com/office/drawing/2014/main" id="{D71E6ED1-4B2B-4A6A-9081-C2DB2D653A8A}"/>
-              </a:ext>
-            </a:extLst>
-          </p:cNvPr>
+          <p:cNvPr id="6" name="Slide Number Placeholder 5"/>
           <p:cNvSpPr>
             <a:spLocks noGrp="1"/>
           </p:cNvSpPr>
@@ -523,7 +2513,7 @@
     </p:spTree>
     <p:extLst>
       <p:ext uri="{BB962C8B-B14F-4D97-AF65-F5344CB8AC3E}">
-        <p14:creationId xmlns:p14="http://schemas.microsoft.com/office/powerpoint/2010/main" val="3175251252"/>
+        <p14:creationId xmlns:p14="http://schemas.microsoft.com/office/powerpoint/2010/main" val="661250653"/>
       </p:ext>
     </p:extLst>
   </p:cSld>
@@ -533,7 +2523,7 @@
 </p:sldLayout>
 </file>
 
-<file path=ppt/slideLayouts/slideLayout11.xml><?xml version="1.0" encoding="utf-8"?>
+<file path=ppt/slideLayouts/slideLayout17.xml><?xml version="1.0" encoding="utf-8"?>
 <p:sldLayout xmlns:a="http://schemas.openxmlformats.org/drawingml/2006/main" xmlns:r="http://schemas.openxmlformats.org/officeDocument/2006/relationships" xmlns:p="http://schemas.openxmlformats.org/presentationml/2006/main" type="vertTitleAndTx" preserve="1">
   <p:cSld name="直排標題及文字">
     <p:spTree>
@@ -552,13 +2542,7 @@
       </p:grpSpPr>
       <p:sp>
         <p:nvSpPr>
-          <p:cNvPr id="2" name="直排標題 1">
-            <a:extLst>
-              <a:ext uri="{FF2B5EF4-FFF2-40B4-BE49-F238E27FC236}">
-                <a16:creationId xmlns:a16="http://schemas.microsoft.com/office/drawing/2014/main" id="{18ABF278-631B-45AF-B67A-84AB5E6D8C80}"/>
-              </a:ext>
-            </a:extLst>
-          </p:cNvPr>
+          <p:cNvPr id="2" name="Vertical Title 1"/>
           <p:cNvSpPr>
             <a:spLocks noGrp="1"/>
           </p:cNvSpPr>
@@ -568,8 +2552,8 @@
         </p:nvSpPr>
         <p:spPr>
           <a:xfrm>
-            <a:off x="8724900" y="365125"/>
-            <a:ext cx="2628900" cy="5811838"/>
+            <a:off x="8685212" y="685800"/>
+            <a:ext cx="2057400" cy="4572000"/>
           </a:xfrm>
         </p:spPr>
         <p:txBody>
@@ -580,18 +2564,13 @@
               <a:rPr lang="zh-TW" altLang="en-US"/>
               <a:t>按一下以編輯母片標題樣式</a:t>
             </a:r>
-          </a:p>
-        </p:txBody>
-      </p:sp>
-      <p:sp>
-        <p:nvSpPr>
-          <p:cNvPr id="3" name="直排文字版面配置區 2">
-            <a:extLst>
-              <a:ext uri="{FF2B5EF4-FFF2-40B4-BE49-F238E27FC236}">
-                <a16:creationId xmlns:a16="http://schemas.microsoft.com/office/drawing/2014/main" id="{9A8E4D59-C841-49E1-BD87-F835CAC6090F}"/>
-              </a:ext>
-            </a:extLst>
-          </p:cNvPr>
+            <a:endParaRPr lang="en-US" dirty="0"/>
+          </a:p>
+        </p:txBody>
+      </p:sp>
+      <p:sp>
+        <p:nvSpPr>
+          <p:cNvPr id="3" name="Vertical Text Placeholder 2"/>
           <p:cNvSpPr>
             <a:spLocks noGrp="1"/>
           </p:cNvSpPr>
@@ -601,12 +2580,12 @@
         </p:nvSpPr>
         <p:spPr>
           <a:xfrm>
-            <a:off x="838200" y="365125"/>
-            <a:ext cx="7734300" cy="5811838"/>
+            <a:off x="685800" y="685800"/>
+            <a:ext cx="7823200" cy="5308600"/>
           </a:xfrm>
         </p:spPr>
         <p:txBody>
-          <a:bodyPr vert="eaVert"/>
+          <a:bodyPr vert="eaVert" anchor="t"/>
           <a:lstStyle/>
           <a:p>
             <a:pPr lvl="0"/>
@@ -642,18 +2621,13 @@
               <a:rPr lang="zh-TW" altLang="en-US"/>
               <a:t>第五層</a:t>
             </a:r>
-          </a:p>
-        </p:txBody>
-      </p:sp>
-      <p:sp>
-        <p:nvSpPr>
-          <p:cNvPr id="4" name="日期版面配置區 3">
-            <a:extLst>
-              <a:ext uri="{FF2B5EF4-FFF2-40B4-BE49-F238E27FC236}">
-                <a16:creationId xmlns:a16="http://schemas.microsoft.com/office/drawing/2014/main" id="{0D1B7641-16F8-41C1-AB78-DD604D89E028}"/>
-              </a:ext>
-            </a:extLst>
-          </p:cNvPr>
+            <a:endParaRPr lang="en-US" dirty="0"/>
+          </a:p>
+        </p:txBody>
+      </p:sp>
+      <p:sp>
+        <p:nvSpPr>
+          <p:cNvPr id="4" name="Date Placeholder 3"/>
           <p:cNvSpPr>
             <a:spLocks noGrp="1"/>
           </p:cNvSpPr>
@@ -668,7 +2642,7 @@
           <a:p>
             <a:fld id="{049DCE47-09B5-43F6-8F6D-72AD5738B37B}" type="datetimeFigureOut">
               <a:rPr lang="zh-TW" altLang="en-US" smtClean="0"/>
-              <a:t>2021/1/3</a:t>
+              <a:t>2021/1/10</a:t>
             </a:fld>
             <a:endParaRPr lang="zh-TW" altLang="en-US"/>
           </a:p>
@@ -676,13 +2650,7 @@
       </p:sp>
       <p:sp>
         <p:nvSpPr>
-          <p:cNvPr id="5" name="頁尾版面配置區 4">
-            <a:extLst>
-              <a:ext uri="{FF2B5EF4-FFF2-40B4-BE49-F238E27FC236}">
-                <a16:creationId xmlns:a16="http://schemas.microsoft.com/office/drawing/2014/main" id="{43224D31-28E0-46BD-BEC4-BDCA3CA2FC33}"/>
-              </a:ext>
-            </a:extLst>
-          </p:cNvPr>
+          <p:cNvPr id="5" name="Footer Placeholder 4"/>
           <p:cNvSpPr>
             <a:spLocks noGrp="1"/>
           </p:cNvSpPr>
@@ -701,13 +2669,7 @@
       </p:sp>
       <p:sp>
         <p:nvSpPr>
-          <p:cNvPr id="6" name="投影片編號版面配置區 5">
-            <a:extLst>
-              <a:ext uri="{FF2B5EF4-FFF2-40B4-BE49-F238E27FC236}">
-                <a16:creationId xmlns:a16="http://schemas.microsoft.com/office/drawing/2014/main" id="{7D993817-33CD-46B2-8C77-D91A9B9C5560}"/>
-              </a:ext>
-            </a:extLst>
-          </p:cNvPr>
+          <p:cNvPr id="6" name="Slide Number Placeholder 5"/>
           <p:cNvSpPr>
             <a:spLocks noGrp="1"/>
           </p:cNvSpPr>
@@ -731,7 +2693,7 @@
     </p:spTree>
     <p:extLst>
       <p:ext uri="{BB962C8B-B14F-4D97-AF65-F5344CB8AC3E}">
-        <p14:creationId xmlns:p14="http://schemas.microsoft.com/office/powerpoint/2010/main" val="2435464904"/>
+        <p14:creationId xmlns:p14="http://schemas.microsoft.com/office/powerpoint/2010/main" val="1595686958"/>
       </p:ext>
     </p:extLst>
   </p:cSld>
@@ -760,13 +2722,7 @@
       </p:grpSpPr>
       <p:sp>
         <p:nvSpPr>
-          <p:cNvPr id="2" name="標題 1">
-            <a:extLst>
-              <a:ext uri="{FF2B5EF4-FFF2-40B4-BE49-F238E27FC236}">
-                <a16:creationId xmlns:a16="http://schemas.microsoft.com/office/drawing/2014/main" id="{0074B32E-7EBD-4031-9A9C-44A1AE1FCB52}"/>
-              </a:ext>
-            </a:extLst>
-          </p:cNvPr>
+          <p:cNvPr id="2" name="Title 1"/>
           <p:cNvSpPr>
             <a:spLocks noGrp="1"/>
           </p:cNvSpPr>
@@ -783,18 +2739,13 @@
               <a:rPr lang="zh-TW" altLang="en-US"/>
               <a:t>按一下以編輯母片標題樣式</a:t>
             </a:r>
-          </a:p>
-        </p:txBody>
-      </p:sp>
-      <p:sp>
-        <p:nvSpPr>
-          <p:cNvPr id="3" name="內容版面配置區 2">
-            <a:extLst>
-              <a:ext uri="{FF2B5EF4-FFF2-40B4-BE49-F238E27FC236}">
-                <a16:creationId xmlns:a16="http://schemas.microsoft.com/office/drawing/2014/main" id="{6CDDE6F4-A447-4DBD-8683-B8929F7DEB0C}"/>
-              </a:ext>
-            </a:extLst>
-          </p:cNvPr>
+            <a:endParaRPr lang="en-US" dirty="0"/>
+          </a:p>
+        </p:txBody>
+      </p:sp>
+      <p:sp>
+        <p:nvSpPr>
+          <p:cNvPr id="3" name="Content Placeholder 2"/>
           <p:cNvSpPr>
             <a:spLocks noGrp="1"/>
           </p:cNvSpPr>
@@ -804,7 +2755,7 @@
         </p:nvSpPr>
         <p:spPr/>
         <p:txBody>
-          <a:bodyPr/>
+          <a:bodyPr anchor="ctr"/>
           <a:lstStyle/>
           <a:p>
             <a:pPr lvl="0"/>
@@ -840,18 +2791,13 @@
               <a:rPr lang="zh-TW" altLang="en-US"/>
               <a:t>第五層</a:t>
             </a:r>
-          </a:p>
-        </p:txBody>
-      </p:sp>
-      <p:sp>
-        <p:nvSpPr>
-          <p:cNvPr id="4" name="日期版面配置區 3">
-            <a:extLst>
-              <a:ext uri="{FF2B5EF4-FFF2-40B4-BE49-F238E27FC236}">
-                <a16:creationId xmlns:a16="http://schemas.microsoft.com/office/drawing/2014/main" id="{3718913B-8E64-4EAC-A694-1E8B2C6C6B41}"/>
-              </a:ext>
-            </a:extLst>
-          </p:cNvPr>
+            <a:endParaRPr lang="en-US" dirty="0"/>
+          </a:p>
+        </p:txBody>
+      </p:sp>
+      <p:sp>
+        <p:nvSpPr>
+          <p:cNvPr id="4" name="Date Placeholder 3"/>
           <p:cNvSpPr>
             <a:spLocks noGrp="1"/>
           </p:cNvSpPr>
@@ -866,7 +2812,7 @@
           <a:p>
             <a:fld id="{049DCE47-09B5-43F6-8F6D-72AD5738B37B}" type="datetimeFigureOut">
               <a:rPr lang="zh-TW" altLang="en-US" smtClean="0"/>
-              <a:t>2021/1/3</a:t>
+              <a:t>2021/1/10</a:t>
             </a:fld>
             <a:endParaRPr lang="zh-TW" altLang="en-US"/>
           </a:p>
@@ -874,13 +2820,7 @@
       </p:sp>
       <p:sp>
         <p:nvSpPr>
-          <p:cNvPr id="5" name="頁尾版面配置區 4">
-            <a:extLst>
-              <a:ext uri="{FF2B5EF4-FFF2-40B4-BE49-F238E27FC236}">
-                <a16:creationId xmlns:a16="http://schemas.microsoft.com/office/drawing/2014/main" id="{93F203A8-7E5C-4844-873D-7C0197724C4F}"/>
-              </a:ext>
-            </a:extLst>
-          </p:cNvPr>
+          <p:cNvPr id="5" name="Footer Placeholder 4"/>
           <p:cNvSpPr>
             <a:spLocks noGrp="1"/>
           </p:cNvSpPr>
@@ -899,13 +2839,7 @@
       </p:sp>
       <p:sp>
         <p:nvSpPr>
-          <p:cNvPr id="6" name="投影片編號版面配置區 5">
-            <a:extLst>
-              <a:ext uri="{FF2B5EF4-FFF2-40B4-BE49-F238E27FC236}">
-                <a16:creationId xmlns:a16="http://schemas.microsoft.com/office/drawing/2014/main" id="{C70296DA-40C4-4B42-B272-A1A7DB93691E}"/>
-              </a:ext>
-            </a:extLst>
-          </p:cNvPr>
+          <p:cNvPr id="6" name="Slide Number Placeholder 5"/>
           <p:cNvSpPr>
             <a:spLocks noGrp="1"/>
           </p:cNvSpPr>
@@ -929,7 +2863,7 @@
     </p:spTree>
     <p:extLst>
       <p:ext uri="{BB962C8B-B14F-4D97-AF65-F5344CB8AC3E}">
-        <p14:creationId xmlns:p14="http://schemas.microsoft.com/office/powerpoint/2010/main" val="3655438398"/>
+        <p14:creationId xmlns:p14="http://schemas.microsoft.com/office/powerpoint/2010/main" val="2361203394"/>
       </p:ext>
     </p:extLst>
   </p:cSld>
@@ -958,13 +2892,7 @@
       </p:grpSpPr>
       <p:sp>
         <p:nvSpPr>
-          <p:cNvPr id="2" name="標題 1">
-            <a:extLst>
-              <a:ext uri="{FF2B5EF4-FFF2-40B4-BE49-F238E27FC236}">
-                <a16:creationId xmlns:a16="http://schemas.microsoft.com/office/drawing/2014/main" id="{44266A55-165A-4126-95C2-17BD315F2E7F}"/>
-              </a:ext>
-            </a:extLst>
-          </p:cNvPr>
+          <p:cNvPr id="2" name="Title 1"/>
           <p:cNvSpPr>
             <a:spLocks noGrp="1"/>
           </p:cNvSpPr>
@@ -974,15 +2902,17 @@
         </p:nvSpPr>
         <p:spPr>
           <a:xfrm>
-            <a:off x="831850" y="1709738"/>
-            <a:ext cx="10515600" cy="2852737"/>
+            <a:off x="684211" y="2006600"/>
+            <a:ext cx="8534401" cy="2281600"/>
           </a:xfrm>
         </p:spPr>
         <p:txBody>
-          <a:bodyPr anchor="b"/>
+          <a:bodyPr anchor="b">
+            <a:normAutofit/>
+          </a:bodyPr>
           <a:lstStyle>
-            <a:lvl1pPr>
-              <a:defRPr sz="6000"/>
+            <a:lvl1pPr algn="l">
+              <a:defRPr sz="3600" b="0" cap="all"/>
             </a:lvl1pPr>
           </a:lstStyle>
           <a:p>
@@ -990,18 +2920,13 @@
               <a:rPr lang="zh-TW" altLang="en-US"/>
               <a:t>按一下以編輯母片標題樣式</a:t>
             </a:r>
-          </a:p>
-        </p:txBody>
-      </p:sp>
-      <p:sp>
-        <p:nvSpPr>
-          <p:cNvPr id="3" name="文字版面配置區 2">
-            <a:extLst>
-              <a:ext uri="{FF2B5EF4-FFF2-40B4-BE49-F238E27FC236}">
-                <a16:creationId xmlns:a16="http://schemas.microsoft.com/office/drawing/2014/main" id="{23F411DB-80D5-4BC6-B84A-66F701583CD4}"/>
-              </a:ext>
-            </a:extLst>
-          </p:cNvPr>
+            <a:endParaRPr lang="en-US" dirty="0"/>
+          </a:p>
+        </p:txBody>
+      </p:sp>
+      <p:sp>
+        <p:nvSpPr>
+          <p:cNvPr id="3" name="Text Placeholder 2"/>
           <p:cNvSpPr>
             <a:spLocks noGrp="1"/>
           </p:cNvSpPr>
@@ -1011,102 +2936,104 @@
         </p:nvSpPr>
         <p:spPr>
           <a:xfrm>
-            <a:off x="831850" y="4589463"/>
-            <a:ext cx="10515600" cy="1500187"/>
+            <a:off x="684213" y="4495800"/>
+            <a:ext cx="8534400" cy="1498600"/>
           </a:xfrm>
         </p:spPr>
         <p:txBody>
-          <a:bodyPr/>
+          <a:bodyPr anchor="t">
+            <a:normAutofit/>
+          </a:bodyPr>
           <a:lstStyle>
-            <a:lvl1pPr marL="0" indent="0">
-              <a:buNone/>
-              <a:defRPr sz="2400">
+            <a:lvl1pPr marL="0" indent="0" algn="l">
+              <a:buNone/>
+              <a:defRPr sz="1800">
+                <a:solidFill>
+                  <a:schemeClr val="bg2">
+                    <a:lumMod val="75000"/>
+                  </a:schemeClr>
+                </a:solidFill>
+              </a:defRPr>
+            </a:lvl1pPr>
+            <a:lvl2pPr marL="457200" indent="0">
+              <a:buNone/>
+              <a:defRPr sz="1800">
                 <a:solidFill>
                   <a:schemeClr val="tx1">
                     <a:tint val="75000"/>
                   </a:schemeClr>
                 </a:solidFill>
               </a:defRPr>
-            </a:lvl1pPr>
-            <a:lvl2pPr marL="457200" indent="0">
-              <a:buNone/>
-              <a:defRPr sz="2000">
+            </a:lvl2pPr>
+            <a:lvl3pPr marL="914400" indent="0">
+              <a:buNone/>
+              <a:defRPr sz="1600">
                 <a:solidFill>
                   <a:schemeClr val="tx1">
                     <a:tint val="75000"/>
                   </a:schemeClr>
                 </a:solidFill>
               </a:defRPr>
-            </a:lvl2pPr>
-            <a:lvl3pPr marL="914400" indent="0">
-              <a:buNone/>
-              <a:defRPr sz="1800">
+            </a:lvl3pPr>
+            <a:lvl4pPr marL="1371600" indent="0">
+              <a:buNone/>
+              <a:defRPr sz="1400">
                 <a:solidFill>
                   <a:schemeClr val="tx1">
                     <a:tint val="75000"/>
                   </a:schemeClr>
                 </a:solidFill>
               </a:defRPr>
-            </a:lvl3pPr>
-            <a:lvl4pPr marL="1371600" indent="0">
-              <a:buNone/>
-              <a:defRPr sz="1600">
+            </a:lvl4pPr>
+            <a:lvl5pPr marL="1828800" indent="0">
+              <a:buNone/>
+              <a:defRPr sz="1400">
                 <a:solidFill>
                   <a:schemeClr val="tx1">
                     <a:tint val="75000"/>
                   </a:schemeClr>
                 </a:solidFill>
               </a:defRPr>
-            </a:lvl4pPr>
-            <a:lvl5pPr marL="1828800" indent="0">
-              <a:buNone/>
-              <a:defRPr sz="1600">
+            </a:lvl5pPr>
+            <a:lvl6pPr marL="2286000" indent="0">
+              <a:buNone/>
+              <a:defRPr sz="1400">
                 <a:solidFill>
                   <a:schemeClr val="tx1">
                     <a:tint val="75000"/>
                   </a:schemeClr>
                 </a:solidFill>
               </a:defRPr>
-            </a:lvl5pPr>
-            <a:lvl6pPr marL="2286000" indent="0">
-              <a:buNone/>
-              <a:defRPr sz="1600">
+            </a:lvl6pPr>
+            <a:lvl7pPr marL="2743200" indent="0">
+              <a:buNone/>
+              <a:defRPr sz="1400">
                 <a:solidFill>
                   <a:schemeClr val="tx1">
                     <a:tint val="75000"/>
                   </a:schemeClr>
                 </a:solidFill>
               </a:defRPr>
-            </a:lvl6pPr>
-            <a:lvl7pPr marL="2743200" indent="0">
-              <a:buNone/>
-              <a:defRPr sz="1600">
+            </a:lvl7pPr>
+            <a:lvl8pPr marL="3200400" indent="0">
+              <a:buNone/>
+              <a:defRPr sz="1400">
                 <a:solidFill>
                   <a:schemeClr val="tx1">
                     <a:tint val="75000"/>
                   </a:schemeClr>
                 </a:solidFill>
               </a:defRPr>
-            </a:lvl7pPr>
-            <a:lvl8pPr marL="3200400" indent="0">
-              <a:buNone/>
-              <a:defRPr sz="1600">
+            </a:lvl8pPr>
+            <a:lvl9pPr marL="3657600" indent="0">
+              <a:buNone/>
+              <a:defRPr sz="1400">
                 <a:solidFill>
                   <a:schemeClr val="tx1">
                     <a:tint val="75000"/>
                   </a:schemeClr>
                 </a:solidFill>
               </a:defRPr>
-            </a:lvl8pPr>
-            <a:lvl9pPr marL="3657600" indent="0">
-              <a:buNone/>
-              <a:defRPr sz="1600">
-                <a:solidFill>
-                  <a:schemeClr val="tx1">
-                    <a:tint val="75000"/>
-                  </a:schemeClr>
-                </a:solidFill>
-              </a:defRPr>
             </a:lvl9pPr>
           </a:lstStyle>
           <a:p>
@@ -1120,13 +3047,7 @@
       </p:sp>
       <p:sp>
         <p:nvSpPr>
-          <p:cNvPr id="4" name="日期版面配置區 3">
-            <a:extLst>
-              <a:ext uri="{FF2B5EF4-FFF2-40B4-BE49-F238E27FC236}">
-                <a16:creationId xmlns:a16="http://schemas.microsoft.com/office/drawing/2014/main" id="{0742BFBF-141B-4729-999A-3F4BFFBB3A1E}"/>
-              </a:ext>
-            </a:extLst>
-          </p:cNvPr>
+          <p:cNvPr id="4" name="Date Placeholder 3"/>
           <p:cNvSpPr>
             <a:spLocks noGrp="1"/>
           </p:cNvSpPr>
@@ -1141,7 +3062,7 @@
           <a:p>
             <a:fld id="{049DCE47-09B5-43F6-8F6D-72AD5738B37B}" type="datetimeFigureOut">
               <a:rPr lang="zh-TW" altLang="en-US" smtClean="0"/>
-              <a:t>2021/1/3</a:t>
+              <a:t>2021/1/10</a:t>
             </a:fld>
             <a:endParaRPr lang="zh-TW" altLang="en-US"/>
           </a:p>
@@ -1149,13 +3070,7 @@
       </p:sp>
       <p:sp>
         <p:nvSpPr>
-          <p:cNvPr id="5" name="頁尾版面配置區 4">
-            <a:extLst>
-              <a:ext uri="{FF2B5EF4-FFF2-40B4-BE49-F238E27FC236}">
-                <a16:creationId xmlns:a16="http://schemas.microsoft.com/office/drawing/2014/main" id="{606DF2D9-CB0E-4368-8B69-9DC5CA9E4217}"/>
-              </a:ext>
-            </a:extLst>
-          </p:cNvPr>
+          <p:cNvPr id="5" name="Footer Placeholder 4"/>
           <p:cNvSpPr>
             <a:spLocks noGrp="1"/>
           </p:cNvSpPr>
@@ -1174,13 +3089,7 @@
       </p:sp>
       <p:sp>
         <p:nvSpPr>
-          <p:cNvPr id="6" name="投影片編號版面配置區 5">
-            <a:extLst>
-              <a:ext uri="{FF2B5EF4-FFF2-40B4-BE49-F238E27FC236}">
-                <a16:creationId xmlns:a16="http://schemas.microsoft.com/office/drawing/2014/main" id="{CD35E650-FA25-479D-A273-E2B6A597B8AB}"/>
-              </a:ext>
-            </a:extLst>
-          </p:cNvPr>
+          <p:cNvPr id="6" name="Slide Number Placeholder 5"/>
           <p:cNvSpPr>
             <a:spLocks noGrp="1"/>
           </p:cNvSpPr>
@@ -1204,7 +3113,7 @@
     </p:spTree>
     <p:extLst>
       <p:ext uri="{BB962C8B-B14F-4D97-AF65-F5344CB8AC3E}">
-        <p14:creationId xmlns:p14="http://schemas.microsoft.com/office/powerpoint/2010/main" val="3632162645"/>
+        <p14:creationId xmlns:p14="http://schemas.microsoft.com/office/powerpoint/2010/main" val="3727231090"/>
       </p:ext>
     </p:extLst>
   </p:cSld>
@@ -1233,13 +3142,7 @@
       </p:grpSpPr>
       <p:sp>
         <p:nvSpPr>
-          <p:cNvPr id="2" name="標題 1">
-            <a:extLst>
-              <a:ext uri="{FF2B5EF4-FFF2-40B4-BE49-F238E27FC236}">
-                <a16:creationId xmlns:a16="http://schemas.microsoft.com/office/drawing/2014/main" id="{93F3937A-5701-41B1-8F10-4E1D2EE537D0}"/>
-              </a:ext>
-            </a:extLst>
-          </p:cNvPr>
+          <p:cNvPr id="2" name="Title 1"/>
           <p:cNvSpPr>
             <a:spLocks noGrp="1"/>
           </p:cNvSpPr>
@@ -1256,18 +3159,13 @@
               <a:rPr lang="zh-TW" altLang="en-US"/>
               <a:t>按一下以編輯母片標題樣式</a:t>
             </a:r>
-          </a:p>
-        </p:txBody>
-      </p:sp>
-      <p:sp>
-        <p:nvSpPr>
-          <p:cNvPr id="3" name="內容版面配置區 2">
-            <a:extLst>
-              <a:ext uri="{FF2B5EF4-FFF2-40B4-BE49-F238E27FC236}">
-                <a16:creationId xmlns:a16="http://schemas.microsoft.com/office/drawing/2014/main" id="{33CD0028-B528-45EF-9C0D-DFA8A0068D08}"/>
-              </a:ext>
-            </a:extLst>
-          </p:cNvPr>
+            <a:endParaRPr lang="en-US" dirty="0"/>
+          </a:p>
+        </p:txBody>
+      </p:sp>
+      <p:sp>
+        <p:nvSpPr>
+          <p:cNvPr id="3" name="Content Placeholder 2"/>
           <p:cNvSpPr>
             <a:spLocks noGrp="1"/>
           </p:cNvSpPr>
@@ -1277,12 +3175,14 @@
         </p:nvSpPr>
         <p:spPr>
           <a:xfrm>
-            <a:off x="838200" y="1825625"/>
-            <a:ext cx="5181600" cy="4351338"/>
+            <a:off x="684211" y="685800"/>
+            <a:ext cx="4937655" cy="3615267"/>
           </a:xfrm>
         </p:spPr>
         <p:txBody>
-          <a:bodyPr/>
+          <a:bodyPr>
+            <a:normAutofit/>
+          </a:bodyPr>
           <a:lstStyle/>
           <a:p>
             <a:pPr lvl="0"/>
@@ -1318,18 +3218,13 @@
               <a:rPr lang="zh-TW" altLang="en-US"/>
               <a:t>第五層</a:t>
             </a:r>
-          </a:p>
-        </p:txBody>
-      </p:sp>
-      <p:sp>
-        <p:nvSpPr>
-          <p:cNvPr id="4" name="內容版面配置區 3">
-            <a:extLst>
-              <a:ext uri="{FF2B5EF4-FFF2-40B4-BE49-F238E27FC236}">
-                <a16:creationId xmlns:a16="http://schemas.microsoft.com/office/drawing/2014/main" id="{32DCF7A3-4DEC-484B-A45F-042665432866}"/>
-              </a:ext>
-            </a:extLst>
-          </p:cNvPr>
+            <a:endParaRPr lang="en-US" dirty="0"/>
+          </a:p>
+        </p:txBody>
+      </p:sp>
+      <p:sp>
+        <p:nvSpPr>
+          <p:cNvPr id="4" name="Content Placeholder 3"/>
           <p:cNvSpPr>
             <a:spLocks noGrp="1"/>
           </p:cNvSpPr>
@@ -1339,12 +3234,14 @@
         </p:nvSpPr>
         <p:spPr>
           <a:xfrm>
-            <a:off x="6172200" y="1825625"/>
-            <a:ext cx="5181600" cy="4351338"/>
+            <a:off x="5808133" y="685801"/>
+            <a:ext cx="4934479" cy="3615266"/>
           </a:xfrm>
         </p:spPr>
         <p:txBody>
-          <a:bodyPr/>
+          <a:bodyPr>
+            <a:normAutofit/>
+          </a:bodyPr>
           <a:lstStyle/>
           <a:p>
             <a:pPr lvl="0"/>
@@ -1380,18 +3277,13 @@
               <a:rPr lang="zh-TW" altLang="en-US"/>
               <a:t>第五層</a:t>
             </a:r>
-          </a:p>
-        </p:txBody>
-      </p:sp>
-      <p:sp>
-        <p:nvSpPr>
-          <p:cNvPr id="5" name="日期版面配置區 4">
-            <a:extLst>
-              <a:ext uri="{FF2B5EF4-FFF2-40B4-BE49-F238E27FC236}">
-                <a16:creationId xmlns:a16="http://schemas.microsoft.com/office/drawing/2014/main" id="{7497C610-2C19-4224-A8B0-6AC7520AB1E2}"/>
-              </a:ext>
-            </a:extLst>
-          </p:cNvPr>
+            <a:endParaRPr lang="en-US" dirty="0"/>
+          </a:p>
+        </p:txBody>
+      </p:sp>
+      <p:sp>
+        <p:nvSpPr>
+          <p:cNvPr id="5" name="Date Placeholder 4"/>
           <p:cNvSpPr>
             <a:spLocks noGrp="1"/>
           </p:cNvSpPr>
@@ -1406,7 +3298,7 @@
           <a:p>
             <a:fld id="{049DCE47-09B5-43F6-8F6D-72AD5738B37B}" type="datetimeFigureOut">
               <a:rPr lang="zh-TW" altLang="en-US" smtClean="0"/>
-              <a:t>2021/1/3</a:t>
+              <a:t>2021/1/10</a:t>
             </a:fld>
             <a:endParaRPr lang="zh-TW" altLang="en-US"/>
           </a:p>
@@ -1414,13 +3306,7 @@
       </p:sp>
       <p:sp>
         <p:nvSpPr>
-          <p:cNvPr id="6" name="頁尾版面配置區 5">
-            <a:extLst>
-              <a:ext uri="{FF2B5EF4-FFF2-40B4-BE49-F238E27FC236}">
-                <a16:creationId xmlns:a16="http://schemas.microsoft.com/office/drawing/2014/main" id="{1AD42288-0BC6-4B8E-9503-0D0BF86EEC9C}"/>
-              </a:ext>
-            </a:extLst>
-          </p:cNvPr>
+          <p:cNvPr id="6" name="Footer Placeholder 5"/>
           <p:cNvSpPr>
             <a:spLocks noGrp="1"/>
           </p:cNvSpPr>
@@ -1439,13 +3325,7 @@
       </p:sp>
       <p:sp>
         <p:nvSpPr>
-          <p:cNvPr id="7" name="投影片編號版面配置區 6">
-            <a:extLst>
-              <a:ext uri="{FF2B5EF4-FFF2-40B4-BE49-F238E27FC236}">
-                <a16:creationId xmlns:a16="http://schemas.microsoft.com/office/drawing/2014/main" id="{8EDDC999-F1B6-4F1A-B222-78F4AEC6E5BD}"/>
-              </a:ext>
-            </a:extLst>
-          </p:cNvPr>
+          <p:cNvPr id="7" name="Slide Number Placeholder 6"/>
           <p:cNvSpPr>
             <a:spLocks noGrp="1"/>
           </p:cNvSpPr>
@@ -1469,7 +3349,7 @@
     </p:spTree>
     <p:extLst>
       <p:ext uri="{BB962C8B-B14F-4D97-AF65-F5344CB8AC3E}">
-        <p14:creationId xmlns:p14="http://schemas.microsoft.com/office/powerpoint/2010/main" val="2113303045"/>
+        <p14:creationId xmlns:p14="http://schemas.microsoft.com/office/powerpoint/2010/main" val="1210917671"/>
       </p:ext>
     </p:extLst>
   </p:cSld>
@@ -1498,65 +3378,59 @@
       </p:grpSpPr>
       <p:sp>
         <p:nvSpPr>
-          <p:cNvPr id="2" name="標題 1">
-            <a:extLst>
-              <a:ext uri="{FF2B5EF4-FFF2-40B4-BE49-F238E27FC236}">
-                <a16:creationId xmlns:a16="http://schemas.microsoft.com/office/drawing/2014/main" id="{1F8FA612-4D81-43BA-A35F-B5839A8ADD06}"/>
-              </a:ext>
-            </a:extLst>
-          </p:cNvPr>
+          <p:cNvPr id="2" name="Title 1"/>
           <p:cNvSpPr>
             <a:spLocks noGrp="1"/>
           </p:cNvSpPr>
           <p:nvPr>
             <p:ph type="title"/>
+          </p:nvPr>
+        </p:nvSpPr>
+        <p:spPr/>
+        <p:txBody>
+          <a:bodyPr/>
+          <a:lstStyle>
+            <a:lvl1pPr>
+              <a:defRPr/>
+            </a:lvl1pPr>
+          </a:lstStyle>
+          <a:p>
+            <a:r>
+              <a:rPr lang="zh-TW" altLang="en-US"/>
+              <a:t>按一下以編輯母片標題樣式</a:t>
+            </a:r>
+            <a:endParaRPr lang="en-US" dirty="0"/>
+          </a:p>
+        </p:txBody>
+      </p:sp>
+      <p:sp>
+        <p:nvSpPr>
+          <p:cNvPr id="3" name="Text Placeholder 2"/>
+          <p:cNvSpPr>
+            <a:spLocks noGrp="1"/>
+          </p:cNvSpPr>
+          <p:nvPr>
+            <p:ph type="body" idx="1"/>
           </p:nvPr>
         </p:nvSpPr>
         <p:spPr>
           <a:xfrm>
-            <a:off x="839788" y="365125"/>
-            <a:ext cx="10515600" cy="1325563"/>
+            <a:off x="972080" y="685800"/>
+            <a:ext cx="4649787" cy="576262"/>
           </a:xfrm>
         </p:spPr>
         <p:txBody>
-          <a:bodyPr/>
-          <a:lstStyle/>
-          <a:p>
-            <a:r>
-              <a:rPr lang="zh-TW" altLang="en-US"/>
-              <a:t>按一下以編輯母片標題樣式</a:t>
-            </a:r>
-          </a:p>
-        </p:txBody>
-      </p:sp>
-      <p:sp>
-        <p:nvSpPr>
-          <p:cNvPr id="3" name="文字版面配置區 2">
-            <a:extLst>
-              <a:ext uri="{FF2B5EF4-FFF2-40B4-BE49-F238E27FC236}">
-                <a16:creationId xmlns:a16="http://schemas.microsoft.com/office/drawing/2014/main" id="{3D64C7B4-7F74-4536-8846-51605F312588}"/>
-              </a:ext>
-            </a:extLst>
-          </p:cNvPr>
-          <p:cNvSpPr>
-            <a:spLocks noGrp="1"/>
-          </p:cNvSpPr>
-          <p:nvPr>
-            <p:ph type="body" idx="1"/>
-          </p:nvPr>
-        </p:nvSpPr>
-        <p:spPr>
-          <a:xfrm>
-            <a:off x="839788" y="1681163"/>
-            <a:ext cx="5157787" cy="823912"/>
-          </a:xfrm>
-        </p:spPr>
-        <p:txBody>
-          <a:bodyPr anchor="b"/>
+          <a:bodyPr anchor="b">
+            <a:noAutofit/>
+          </a:bodyPr>
           <a:lstStyle>
             <a:lvl1pPr marL="0" indent="0">
               <a:buNone/>
-              <a:defRPr sz="2400" b="1"/>
+              <a:defRPr sz="2800" b="0">
+                <a:solidFill>
+                  <a:schemeClr val="tx1"/>
+                </a:solidFill>
+              </a:defRPr>
             </a:lvl1pPr>
             <a:lvl2pPr marL="457200" indent="0">
               <a:buNone/>
@@ -1602,13 +3476,7 @@
       </p:sp>
       <p:sp>
         <p:nvSpPr>
-          <p:cNvPr id="4" name="內容版面配置區 3">
-            <a:extLst>
-              <a:ext uri="{FF2B5EF4-FFF2-40B4-BE49-F238E27FC236}">
-                <a16:creationId xmlns:a16="http://schemas.microsoft.com/office/drawing/2014/main" id="{610093F4-8478-4EBF-93B2-D61292E35F5B}"/>
-              </a:ext>
-            </a:extLst>
-          </p:cNvPr>
+          <p:cNvPr id="4" name="Content Placeholder 3"/>
           <p:cNvSpPr>
             <a:spLocks noGrp="1"/>
           </p:cNvSpPr>
@@ -1618,12 +3486,14 @@
         </p:nvSpPr>
         <p:spPr>
           <a:xfrm>
-            <a:off x="839788" y="2505075"/>
-            <a:ext cx="5157787" cy="3684588"/>
+            <a:off x="684211" y="1270529"/>
+            <a:ext cx="4937655" cy="3030538"/>
           </a:xfrm>
         </p:spPr>
         <p:txBody>
-          <a:bodyPr/>
+          <a:bodyPr anchor="t">
+            <a:normAutofit/>
+          </a:bodyPr>
           <a:lstStyle/>
           <a:p>
             <a:pPr lvl="0"/>
@@ -1659,18 +3529,13 @@
               <a:rPr lang="zh-TW" altLang="en-US"/>
               <a:t>第五層</a:t>
             </a:r>
-          </a:p>
-        </p:txBody>
-      </p:sp>
-      <p:sp>
-        <p:nvSpPr>
-          <p:cNvPr id="5" name="文字版面配置區 4">
-            <a:extLst>
-              <a:ext uri="{FF2B5EF4-FFF2-40B4-BE49-F238E27FC236}">
-                <a16:creationId xmlns:a16="http://schemas.microsoft.com/office/drawing/2014/main" id="{7C0A7FED-FB2C-477E-AC61-9753ED198263}"/>
-              </a:ext>
-            </a:extLst>
-          </p:cNvPr>
+            <a:endParaRPr lang="en-US" dirty="0"/>
+          </a:p>
+        </p:txBody>
+      </p:sp>
+      <p:sp>
+        <p:nvSpPr>
+          <p:cNvPr id="5" name="Text Placeholder 4"/>
           <p:cNvSpPr>
             <a:spLocks noGrp="1"/>
           </p:cNvSpPr>
@@ -1680,16 +3545,22 @@
         </p:nvSpPr>
         <p:spPr>
           <a:xfrm>
-            <a:off x="6172200" y="1681163"/>
-            <a:ext cx="5183188" cy="823912"/>
+            <a:off x="6079066" y="685800"/>
+            <a:ext cx="4665134" cy="576262"/>
           </a:xfrm>
         </p:spPr>
         <p:txBody>
-          <a:bodyPr anchor="b"/>
+          <a:bodyPr anchor="b">
+            <a:noAutofit/>
+          </a:bodyPr>
           <a:lstStyle>
             <a:lvl1pPr marL="0" indent="0">
               <a:buNone/>
-              <a:defRPr sz="2400" b="1"/>
+              <a:defRPr sz="2800" b="0">
+                <a:solidFill>
+                  <a:schemeClr val="tx1"/>
+                </a:solidFill>
+              </a:defRPr>
             </a:lvl1pPr>
             <a:lvl2pPr marL="457200" indent="0">
               <a:buNone/>
@@ -1735,13 +3606,7 @@
       </p:sp>
       <p:sp>
         <p:nvSpPr>
-          <p:cNvPr id="6" name="內容版面配置區 5">
-            <a:extLst>
-              <a:ext uri="{FF2B5EF4-FFF2-40B4-BE49-F238E27FC236}">
-                <a16:creationId xmlns:a16="http://schemas.microsoft.com/office/drawing/2014/main" id="{6F249A8C-B5B1-4A90-A75B-632AEC017D79}"/>
-              </a:ext>
-            </a:extLst>
-          </p:cNvPr>
+          <p:cNvPr id="6" name="Content Placeholder 5"/>
           <p:cNvSpPr>
             <a:spLocks noGrp="1"/>
           </p:cNvSpPr>
@@ -1751,12 +3616,14 @@
         </p:nvSpPr>
         <p:spPr>
           <a:xfrm>
-            <a:off x="6172200" y="2505075"/>
-            <a:ext cx="5183188" cy="3684588"/>
+            <a:off x="5806545" y="1262062"/>
+            <a:ext cx="4929188" cy="3030538"/>
           </a:xfrm>
         </p:spPr>
         <p:txBody>
-          <a:bodyPr/>
+          <a:bodyPr anchor="t">
+            <a:normAutofit/>
+          </a:bodyPr>
           <a:lstStyle/>
           <a:p>
             <a:pPr lvl="0"/>
@@ -1792,18 +3659,13 @@
               <a:rPr lang="zh-TW" altLang="en-US"/>
               <a:t>第五層</a:t>
             </a:r>
-          </a:p>
-        </p:txBody>
-      </p:sp>
-      <p:sp>
-        <p:nvSpPr>
-          <p:cNvPr id="7" name="日期版面配置區 6">
-            <a:extLst>
-              <a:ext uri="{FF2B5EF4-FFF2-40B4-BE49-F238E27FC236}">
-                <a16:creationId xmlns:a16="http://schemas.microsoft.com/office/drawing/2014/main" id="{63456485-7631-47CA-A982-F98248900758}"/>
-              </a:ext>
-            </a:extLst>
-          </p:cNvPr>
+            <a:endParaRPr lang="en-US" dirty="0"/>
+          </a:p>
+        </p:txBody>
+      </p:sp>
+      <p:sp>
+        <p:nvSpPr>
+          <p:cNvPr id="7" name="Date Placeholder 6"/>
           <p:cNvSpPr>
             <a:spLocks noGrp="1"/>
           </p:cNvSpPr>
@@ -1818,7 +3680,7 @@
           <a:p>
             <a:fld id="{049DCE47-09B5-43F6-8F6D-72AD5738B37B}" type="datetimeFigureOut">
               <a:rPr lang="zh-TW" altLang="en-US" smtClean="0"/>
-              <a:t>2021/1/3</a:t>
+              <a:t>2021/1/10</a:t>
             </a:fld>
             <a:endParaRPr lang="zh-TW" altLang="en-US"/>
           </a:p>
@@ -1826,13 +3688,7 @@
       </p:sp>
       <p:sp>
         <p:nvSpPr>
-          <p:cNvPr id="8" name="頁尾版面配置區 7">
-            <a:extLst>
-              <a:ext uri="{FF2B5EF4-FFF2-40B4-BE49-F238E27FC236}">
-                <a16:creationId xmlns:a16="http://schemas.microsoft.com/office/drawing/2014/main" id="{3B55147E-BD96-4C64-9080-12483412E984}"/>
-              </a:ext>
-            </a:extLst>
-          </p:cNvPr>
+          <p:cNvPr id="8" name="Footer Placeholder 7"/>
           <p:cNvSpPr>
             <a:spLocks noGrp="1"/>
           </p:cNvSpPr>
@@ -1851,13 +3707,7 @@
       </p:sp>
       <p:sp>
         <p:nvSpPr>
-          <p:cNvPr id="9" name="投影片編號版面配置區 8">
-            <a:extLst>
-              <a:ext uri="{FF2B5EF4-FFF2-40B4-BE49-F238E27FC236}">
-                <a16:creationId xmlns:a16="http://schemas.microsoft.com/office/drawing/2014/main" id="{838A9D7F-3C66-4ED5-89B5-0EF363CF8D89}"/>
-              </a:ext>
-            </a:extLst>
-          </p:cNvPr>
+          <p:cNvPr id="9" name="Slide Number Placeholder 8"/>
           <p:cNvSpPr>
             <a:spLocks noGrp="1"/>
           </p:cNvSpPr>
@@ -1881,7 +3731,7 @@
     </p:spTree>
     <p:extLst>
       <p:ext uri="{BB962C8B-B14F-4D97-AF65-F5344CB8AC3E}">
-        <p14:creationId xmlns:p14="http://schemas.microsoft.com/office/powerpoint/2010/main" val="3127858620"/>
+        <p14:creationId xmlns:p14="http://schemas.microsoft.com/office/powerpoint/2010/main" val="1948469199"/>
       </p:ext>
     </p:extLst>
   </p:cSld>
@@ -1910,13 +3760,7 @@
       </p:grpSpPr>
       <p:sp>
         <p:nvSpPr>
-          <p:cNvPr id="2" name="標題 1">
-            <a:extLst>
-              <a:ext uri="{FF2B5EF4-FFF2-40B4-BE49-F238E27FC236}">
-                <a16:creationId xmlns:a16="http://schemas.microsoft.com/office/drawing/2014/main" id="{D5354A25-A323-4347-8F3F-F2D42DA33B68}"/>
-              </a:ext>
-            </a:extLst>
-          </p:cNvPr>
+          <p:cNvPr id="2" name="Title 1"/>
           <p:cNvSpPr>
             <a:spLocks noGrp="1"/>
           </p:cNvSpPr>
@@ -1933,18 +3777,13 @@
               <a:rPr lang="zh-TW" altLang="en-US"/>
               <a:t>按一下以編輯母片標題樣式</a:t>
             </a:r>
-          </a:p>
-        </p:txBody>
-      </p:sp>
-      <p:sp>
-        <p:nvSpPr>
-          <p:cNvPr id="3" name="日期版面配置區 2">
-            <a:extLst>
-              <a:ext uri="{FF2B5EF4-FFF2-40B4-BE49-F238E27FC236}">
-                <a16:creationId xmlns:a16="http://schemas.microsoft.com/office/drawing/2014/main" id="{0895C667-32A4-41AA-BBBC-BC15841DC698}"/>
-              </a:ext>
-            </a:extLst>
-          </p:cNvPr>
+            <a:endParaRPr lang="en-US" dirty="0"/>
+          </a:p>
+        </p:txBody>
+      </p:sp>
+      <p:sp>
+        <p:nvSpPr>
+          <p:cNvPr id="3" name="Date Placeholder 2"/>
           <p:cNvSpPr>
             <a:spLocks noGrp="1"/>
           </p:cNvSpPr>
@@ -1959,7 +3798,7 @@
           <a:p>
             <a:fld id="{049DCE47-09B5-43F6-8F6D-72AD5738B37B}" type="datetimeFigureOut">
               <a:rPr lang="zh-TW" altLang="en-US" smtClean="0"/>
-              <a:t>2021/1/3</a:t>
+              <a:t>2021/1/10</a:t>
             </a:fld>
             <a:endParaRPr lang="zh-TW" altLang="en-US"/>
           </a:p>
@@ -1967,13 +3806,7 @@
       </p:sp>
       <p:sp>
         <p:nvSpPr>
-          <p:cNvPr id="4" name="頁尾版面配置區 3">
-            <a:extLst>
-              <a:ext uri="{FF2B5EF4-FFF2-40B4-BE49-F238E27FC236}">
-                <a16:creationId xmlns:a16="http://schemas.microsoft.com/office/drawing/2014/main" id="{EFB47DCB-E24F-4336-96AE-361DB6EC8DDC}"/>
-              </a:ext>
-            </a:extLst>
-          </p:cNvPr>
+          <p:cNvPr id="4" name="Footer Placeholder 3"/>
           <p:cNvSpPr>
             <a:spLocks noGrp="1"/>
           </p:cNvSpPr>
@@ -1992,13 +3825,7 @@
       </p:sp>
       <p:sp>
         <p:nvSpPr>
-          <p:cNvPr id="5" name="投影片編號版面配置區 4">
-            <a:extLst>
-              <a:ext uri="{FF2B5EF4-FFF2-40B4-BE49-F238E27FC236}">
-                <a16:creationId xmlns:a16="http://schemas.microsoft.com/office/drawing/2014/main" id="{E4A94575-8F02-47E6-A6EA-7603D05A23A3}"/>
-              </a:ext>
-            </a:extLst>
-          </p:cNvPr>
+          <p:cNvPr id="5" name="Slide Number Placeholder 4"/>
           <p:cNvSpPr>
             <a:spLocks noGrp="1"/>
           </p:cNvSpPr>
@@ -2022,7 +3849,7 @@
     </p:spTree>
     <p:extLst>
       <p:ext uri="{BB962C8B-B14F-4D97-AF65-F5344CB8AC3E}">
-        <p14:creationId xmlns:p14="http://schemas.microsoft.com/office/powerpoint/2010/main" val="506627650"/>
+        <p14:creationId xmlns:p14="http://schemas.microsoft.com/office/powerpoint/2010/main" val="394814095"/>
       </p:ext>
     </p:extLst>
   </p:cSld>
@@ -2051,13 +3878,7 @@
       </p:grpSpPr>
       <p:sp>
         <p:nvSpPr>
-          <p:cNvPr id="2" name="日期版面配置區 1">
-            <a:extLst>
-              <a:ext uri="{FF2B5EF4-FFF2-40B4-BE49-F238E27FC236}">
-                <a16:creationId xmlns:a16="http://schemas.microsoft.com/office/drawing/2014/main" id="{85D1D55F-D4CD-4DA0-98B4-D5A60A86D709}"/>
-              </a:ext>
-            </a:extLst>
-          </p:cNvPr>
+          <p:cNvPr id="2" name="Date Placeholder 1"/>
           <p:cNvSpPr>
             <a:spLocks noGrp="1"/>
           </p:cNvSpPr>
@@ -2072,7 +3893,7 @@
           <a:p>
             <a:fld id="{049DCE47-09B5-43F6-8F6D-72AD5738B37B}" type="datetimeFigureOut">
               <a:rPr lang="zh-TW" altLang="en-US" smtClean="0"/>
-              <a:t>2021/1/3</a:t>
+              <a:t>2021/1/10</a:t>
             </a:fld>
             <a:endParaRPr lang="zh-TW" altLang="en-US"/>
           </a:p>
@@ -2080,13 +3901,7 @@
       </p:sp>
       <p:sp>
         <p:nvSpPr>
-          <p:cNvPr id="3" name="頁尾版面配置區 2">
-            <a:extLst>
-              <a:ext uri="{FF2B5EF4-FFF2-40B4-BE49-F238E27FC236}">
-                <a16:creationId xmlns:a16="http://schemas.microsoft.com/office/drawing/2014/main" id="{630862FC-E5BB-4575-AEEC-51BA02A159E5}"/>
-              </a:ext>
-            </a:extLst>
-          </p:cNvPr>
+          <p:cNvPr id="3" name="Footer Placeholder 2"/>
           <p:cNvSpPr>
             <a:spLocks noGrp="1"/>
           </p:cNvSpPr>
@@ -2105,13 +3920,7 @@
       </p:sp>
       <p:sp>
         <p:nvSpPr>
-          <p:cNvPr id="4" name="投影片編號版面配置區 3">
-            <a:extLst>
-              <a:ext uri="{FF2B5EF4-FFF2-40B4-BE49-F238E27FC236}">
-                <a16:creationId xmlns:a16="http://schemas.microsoft.com/office/drawing/2014/main" id="{2A9DBF28-81B7-41DC-9D29-16CB1DA55F6F}"/>
-              </a:ext>
-            </a:extLst>
-          </p:cNvPr>
+          <p:cNvPr id="4" name="Slide Number Placeholder 3"/>
           <p:cNvSpPr>
             <a:spLocks noGrp="1"/>
           </p:cNvSpPr>
@@ -2135,7 +3944,7 @@
     </p:spTree>
     <p:extLst>
       <p:ext uri="{BB962C8B-B14F-4D97-AF65-F5344CB8AC3E}">
-        <p14:creationId xmlns:p14="http://schemas.microsoft.com/office/powerpoint/2010/main" val="1407106805"/>
+        <p14:creationId xmlns:p14="http://schemas.microsoft.com/office/powerpoint/2010/main" val="2538465703"/>
       </p:ext>
     </p:extLst>
   </p:cSld>
@@ -2164,13 +3973,7 @@
       </p:grpSpPr>
       <p:sp>
         <p:nvSpPr>
-          <p:cNvPr id="2" name="標題 1">
-            <a:extLst>
-              <a:ext uri="{FF2B5EF4-FFF2-40B4-BE49-F238E27FC236}">
-                <a16:creationId xmlns:a16="http://schemas.microsoft.com/office/drawing/2014/main" id="{644FDB9B-43AF-44FC-9D8D-A0E2CD844953}"/>
-              </a:ext>
-            </a:extLst>
-          </p:cNvPr>
+          <p:cNvPr id="2" name="Title 1"/>
           <p:cNvSpPr>
             <a:spLocks noGrp="1"/>
           </p:cNvSpPr>
@@ -2180,15 +3983,17 @@
         </p:nvSpPr>
         <p:spPr>
           <a:xfrm>
-            <a:off x="839788" y="457200"/>
-            <a:ext cx="3932237" cy="1600200"/>
+            <a:off x="7085012" y="685800"/>
+            <a:ext cx="3657600" cy="1371600"/>
           </a:xfrm>
         </p:spPr>
         <p:txBody>
-          <a:bodyPr anchor="b"/>
+          <a:bodyPr anchor="b">
+            <a:normAutofit/>
+          </a:bodyPr>
           <a:lstStyle>
-            <a:lvl1pPr>
-              <a:defRPr sz="3200"/>
+            <a:lvl1pPr algn="l">
+              <a:defRPr sz="2400" b="0"/>
             </a:lvl1pPr>
           </a:lstStyle>
           <a:p>
@@ -2196,18 +4001,13 @@
               <a:rPr lang="zh-TW" altLang="en-US"/>
               <a:t>按一下以編輯母片標題樣式</a:t>
             </a:r>
-          </a:p>
-        </p:txBody>
-      </p:sp>
-      <p:sp>
-        <p:nvSpPr>
-          <p:cNvPr id="3" name="內容版面配置區 2">
-            <a:extLst>
-              <a:ext uri="{FF2B5EF4-FFF2-40B4-BE49-F238E27FC236}">
-                <a16:creationId xmlns:a16="http://schemas.microsoft.com/office/drawing/2014/main" id="{99DDAF99-B9EE-48E9-8072-8648D0C473EB}"/>
-              </a:ext>
-            </a:extLst>
-          </p:cNvPr>
+            <a:endParaRPr lang="en-US" dirty="0"/>
+          </a:p>
+        </p:txBody>
+      </p:sp>
+      <p:sp>
+        <p:nvSpPr>
+          <p:cNvPr id="3" name="Content Placeholder 2"/>
           <p:cNvSpPr>
             <a:spLocks noGrp="1"/>
           </p:cNvSpPr>
@@ -2217,41 +4017,15 @@
         </p:nvSpPr>
         <p:spPr>
           <a:xfrm>
-            <a:off x="5183188" y="987425"/>
-            <a:ext cx="6172200" cy="4873625"/>
+            <a:off x="684212" y="685800"/>
+            <a:ext cx="5943601" cy="5308600"/>
           </a:xfrm>
         </p:spPr>
         <p:txBody>
-          <a:bodyPr/>
-          <a:lstStyle>
-            <a:lvl1pPr>
-              <a:defRPr sz="3200"/>
-            </a:lvl1pPr>
-            <a:lvl2pPr>
-              <a:defRPr sz="2800"/>
-            </a:lvl2pPr>
-            <a:lvl3pPr>
-              <a:defRPr sz="2400"/>
-            </a:lvl3pPr>
-            <a:lvl4pPr>
-              <a:defRPr sz="2000"/>
-            </a:lvl4pPr>
-            <a:lvl5pPr>
-              <a:defRPr sz="2000"/>
-            </a:lvl5pPr>
-            <a:lvl6pPr>
-              <a:defRPr sz="2000"/>
-            </a:lvl6pPr>
-            <a:lvl7pPr>
-              <a:defRPr sz="2000"/>
-            </a:lvl7pPr>
-            <a:lvl8pPr>
-              <a:defRPr sz="2000"/>
-            </a:lvl8pPr>
-            <a:lvl9pPr>
-              <a:defRPr sz="2000"/>
-            </a:lvl9pPr>
-          </a:lstStyle>
+          <a:bodyPr anchor="ctr">
+            <a:normAutofit/>
+          </a:bodyPr>
+          <a:lstStyle/>
           <a:p>
             <a:pPr lvl="0"/>
             <a:r>
@@ -2286,18 +4060,13 @@
               <a:rPr lang="zh-TW" altLang="en-US"/>
               <a:t>第五層</a:t>
             </a:r>
-          </a:p>
-        </p:txBody>
-      </p:sp>
-      <p:sp>
-        <p:nvSpPr>
-          <p:cNvPr id="4" name="文字版面配置區 3">
-            <a:extLst>
-              <a:ext uri="{FF2B5EF4-FFF2-40B4-BE49-F238E27FC236}">
-                <a16:creationId xmlns:a16="http://schemas.microsoft.com/office/drawing/2014/main" id="{F77F27B9-640D-4699-91DE-00AC4029B3DC}"/>
-              </a:ext>
-            </a:extLst>
-          </p:cNvPr>
+            <a:endParaRPr lang="en-US" dirty="0"/>
+          </a:p>
+        </p:txBody>
+      </p:sp>
+      <p:sp>
+        <p:nvSpPr>
+          <p:cNvPr id="4" name="Text Placeholder 3"/>
           <p:cNvSpPr>
             <a:spLocks noGrp="1"/>
           </p:cNvSpPr>
@@ -2307,12 +4076,14 @@
         </p:nvSpPr>
         <p:spPr>
           <a:xfrm>
-            <a:off x="839788" y="2057400"/>
-            <a:ext cx="3932237" cy="3811588"/>
+            <a:off x="7085012" y="2209799"/>
+            <a:ext cx="3657600" cy="2091267"/>
           </a:xfrm>
         </p:spPr>
         <p:txBody>
-          <a:bodyPr/>
+          <a:bodyPr anchor="t">
+            <a:normAutofit/>
+          </a:bodyPr>
           <a:lstStyle>
             <a:lvl1pPr marL="0" indent="0">
               <a:buNone/>
@@ -2320,35 +4091,35 @@
             </a:lvl1pPr>
             <a:lvl2pPr marL="457200" indent="0">
               <a:buNone/>
-              <a:defRPr sz="1400"/>
+              <a:defRPr sz="1200"/>
             </a:lvl2pPr>
             <a:lvl3pPr marL="914400" indent="0">
               <a:buNone/>
-              <a:defRPr sz="1200"/>
+              <a:defRPr sz="1000"/>
             </a:lvl3pPr>
             <a:lvl4pPr marL="1371600" indent="0">
               <a:buNone/>
-              <a:defRPr sz="1000"/>
+              <a:defRPr sz="900"/>
             </a:lvl4pPr>
             <a:lvl5pPr marL="1828800" indent="0">
               <a:buNone/>
-              <a:defRPr sz="1000"/>
+              <a:defRPr sz="900"/>
             </a:lvl5pPr>
             <a:lvl6pPr marL="2286000" indent="0">
               <a:buNone/>
-              <a:defRPr sz="1000"/>
+              <a:defRPr sz="900"/>
             </a:lvl6pPr>
             <a:lvl7pPr marL="2743200" indent="0">
               <a:buNone/>
-              <a:defRPr sz="1000"/>
+              <a:defRPr sz="900"/>
             </a:lvl7pPr>
             <a:lvl8pPr marL="3200400" indent="0">
               <a:buNone/>
-              <a:defRPr sz="1000"/>
+              <a:defRPr sz="900"/>
             </a:lvl8pPr>
             <a:lvl9pPr marL="3657600" indent="0">
               <a:buNone/>
-              <a:defRPr sz="1000"/>
+              <a:defRPr sz="900"/>
             </a:lvl9pPr>
           </a:lstStyle>
           <a:p>
@@ -2362,13 +4133,7 @@
       </p:sp>
       <p:sp>
         <p:nvSpPr>
-          <p:cNvPr id="5" name="日期版面配置區 4">
-            <a:extLst>
-              <a:ext uri="{FF2B5EF4-FFF2-40B4-BE49-F238E27FC236}">
-                <a16:creationId xmlns:a16="http://schemas.microsoft.com/office/drawing/2014/main" id="{BA5E0937-EE9F-401D-8E27-2B5652553619}"/>
-              </a:ext>
-            </a:extLst>
-          </p:cNvPr>
+          <p:cNvPr id="5" name="Date Placeholder 4"/>
           <p:cNvSpPr>
             <a:spLocks noGrp="1"/>
           </p:cNvSpPr>
@@ -2383,7 +4148,7 @@
           <a:p>
             <a:fld id="{049DCE47-09B5-43F6-8F6D-72AD5738B37B}" type="datetimeFigureOut">
               <a:rPr lang="zh-TW" altLang="en-US" smtClean="0"/>
-              <a:t>2021/1/3</a:t>
+              <a:t>2021/1/10</a:t>
             </a:fld>
             <a:endParaRPr lang="zh-TW" altLang="en-US"/>
           </a:p>
@@ -2391,13 +4156,7 @@
       </p:sp>
       <p:sp>
         <p:nvSpPr>
-          <p:cNvPr id="6" name="頁尾版面配置區 5">
-            <a:extLst>
-              <a:ext uri="{FF2B5EF4-FFF2-40B4-BE49-F238E27FC236}">
-                <a16:creationId xmlns:a16="http://schemas.microsoft.com/office/drawing/2014/main" id="{5D658541-CBE3-47B2-990B-5CAD172A2805}"/>
-              </a:ext>
-            </a:extLst>
-          </p:cNvPr>
+          <p:cNvPr id="6" name="Footer Placeholder 5"/>
           <p:cNvSpPr>
             <a:spLocks noGrp="1"/>
           </p:cNvSpPr>
@@ -2416,13 +4175,7 @@
       </p:sp>
       <p:sp>
         <p:nvSpPr>
-          <p:cNvPr id="7" name="投影片編號版面配置區 6">
-            <a:extLst>
-              <a:ext uri="{FF2B5EF4-FFF2-40B4-BE49-F238E27FC236}">
-                <a16:creationId xmlns:a16="http://schemas.microsoft.com/office/drawing/2014/main" id="{C3CEE986-0110-4BC8-813A-FE0333992910}"/>
-              </a:ext>
-            </a:extLst>
-          </p:cNvPr>
+          <p:cNvPr id="7" name="Slide Number Placeholder 6"/>
           <p:cNvSpPr>
             <a:spLocks noGrp="1"/>
           </p:cNvSpPr>
@@ -2446,7 +4199,7 @@
     </p:spTree>
     <p:extLst>
       <p:ext uri="{BB962C8B-B14F-4D97-AF65-F5344CB8AC3E}">
-        <p14:creationId xmlns:p14="http://schemas.microsoft.com/office/powerpoint/2010/main" val="1472458964"/>
+        <p14:creationId xmlns:p14="http://schemas.microsoft.com/office/powerpoint/2010/main" val="859205093"/>
       </p:ext>
     </p:extLst>
   </p:cSld>
@@ -2475,13 +4228,7 @@
       </p:grpSpPr>
       <p:sp>
         <p:nvSpPr>
-          <p:cNvPr id="2" name="標題 1">
-            <a:extLst>
-              <a:ext uri="{FF2B5EF4-FFF2-40B4-BE49-F238E27FC236}">
-                <a16:creationId xmlns:a16="http://schemas.microsoft.com/office/drawing/2014/main" id="{1BF9AAA7-196E-4E72-9DC7-0D484A03C4C9}"/>
-              </a:ext>
-            </a:extLst>
-          </p:cNvPr>
+          <p:cNvPr id="2" name="Title 1"/>
           <p:cNvSpPr>
             <a:spLocks noGrp="1"/>
           </p:cNvSpPr>
@@ -2491,15 +4238,17 @@
         </p:nvSpPr>
         <p:spPr>
           <a:xfrm>
-            <a:off x="839788" y="457200"/>
-            <a:ext cx="3932237" cy="1600200"/>
+            <a:off x="4722812" y="1447800"/>
+            <a:ext cx="6019800" cy="1143000"/>
           </a:xfrm>
         </p:spPr>
         <p:txBody>
-          <a:bodyPr anchor="b"/>
+          <a:bodyPr anchor="b">
+            <a:normAutofit/>
+          </a:bodyPr>
           <a:lstStyle>
-            <a:lvl1pPr>
-              <a:defRPr sz="3200"/>
+            <a:lvl1pPr algn="l">
+              <a:defRPr sz="2800" b="0"/>
             </a:lvl1pPr>
           </a:lstStyle>
           <a:p>
@@ -2507,20 +4256,15 @@
               <a:rPr lang="zh-TW" altLang="en-US"/>
               <a:t>按一下以編輯母片標題樣式</a:t>
             </a:r>
-          </a:p>
-        </p:txBody>
-      </p:sp>
-      <p:sp>
-        <p:nvSpPr>
-          <p:cNvPr id="3" name="圖片版面配置區 2">
-            <a:extLst>
-              <a:ext uri="{FF2B5EF4-FFF2-40B4-BE49-F238E27FC236}">
-                <a16:creationId xmlns:a16="http://schemas.microsoft.com/office/drawing/2014/main" id="{48A43C69-4137-474E-93F9-005F1A00BCA6}"/>
-              </a:ext>
-            </a:extLst>
-          </p:cNvPr>
-          <p:cNvSpPr>
-            <a:spLocks noGrp="1"/>
+            <a:endParaRPr lang="en-US" dirty="0"/>
+          </a:p>
+        </p:txBody>
+      </p:sp>
+      <p:sp>
+        <p:nvSpPr>
+          <p:cNvPr id="14" name="Picture Placeholder 2"/>
+          <p:cNvSpPr>
+            <a:spLocks noGrp="1" noChangeAspect="1"/>
           </p:cNvSpPr>
           <p:nvPr>
             <p:ph type="pic" idx="1"/>
@@ -2528,118 +4272,140 @@
         </p:nvSpPr>
         <p:spPr>
           <a:xfrm>
-            <a:off x="5183188" y="987425"/>
-            <a:ext cx="6172200" cy="4873625"/>
+            <a:off x="989012" y="914400"/>
+            <a:ext cx="3280974" cy="4572000"/>
           </a:xfrm>
+          <a:prstGeom prst="snip2DiagRect">
+            <a:avLst>
+              <a:gd name="adj1" fmla="val 10815"/>
+              <a:gd name="adj2" fmla="val 0"/>
+            </a:avLst>
+          </a:prstGeom>
+          <a:ln w="15875">
+            <a:solidFill>
+              <a:schemeClr val="tx1">
+                <a:alpha val="40000"/>
+              </a:schemeClr>
+            </a:solidFill>
+          </a:ln>
+          <a:effectLst>
+            <a:innerShdw blurRad="57150" dist="38100" dir="14460000">
+              <a:srgbClr val="000000">
+                <a:alpha val="70000"/>
+              </a:srgbClr>
+            </a:innerShdw>
+          </a:effectLst>
         </p:spPr>
         <p:txBody>
-          <a:bodyPr/>
+          <a:bodyPr anchor="t">
+            <a:normAutofit/>
+          </a:bodyPr>
           <a:lstStyle>
-            <a:lvl1pPr marL="0" indent="0">
-              <a:buNone/>
-              <a:defRPr sz="3200"/>
-            </a:lvl1pPr>
-            <a:lvl2pPr marL="457200" indent="0">
-              <a:buNone/>
-              <a:defRPr sz="2800"/>
-            </a:lvl2pPr>
-            <a:lvl3pPr marL="914400" indent="0">
-              <a:buNone/>
-              <a:defRPr sz="2400"/>
-            </a:lvl3pPr>
-            <a:lvl4pPr marL="1371600" indent="0">
-              <a:buNone/>
-              <a:defRPr sz="2000"/>
-            </a:lvl4pPr>
-            <a:lvl5pPr marL="1828800" indent="0">
-              <a:buNone/>
-              <a:defRPr sz="2000"/>
-            </a:lvl5pPr>
-            <a:lvl6pPr marL="2286000" indent="0">
-              <a:buNone/>
-              <a:defRPr sz="2000"/>
-            </a:lvl6pPr>
-            <a:lvl7pPr marL="2743200" indent="0">
-              <a:buNone/>
-              <a:defRPr sz="2000"/>
-            </a:lvl7pPr>
-            <a:lvl8pPr marL="3200400" indent="0">
-              <a:buNone/>
-              <a:defRPr sz="2000"/>
-            </a:lvl8pPr>
-            <a:lvl9pPr marL="3657600" indent="0">
-              <a:buNone/>
-              <a:defRPr sz="2000"/>
-            </a:lvl9pPr>
-          </a:lstStyle>
-          <a:p>
-            <a:endParaRPr lang="zh-TW" altLang="en-US"/>
-          </a:p>
-        </p:txBody>
-      </p:sp>
-      <p:sp>
-        <p:nvSpPr>
-          <p:cNvPr id="4" name="文字版面配置區 3">
-            <a:extLst>
-              <a:ext uri="{FF2B5EF4-FFF2-40B4-BE49-F238E27FC236}">
-                <a16:creationId xmlns:a16="http://schemas.microsoft.com/office/drawing/2014/main" id="{6EF3E24D-BA01-4F54-800E-403BD50E605E}"/>
-              </a:ext>
-            </a:extLst>
-          </p:cNvPr>
-          <p:cNvSpPr>
-            <a:spLocks noGrp="1"/>
-          </p:cNvSpPr>
-          <p:nvPr>
-            <p:ph type="body" sz="half" idx="2"/>
-          </p:nvPr>
-        </p:nvSpPr>
-        <p:spPr>
-          <a:xfrm>
-            <a:off x="839788" y="2057400"/>
-            <a:ext cx="3932237" cy="3811588"/>
-          </a:xfrm>
-        </p:spPr>
-        <p:txBody>
-          <a:bodyPr/>
-          <a:lstStyle>
-            <a:lvl1pPr marL="0" indent="0">
+            <a:lvl1pPr marL="0" indent="0" algn="ctr">
               <a:buNone/>
               <a:defRPr sz="1600"/>
             </a:lvl1pPr>
             <a:lvl2pPr marL="457200" indent="0">
               <a:buNone/>
-              <a:defRPr sz="1400"/>
+              <a:defRPr sz="1600"/>
             </a:lvl2pPr>
             <a:lvl3pPr marL="914400" indent="0">
               <a:buNone/>
-              <a:defRPr sz="1200"/>
+              <a:defRPr sz="1600"/>
             </a:lvl3pPr>
             <a:lvl4pPr marL="1371600" indent="0">
               <a:buNone/>
-              <a:defRPr sz="1000"/>
+              <a:defRPr sz="1600"/>
             </a:lvl4pPr>
             <a:lvl5pPr marL="1828800" indent="0">
               <a:buNone/>
-              <a:defRPr sz="1000"/>
+              <a:defRPr sz="1600"/>
             </a:lvl5pPr>
             <a:lvl6pPr marL="2286000" indent="0">
               <a:buNone/>
-              <a:defRPr sz="1000"/>
+              <a:defRPr sz="1600"/>
             </a:lvl6pPr>
             <a:lvl7pPr marL="2743200" indent="0">
               <a:buNone/>
-              <a:defRPr sz="1000"/>
+              <a:defRPr sz="1600"/>
             </a:lvl7pPr>
             <a:lvl8pPr marL="3200400" indent="0">
               <a:buNone/>
-              <a:defRPr sz="1000"/>
+              <a:defRPr sz="1600"/>
             </a:lvl8pPr>
             <a:lvl9pPr marL="3657600" indent="0">
               <a:buNone/>
-              <a:defRPr sz="1000"/>
+              <a:defRPr sz="1600"/>
             </a:lvl9pPr>
           </a:lstStyle>
           <a:p>
+            <a:r>
+              <a:rPr lang="zh-TW" altLang="en-US"/>
+              <a:t>按一下圖示以新增圖片</a:t>
+            </a:r>
+            <a:endParaRPr lang="en-US" dirty="0"/>
+          </a:p>
+        </p:txBody>
+      </p:sp>
+      <p:sp>
+        <p:nvSpPr>
+          <p:cNvPr id="4" name="Text Placeholder 3"/>
+          <p:cNvSpPr>
+            <a:spLocks noGrp="1"/>
+          </p:cNvSpPr>
+          <p:nvPr>
+            <p:ph type="body" sz="half" idx="2"/>
+          </p:nvPr>
+        </p:nvSpPr>
+        <p:spPr>
+          <a:xfrm>
+            <a:off x="4722812" y="2777066"/>
+            <a:ext cx="6021388" cy="2048933"/>
+          </a:xfrm>
+        </p:spPr>
+        <p:txBody>
+          <a:bodyPr anchor="t">
+            <a:normAutofit/>
+          </a:bodyPr>
+          <a:lstStyle>
+            <a:lvl1pPr marL="0" indent="0">
+              <a:buNone/>
+              <a:defRPr sz="1800"/>
+            </a:lvl1pPr>
+            <a:lvl2pPr marL="457200" indent="0">
+              <a:buNone/>
+              <a:defRPr sz="1200"/>
+            </a:lvl2pPr>
+            <a:lvl3pPr marL="914400" indent="0">
+              <a:buNone/>
+              <a:defRPr sz="1000"/>
+            </a:lvl3pPr>
+            <a:lvl4pPr marL="1371600" indent="0">
+              <a:buNone/>
+              <a:defRPr sz="900"/>
+            </a:lvl4pPr>
+            <a:lvl5pPr marL="1828800" indent="0">
+              <a:buNone/>
+              <a:defRPr sz="900"/>
+            </a:lvl5pPr>
+            <a:lvl6pPr marL="2286000" indent="0">
+              <a:buNone/>
+              <a:defRPr sz="900"/>
+            </a:lvl6pPr>
+            <a:lvl7pPr marL="2743200" indent="0">
+              <a:buNone/>
+              <a:defRPr sz="900"/>
+            </a:lvl7pPr>
+            <a:lvl8pPr marL="3200400" indent="0">
+              <a:buNone/>
+              <a:defRPr sz="900"/>
+            </a:lvl8pPr>
+            <a:lvl9pPr marL="3657600" indent="0">
+              <a:buNone/>
+              <a:defRPr sz="900"/>
+            </a:lvl9pPr>
+          </a:lstStyle>
+          <a:p>
             <a:pPr lvl="0"/>
             <a:r>
               <a:rPr lang="zh-TW" altLang="en-US"/>
@@ -2650,13 +4416,7 @@
       </p:sp>
       <p:sp>
         <p:nvSpPr>
-          <p:cNvPr id="5" name="日期版面配置區 4">
-            <a:extLst>
-              <a:ext uri="{FF2B5EF4-FFF2-40B4-BE49-F238E27FC236}">
-                <a16:creationId xmlns:a16="http://schemas.microsoft.com/office/drawing/2014/main" id="{817841B4-80D0-47ED-9591-4AFB00B5B75B}"/>
-              </a:ext>
-            </a:extLst>
-          </p:cNvPr>
+          <p:cNvPr id="5" name="Date Placeholder 4"/>
           <p:cNvSpPr>
             <a:spLocks noGrp="1"/>
           </p:cNvSpPr>
@@ -2671,7 +4431,7 @@
           <a:p>
             <a:fld id="{049DCE47-09B5-43F6-8F6D-72AD5738B37B}" type="datetimeFigureOut">
               <a:rPr lang="zh-TW" altLang="en-US" smtClean="0"/>
-              <a:t>2021/1/3</a:t>
+              <a:t>2021/1/10</a:t>
             </a:fld>
             <a:endParaRPr lang="zh-TW" altLang="en-US"/>
           </a:p>
@@ -2679,13 +4439,7 @@
       </p:sp>
       <p:sp>
         <p:nvSpPr>
-          <p:cNvPr id="6" name="頁尾版面配置區 5">
-            <a:extLst>
-              <a:ext uri="{FF2B5EF4-FFF2-40B4-BE49-F238E27FC236}">
-                <a16:creationId xmlns:a16="http://schemas.microsoft.com/office/drawing/2014/main" id="{B0B373CE-2EFD-4814-BBE5-3EE3427E11B4}"/>
-              </a:ext>
-            </a:extLst>
-          </p:cNvPr>
+          <p:cNvPr id="6" name="Footer Placeholder 5"/>
           <p:cNvSpPr>
             <a:spLocks noGrp="1"/>
           </p:cNvSpPr>
@@ -2704,13 +4458,7 @@
       </p:sp>
       <p:sp>
         <p:nvSpPr>
-          <p:cNvPr id="7" name="投影片編號版面配置區 6">
-            <a:extLst>
-              <a:ext uri="{FF2B5EF4-FFF2-40B4-BE49-F238E27FC236}">
-                <a16:creationId xmlns:a16="http://schemas.microsoft.com/office/drawing/2014/main" id="{1ED86220-A0C4-4CD5-A0F8-45C4B55B2E9A}"/>
-              </a:ext>
-            </a:extLst>
-          </p:cNvPr>
+          <p:cNvPr id="7" name="Slide Number Placeholder 6"/>
           <p:cNvSpPr>
             <a:spLocks noGrp="1"/>
           </p:cNvSpPr>
@@ -2734,7 +4482,7 @@
     </p:spTree>
     <p:extLst>
       <p:ext uri="{BB962C8B-B14F-4D97-AF65-F5344CB8AC3E}">
-        <p14:creationId xmlns:p14="http://schemas.microsoft.com/office/powerpoint/2010/main" val="686917761"/>
+        <p14:creationId xmlns:p14="http://schemas.microsoft.com/office/powerpoint/2010/main" val="862861028"/>
       </p:ext>
     </p:extLst>
   </p:cSld>
@@ -2748,8 +4496,8 @@
 <p:sldMaster xmlns:a="http://schemas.openxmlformats.org/drawingml/2006/main" xmlns:r="http://schemas.openxmlformats.org/officeDocument/2006/relationships" xmlns:p="http://schemas.openxmlformats.org/presentationml/2006/main">
   <p:cSld>
     <p:bg>
-      <p:bgRef idx="1001">
-        <a:schemeClr val="bg1"/>
+      <p:bgRef idx="1002">
+        <a:schemeClr val="bg2"/>
       </p:bgRef>
     </p:bg>
     <p:spTree>
@@ -2766,15 +4514,199 @@
           <a:chExt cx="0" cy="0"/>
         </a:xfrm>
       </p:grpSpPr>
-      <p:sp>
-        <p:nvSpPr>
-          <p:cNvPr id="2" name="標題版面配置區 1">
-            <a:extLst>
-              <a:ext uri="{FF2B5EF4-FFF2-40B4-BE49-F238E27FC236}">
-                <a16:creationId xmlns:a16="http://schemas.microsoft.com/office/drawing/2014/main" id="{14E8F29B-53FF-4F21-8154-0D9A5CF2830A}"/>
-              </a:ext>
-            </a:extLst>
-          </p:cNvPr>
+      <p:grpSp>
+        <p:nvGrpSpPr>
+          <p:cNvPr id="7" name="Group 6"/>
+          <p:cNvGrpSpPr/>
+          <p:nvPr/>
+        </p:nvGrpSpPr>
+        <p:grpSpPr>
+          <a:xfrm>
+            <a:off x="9206969" y="2963333"/>
+            <a:ext cx="2981858" cy="3208867"/>
+            <a:chOff x="9206969" y="2963333"/>
+            <a:chExt cx="2981858" cy="3208867"/>
+          </a:xfrm>
+        </p:grpSpPr>
+        <p:cxnSp>
+          <p:nvCxnSpPr>
+            <p:cNvPr id="8" name="Straight Connector 7"/>
+            <p:cNvCxnSpPr/>
+            <p:nvPr/>
+          </p:nvCxnSpPr>
+          <p:spPr>
+            <a:xfrm flipH="1">
+              <a:off x="11276012" y="2963333"/>
+              <a:ext cx="912814" cy="912812"/>
+            </a:xfrm>
+            <a:prstGeom prst="line">
+              <a:avLst/>
+            </a:prstGeom>
+            <a:ln w="9525">
+              <a:solidFill>
+                <a:schemeClr val="tx1"/>
+              </a:solidFill>
+            </a:ln>
+          </p:spPr>
+          <p:style>
+            <a:lnRef idx="2">
+              <a:schemeClr val="accent1"/>
+            </a:lnRef>
+            <a:fillRef idx="0">
+              <a:schemeClr val="accent1"/>
+            </a:fillRef>
+            <a:effectRef idx="1">
+              <a:schemeClr val="accent1"/>
+            </a:effectRef>
+            <a:fontRef idx="minor">
+              <a:schemeClr val="tx1"/>
+            </a:fontRef>
+          </p:style>
+        </p:cxnSp>
+        <p:cxnSp>
+          <p:nvCxnSpPr>
+            <p:cNvPr id="9" name="Straight Connector 8"/>
+            <p:cNvCxnSpPr/>
+            <p:nvPr/>
+          </p:nvCxnSpPr>
+          <p:spPr>
+            <a:xfrm flipH="1">
+              <a:off x="9206969" y="3190344"/>
+              <a:ext cx="2981857" cy="2981856"/>
+            </a:xfrm>
+            <a:prstGeom prst="line">
+              <a:avLst/>
+            </a:prstGeom>
+            <a:ln w="9525">
+              <a:solidFill>
+                <a:schemeClr val="tx1"/>
+              </a:solidFill>
+            </a:ln>
+          </p:spPr>
+          <p:style>
+            <a:lnRef idx="2">
+              <a:schemeClr val="accent1"/>
+            </a:lnRef>
+            <a:fillRef idx="0">
+              <a:schemeClr val="accent1"/>
+            </a:fillRef>
+            <a:effectRef idx="1">
+              <a:schemeClr val="accent1"/>
+            </a:effectRef>
+            <a:fontRef idx="minor">
+              <a:schemeClr val="tx1"/>
+            </a:fontRef>
+          </p:style>
+        </p:cxnSp>
+        <p:cxnSp>
+          <p:nvCxnSpPr>
+            <p:cNvPr id="10" name="Straight Connector 9"/>
+            <p:cNvCxnSpPr/>
+            <p:nvPr/>
+          </p:nvCxnSpPr>
+          <p:spPr>
+            <a:xfrm flipH="1">
+              <a:off x="10292292" y="3285067"/>
+              <a:ext cx="1896534" cy="1896533"/>
+            </a:xfrm>
+            <a:prstGeom prst="line">
+              <a:avLst/>
+            </a:prstGeom>
+            <a:ln w="9525">
+              <a:solidFill>
+                <a:schemeClr val="tx1"/>
+              </a:solidFill>
+            </a:ln>
+          </p:spPr>
+          <p:style>
+            <a:lnRef idx="2">
+              <a:schemeClr val="accent1"/>
+            </a:lnRef>
+            <a:fillRef idx="0">
+              <a:schemeClr val="accent1"/>
+            </a:fillRef>
+            <a:effectRef idx="1">
+              <a:schemeClr val="accent1"/>
+            </a:effectRef>
+            <a:fontRef idx="minor">
+              <a:schemeClr val="tx1"/>
+            </a:fontRef>
+          </p:style>
+        </p:cxnSp>
+        <p:cxnSp>
+          <p:nvCxnSpPr>
+            <p:cNvPr id="11" name="Straight Connector 10"/>
+            <p:cNvCxnSpPr/>
+            <p:nvPr/>
+          </p:nvCxnSpPr>
+          <p:spPr>
+            <a:xfrm flipH="1">
+              <a:off x="10443103" y="3131080"/>
+              <a:ext cx="1745722" cy="1745720"/>
+            </a:xfrm>
+            <a:prstGeom prst="line">
+              <a:avLst/>
+            </a:prstGeom>
+            <a:ln w="28575">
+              <a:solidFill>
+                <a:schemeClr val="tx1"/>
+              </a:solidFill>
+            </a:ln>
+          </p:spPr>
+          <p:style>
+            <a:lnRef idx="2">
+              <a:schemeClr val="accent1"/>
+            </a:lnRef>
+            <a:fillRef idx="0">
+              <a:schemeClr val="accent1"/>
+            </a:fillRef>
+            <a:effectRef idx="1">
+              <a:schemeClr val="accent1"/>
+            </a:effectRef>
+            <a:fontRef idx="minor">
+              <a:schemeClr val="tx1"/>
+            </a:fontRef>
+          </p:style>
+        </p:cxnSp>
+        <p:cxnSp>
+          <p:nvCxnSpPr>
+            <p:cNvPr id="12" name="Straight Connector 11"/>
+            <p:cNvCxnSpPr/>
+            <p:nvPr/>
+          </p:nvCxnSpPr>
+          <p:spPr>
+            <a:xfrm flipH="1">
+              <a:off x="10918826" y="3683001"/>
+              <a:ext cx="1270001" cy="1269999"/>
+            </a:xfrm>
+            <a:prstGeom prst="line">
+              <a:avLst/>
+            </a:prstGeom>
+            <a:ln w="28575">
+              <a:solidFill>
+                <a:schemeClr val="tx1"/>
+              </a:solidFill>
+            </a:ln>
+          </p:spPr>
+          <p:style>
+            <a:lnRef idx="2">
+              <a:schemeClr val="accent1"/>
+            </a:lnRef>
+            <a:fillRef idx="0">
+              <a:schemeClr val="accent1"/>
+            </a:fillRef>
+            <a:effectRef idx="1">
+              <a:schemeClr val="accent1"/>
+            </a:effectRef>
+            <a:fontRef idx="minor">
+              <a:schemeClr val="tx1"/>
+            </a:fontRef>
+          </p:style>
+        </p:cxnSp>
+      </p:grpSp>
+      <p:sp>
+        <p:nvSpPr>
+          <p:cNvPr id="2" name="Title Placeholder 1"/>
           <p:cNvSpPr>
             <a:spLocks noGrp="1"/>
           </p:cNvSpPr>
@@ -2784,8 +4716,42 @@
         </p:nvSpPr>
         <p:spPr>
           <a:xfrm>
-            <a:off x="838200" y="365125"/>
-            <a:ext cx="10515600" cy="1325563"/>
+            <a:off x="684212" y="4487332"/>
+            <a:ext cx="8534400" cy="1507067"/>
+          </a:xfrm>
+          <a:prstGeom prst="rect">
+            <a:avLst/>
+          </a:prstGeom>
+          <a:effectLst/>
+        </p:spPr>
+        <p:txBody>
+          <a:bodyPr vert="horz" lIns="91440" tIns="45720" rIns="91440" bIns="45720" rtlCol="0" anchor="ctr">
+            <a:normAutofit/>
+          </a:bodyPr>
+          <a:lstStyle/>
+          <a:p>
+            <a:r>
+              <a:rPr lang="zh-TW" altLang="en-US"/>
+              <a:t>按一下以編輯母片標題樣式</a:t>
+            </a:r>
+            <a:endParaRPr lang="en-US" dirty="0"/>
+          </a:p>
+        </p:txBody>
+      </p:sp>
+      <p:sp>
+        <p:nvSpPr>
+          <p:cNvPr id="3" name="Text Placeholder 2"/>
+          <p:cNvSpPr>
+            <a:spLocks noGrp="1"/>
+          </p:cNvSpPr>
+          <p:nvPr>
+            <p:ph type="body" idx="1"/>
+          </p:nvPr>
+        </p:nvSpPr>
+        <p:spPr>
+          <a:xfrm>
+            <a:off x="684212" y="685800"/>
+            <a:ext cx="8534400" cy="3615267"/>
           </a:xfrm>
           <a:prstGeom prst="rect">
             <a:avLst/>
@@ -2797,205 +4763,156 @@
           </a:bodyPr>
           <a:lstStyle/>
           <a:p>
-            <a:r>
-              <a:rPr lang="zh-TW" altLang="en-US"/>
-              <a:t>按一下以編輯母片標題樣式</a:t>
-            </a:r>
-          </a:p>
-        </p:txBody>
-      </p:sp>
-      <p:sp>
-        <p:nvSpPr>
-          <p:cNvPr id="3" name="文字版面配置區 2">
-            <a:extLst>
-              <a:ext uri="{FF2B5EF4-FFF2-40B4-BE49-F238E27FC236}">
-                <a16:creationId xmlns:a16="http://schemas.microsoft.com/office/drawing/2014/main" id="{43CDFE8B-683E-4FC6-8889-BAC9B907F0E7}"/>
-              </a:ext>
-            </a:extLst>
-          </p:cNvPr>
-          <p:cNvSpPr>
-            <a:spLocks noGrp="1"/>
-          </p:cNvSpPr>
-          <p:nvPr>
-            <p:ph type="body" idx="1"/>
+            <a:pPr lvl="0"/>
+            <a:r>
+              <a:rPr lang="zh-TW" altLang="en-US"/>
+              <a:t>按一下以編輯母片文字樣式</a:t>
+            </a:r>
+          </a:p>
+          <a:p>
+            <a:pPr lvl="1"/>
+            <a:r>
+              <a:rPr lang="zh-TW" altLang="en-US"/>
+              <a:t>第二層</a:t>
+            </a:r>
+          </a:p>
+          <a:p>
+            <a:pPr lvl="2"/>
+            <a:r>
+              <a:rPr lang="zh-TW" altLang="en-US"/>
+              <a:t>第三層</a:t>
+            </a:r>
+          </a:p>
+          <a:p>
+            <a:pPr lvl="3"/>
+            <a:r>
+              <a:rPr lang="zh-TW" altLang="en-US"/>
+              <a:t>第四層</a:t>
+            </a:r>
+          </a:p>
+          <a:p>
+            <a:pPr lvl="4"/>
+            <a:r>
+              <a:rPr lang="zh-TW" altLang="en-US"/>
+              <a:t>第五層</a:t>
+            </a:r>
+            <a:endParaRPr lang="en-US" dirty="0"/>
+          </a:p>
+        </p:txBody>
+      </p:sp>
+      <p:sp>
+        <p:nvSpPr>
+          <p:cNvPr id="4" name="Date Placeholder 3"/>
+          <p:cNvSpPr>
+            <a:spLocks noGrp="1"/>
+          </p:cNvSpPr>
+          <p:nvPr>
+            <p:ph type="dt" sz="half" idx="2"/>
           </p:nvPr>
         </p:nvSpPr>
         <p:spPr>
           <a:xfrm>
-            <a:off x="838200" y="1825625"/>
-            <a:ext cx="10515600" cy="4351338"/>
+            <a:off x="9904412" y="6172200"/>
+            <a:ext cx="1600200" cy="365125"/>
           </a:xfrm>
           <a:prstGeom prst="rect">
             <a:avLst/>
           </a:prstGeom>
         </p:spPr>
         <p:txBody>
-          <a:bodyPr vert="horz" lIns="91440" tIns="45720" rIns="91440" bIns="45720" rtlCol="0">
-            <a:normAutofit/>
-          </a:bodyPr>
-          <a:lstStyle/>
-          <a:p>
-            <a:pPr lvl="0"/>
-            <a:r>
-              <a:rPr lang="zh-TW" altLang="en-US"/>
-              <a:t>按一下以編輯母片文字樣式</a:t>
-            </a:r>
-          </a:p>
-          <a:p>
-            <a:pPr lvl="1"/>
-            <a:r>
-              <a:rPr lang="zh-TW" altLang="en-US"/>
-              <a:t>第二層</a:t>
-            </a:r>
-          </a:p>
-          <a:p>
-            <a:pPr lvl="2"/>
-            <a:r>
-              <a:rPr lang="zh-TW" altLang="en-US"/>
-              <a:t>第三層</a:t>
-            </a:r>
-          </a:p>
-          <a:p>
-            <a:pPr lvl="3"/>
-            <a:r>
-              <a:rPr lang="zh-TW" altLang="en-US"/>
-              <a:t>第四層</a:t>
-            </a:r>
-          </a:p>
-          <a:p>
-            <a:pPr lvl="4"/>
-            <a:r>
-              <a:rPr lang="zh-TW" altLang="en-US"/>
-              <a:t>第五層</a:t>
-            </a:r>
-          </a:p>
-        </p:txBody>
-      </p:sp>
-      <p:sp>
-        <p:nvSpPr>
-          <p:cNvPr id="4" name="日期版面配置區 3">
-            <a:extLst>
-              <a:ext uri="{FF2B5EF4-FFF2-40B4-BE49-F238E27FC236}">
-                <a16:creationId xmlns:a16="http://schemas.microsoft.com/office/drawing/2014/main" id="{1E823355-C829-43C5-A916-EC7378C53359}"/>
-              </a:ext>
-            </a:extLst>
-          </p:cNvPr>
-          <p:cNvSpPr>
-            <a:spLocks noGrp="1"/>
-          </p:cNvSpPr>
-          <p:nvPr>
-            <p:ph type="dt" sz="half" idx="2"/>
+          <a:bodyPr vert="horz" lIns="91440" tIns="45720" rIns="91440" bIns="45720" rtlCol="0" anchor="t"/>
+          <a:lstStyle>
+            <a:lvl1pPr algn="r">
+              <a:defRPr sz="1000" b="0" i="0">
+                <a:solidFill>
+                  <a:schemeClr val="bg2">
+                    <a:lumMod val="50000"/>
+                  </a:schemeClr>
+                </a:solidFill>
+                <a:effectLst/>
+                <a:latin typeface="+mn-lt"/>
+              </a:defRPr>
+            </a:lvl1pPr>
+          </a:lstStyle>
+          <a:p>
+            <a:fld id="{049DCE47-09B5-43F6-8F6D-72AD5738B37B}" type="datetimeFigureOut">
+              <a:rPr lang="zh-TW" altLang="en-US" smtClean="0"/>
+              <a:t>2021/1/10</a:t>
+            </a:fld>
+            <a:endParaRPr lang="zh-TW" altLang="en-US"/>
+          </a:p>
+        </p:txBody>
+      </p:sp>
+      <p:sp>
+        <p:nvSpPr>
+          <p:cNvPr id="5" name="Footer Placeholder 4"/>
+          <p:cNvSpPr>
+            <a:spLocks noGrp="1"/>
+          </p:cNvSpPr>
+          <p:nvPr>
+            <p:ph type="ftr" sz="quarter" idx="3"/>
           </p:nvPr>
         </p:nvSpPr>
         <p:spPr>
           <a:xfrm>
-            <a:off x="838200" y="6356350"/>
-            <a:ext cx="2743200" cy="365125"/>
+            <a:off x="684212" y="6172200"/>
+            <a:ext cx="7543800" cy="365125"/>
           </a:xfrm>
           <a:prstGeom prst="rect">
             <a:avLst/>
           </a:prstGeom>
         </p:spPr>
         <p:txBody>
-          <a:bodyPr vert="horz" lIns="91440" tIns="45720" rIns="91440" bIns="45720" rtlCol="0" anchor="ctr"/>
+          <a:bodyPr vert="horz" lIns="91440" tIns="45720" rIns="91440" bIns="45720" rtlCol="0" anchor="t"/>
           <a:lstStyle>
             <a:lvl1pPr algn="l">
-              <a:defRPr sz="1200">
-                <a:solidFill>
-                  <a:schemeClr val="tx1">
-                    <a:tint val="75000"/>
-                  </a:schemeClr>
-                </a:solidFill>
+              <a:defRPr sz="1000" b="0" i="0">
+                <a:solidFill>
+                  <a:schemeClr val="bg2">
+                    <a:lumMod val="50000"/>
+                  </a:schemeClr>
+                </a:solidFill>
+                <a:effectLst/>
+                <a:latin typeface="+mn-lt"/>
               </a:defRPr>
             </a:lvl1pPr>
           </a:lstStyle>
           <a:p>
-            <a:fld id="{049DCE47-09B5-43F6-8F6D-72AD5738B37B}" type="datetimeFigureOut">
-              <a:rPr lang="zh-TW" altLang="en-US" smtClean="0"/>
-              <a:t>2021/1/3</a:t>
-            </a:fld>
             <a:endParaRPr lang="zh-TW" altLang="en-US"/>
           </a:p>
         </p:txBody>
       </p:sp>
       <p:sp>
         <p:nvSpPr>
-          <p:cNvPr id="5" name="頁尾版面配置區 4">
-            <a:extLst>
-              <a:ext uri="{FF2B5EF4-FFF2-40B4-BE49-F238E27FC236}">
-                <a16:creationId xmlns:a16="http://schemas.microsoft.com/office/drawing/2014/main" id="{35A1095A-80F1-4486-8764-5637568646F2}"/>
-              </a:ext>
-            </a:extLst>
-          </p:cNvPr>
-          <p:cNvSpPr>
-            <a:spLocks noGrp="1"/>
-          </p:cNvSpPr>
-          <p:nvPr>
-            <p:ph type="ftr" sz="quarter" idx="3"/>
+          <p:cNvPr id="6" name="Slide Number Placeholder 5"/>
+          <p:cNvSpPr>
+            <a:spLocks noGrp="1"/>
+          </p:cNvSpPr>
+          <p:nvPr>
+            <p:ph type="sldNum" sz="quarter" idx="4"/>
           </p:nvPr>
         </p:nvSpPr>
         <p:spPr>
           <a:xfrm>
-            <a:off x="4038600" y="6356350"/>
-            <a:ext cx="4114800" cy="365125"/>
+            <a:off x="10363200" y="5578475"/>
+            <a:ext cx="1142245" cy="669925"/>
           </a:xfrm>
           <a:prstGeom prst="rect">
             <a:avLst/>
           </a:prstGeom>
         </p:spPr>
         <p:txBody>
-          <a:bodyPr vert="horz" lIns="91440" tIns="45720" rIns="91440" bIns="45720" rtlCol="0" anchor="ctr"/>
-          <a:lstStyle>
-            <a:lvl1pPr algn="ctr">
-              <a:defRPr sz="1200">
-                <a:solidFill>
-                  <a:schemeClr val="tx1">
-                    <a:tint val="75000"/>
-                  </a:schemeClr>
-                </a:solidFill>
-              </a:defRPr>
-            </a:lvl1pPr>
-          </a:lstStyle>
-          <a:p>
-            <a:endParaRPr lang="zh-TW" altLang="en-US"/>
-          </a:p>
-        </p:txBody>
-      </p:sp>
-      <p:sp>
-        <p:nvSpPr>
-          <p:cNvPr id="6" name="投影片編號版面配置區 5">
-            <a:extLst>
-              <a:ext uri="{FF2B5EF4-FFF2-40B4-BE49-F238E27FC236}">
-                <a16:creationId xmlns:a16="http://schemas.microsoft.com/office/drawing/2014/main" id="{F17B050B-E605-49E6-94D0-185A48915A52}"/>
-              </a:ext>
-            </a:extLst>
-          </p:cNvPr>
-          <p:cNvSpPr>
-            <a:spLocks noGrp="1"/>
-          </p:cNvSpPr>
-          <p:nvPr>
-            <p:ph type="sldNum" sz="quarter" idx="4"/>
-          </p:nvPr>
-        </p:nvSpPr>
-        <p:spPr>
-          <a:xfrm>
-            <a:off x="8610600" y="6356350"/>
-            <a:ext cx="2743200" cy="365125"/>
-          </a:xfrm>
-          <a:prstGeom prst="rect">
-            <a:avLst/>
-          </a:prstGeom>
-        </p:spPr>
-        <p:txBody>
-          <a:bodyPr vert="horz" lIns="91440" tIns="45720" rIns="91440" bIns="45720" rtlCol="0" anchor="ctr"/>
+          <a:bodyPr vert="horz" lIns="91440" tIns="45720" rIns="91440" bIns="45720" rtlCol="0" anchor="b"/>
           <a:lstStyle>
             <a:lvl1pPr algn="r">
-              <a:defRPr sz="1200">
-                <a:solidFill>
-                  <a:schemeClr val="tx1">
-                    <a:tint val="75000"/>
-                  </a:schemeClr>
-                </a:solidFill>
+              <a:defRPr sz="3200" b="0" i="0">
+                <a:solidFill>
+                  <a:schemeClr val="bg2">
+                    <a:lumMod val="50000"/>
+                  </a:schemeClr>
+                </a:solidFill>
+                <a:effectLst/>
+                <a:latin typeface="+mn-lt"/>
               </a:defRPr>
             </a:lvl1pPr>
           </a:lstStyle>
@@ -3011,55 +4928,340 @@
     </p:spTree>
     <p:extLst>
       <p:ext uri="{BB962C8B-B14F-4D97-AF65-F5344CB8AC3E}">
-        <p14:creationId xmlns:p14="http://schemas.microsoft.com/office/powerpoint/2010/main" val="3649603557"/>
+        <p14:creationId xmlns:p14="http://schemas.microsoft.com/office/powerpoint/2010/main" val="1033573483"/>
       </p:ext>
     </p:extLst>
   </p:cSld>
-  <p:clrMap bg1="lt1" tx1="dk1" bg2="lt2" tx2="dk2" accent1="accent1" accent2="accent2" accent3="accent3" accent4="accent4" accent5="accent5" accent6="accent6" hlink="hlink" folHlink="folHlink"/>
+  <p:clrMap bg1="dk1" tx1="lt1" bg2="dk2" tx2="lt2" accent1="accent1" accent2="accent2" accent3="accent3" accent4="accent4" accent5="accent5" accent6="accent6" hlink="hlink" folHlink="folHlink"/>
   <p:sldLayoutIdLst>
-    <p:sldLayoutId id="2147483649" r:id="rId1"/>
-    <p:sldLayoutId id="2147483650" r:id="rId2"/>
-    <p:sldLayoutId id="2147483651" r:id="rId3"/>
-    <p:sldLayoutId id="2147483652" r:id="rId4"/>
-    <p:sldLayoutId id="2147483653" r:id="rId5"/>
-    <p:sldLayoutId id="2147483654" r:id="rId6"/>
-    <p:sldLayoutId id="2147483655" r:id="rId7"/>
-    <p:sldLayoutId id="2147483656" r:id="rId8"/>
-    <p:sldLayoutId id="2147483657" r:id="rId9"/>
-    <p:sldLayoutId id="2147483658" r:id="rId10"/>
-    <p:sldLayoutId id="2147483659" r:id="rId11"/>
+    <p:sldLayoutId id="2147483673" r:id="rId1"/>
+    <p:sldLayoutId id="2147483674" r:id="rId2"/>
+    <p:sldLayoutId id="2147483675" r:id="rId3"/>
+    <p:sldLayoutId id="2147483676" r:id="rId4"/>
+    <p:sldLayoutId id="2147483677" r:id="rId5"/>
+    <p:sldLayoutId id="2147483678" r:id="rId6"/>
+    <p:sldLayoutId id="2147483679" r:id="rId7"/>
+    <p:sldLayoutId id="2147483680" r:id="rId8"/>
+    <p:sldLayoutId id="2147483681" r:id="rId9"/>
+    <p:sldLayoutId id="2147483682" r:id="rId10"/>
+    <p:sldLayoutId id="2147483683" r:id="rId11"/>
+    <p:sldLayoutId id="2147483684" r:id="rId12"/>
+    <p:sldLayoutId id="2147483685" r:id="rId13"/>
+    <p:sldLayoutId id="2147483686" r:id="rId14"/>
+    <p:sldLayoutId id="2147483687" r:id="rId15"/>
+    <p:sldLayoutId id="2147483688" r:id="rId16"/>
+    <p:sldLayoutId id="2147483689" r:id="rId17"/>
   </p:sldLayoutIdLst>
   <p:txStyles>
     <p:titleStyle>
-      <a:lvl1pPr algn="l" defTabSz="914400" rtl="0" eaLnBrk="1" latinLnBrk="0" hangingPunct="1">
-        <a:lnSpc>
-          <a:spcPct val="90000"/>
-        </a:lnSpc>
+      <a:lvl1pPr algn="l" defTabSz="457200" rtl="0" eaLnBrk="1" latinLnBrk="0" hangingPunct="1">
         <a:spcBef>
           <a:spcPct val="0"/>
         </a:spcBef>
         <a:buNone/>
-        <a:defRPr sz="4400" kern="1200">
+        <a:defRPr sz="3600" kern="1200" cap="all">
+          <a:ln w="3175" cmpd="sng">
+            <a:noFill/>
+          </a:ln>
           <a:solidFill>
             <a:schemeClr val="tx1"/>
           </a:solidFill>
+          <a:effectLst/>
           <a:latin typeface="+mj-lt"/>
           <a:ea typeface="+mj-ea"/>
           <a:cs typeface="+mj-cs"/>
         </a:defRPr>
       </a:lvl1pPr>
+      <a:lvl2pPr eaLnBrk="1" hangingPunct="1">
+        <a:defRPr>
+          <a:solidFill>
+            <a:schemeClr val="tx2"/>
+          </a:solidFill>
+        </a:defRPr>
+      </a:lvl2pPr>
+      <a:lvl3pPr eaLnBrk="1" hangingPunct="1">
+        <a:defRPr>
+          <a:solidFill>
+            <a:schemeClr val="tx2"/>
+          </a:solidFill>
+        </a:defRPr>
+      </a:lvl3pPr>
+      <a:lvl4pPr eaLnBrk="1" hangingPunct="1">
+        <a:defRPr>
+          <a:solidFill>
+            <a:schemeClr val="tx2"/>
+          </a:solidFill>
+        </a:defRPr>
+      </a:lvl4pPr>
+      <a:lvl5pPr eaLnBrk="1" hangingPunct="1">
+        <a:defRPr>
+          <a:solidFill>
+            <a:schemeClr val="tx2"/>
+          </a:solidFill>
+        </a:defRPr>
+      </a:lvl5pPr>
+      <a:lvl6pPr eaLnBrk="1" hangingPunct="1">
+        <a:defRPr>
+          <a:solidFill>
+            <a:schemeClr val="tx2"/>
+          </a:solidFill>
+        </a:defRPr>
+      </a:lvl6pPr>
+      <a:lvl7pPr eaLnBrk="1" hangingPunct="1">
+        <a:defRPr>
+          <a:solidFill>
+            <a:schemeClr val="tx2"/>
+          </a:solidFill>
+        </a:defRPr>
+      </a:lvl7pPr>
+      <a:lvl8pPr eaLnBrk="1" hangingPunct="1">
+        <a:defRPr>
+          <a:solidFill>
+            <a:schemeClr val="tx2"/>
+          </a:solidFill>
+        </a:defRPr>
+      </a:lvl8pPr>
+      <a:lvl9pPr eaLnBrk="1" hangingPunct="1">
+        <a:defRPr>
+          <a:solidFill>
+            <a:schemeClr val="tx2"/>
+          </a:solidFill>
+        </a:defRPr>
+      </a:lvl9pPr>
     </p:titleStyle>
     <p:bodyStyle>
-      <a:lvl1pPr marL="228600" indent="-228600" algn="l" defTabSz="914400" rtl="0" eaLnBrk="1" latinLnBrk="0" hangingPunct="1">
-        <a:lnSpc>
-          <a:spcPct val="90000"/>
-        </a:lnSpc>
+      <a:lvl1pPr marL="285750" indent="-285750" algn="l" defTabSz="457200" rtl="0" eaLnBrk="1" latinLnBrk="0" hangingPunct="1">
         <a:spcBef>
-          <a:spcPts val="1000"/>
+          <a:spcPct val="20000"/>
         </a:spcBef>
-        <a:buFont typeface="Arial" panose="020B0604020202020204" pitchFamily="34" charset="0"/>
-        <a:buChar char="•"/>
-        <a:defRPr sz="2800" kern="1200">
+        <a:spcAft>
+          <a:spcPts val="600"/>
+        </a:spcAft>
+        <a:buClr>
+          <a:schemeClr val="tx1"/>
+        </a:buClr>
+        <a:buSzPct val="80000"/>
+        <a:buFont typeface="Wingdings 3" panose="05040102010807070707" pitchFamily="18" charset="2"/>
+        <a:buChar char=""/>
+        <a:defRPr sz="2000" kern="1200" cap="none">
+          <a:solidFill>
+            <a:schemeClr val="bg2">
+              <a:lumMod val="75000"/>
+            </a:schemeClr>
+          </a:solidFill>
+          <a:effectLst/>
+          <a:latin typeface="+mn-lt"/>
+          <a:ea typeface="+mn-ea"/>
+          <a:cs typeface="+mn-cs"/>
+        </a:defRPr>
+      </a:lvl1pPr>
+      <a:lvl2pPr marL="742950" indent="-285750" algn="l" defTabSz="457200" rtl="0" eaLnBrk="1" latinLnBrk="0" hangingPunct="1">
+        <a:spcBef>
+          <a:spcPct val="20000"/>
+        </a:spcBef>
+        <a:spcAft>
+          <a:spcPts val="600"/>
+        </a:spcAft>
+        <a:buClr>
+          <a:schemeClr val="tx1"/>
+        </a:buClr>
+        <a:buSzPct val="80000"/>
+        <a:buFont typeface="Wingdings 3" panose="05040102010807070707" pitchFamily="18" charset="2"/>
+        <a:buChar char=""/>
+        <a:defRPr sz="1800" kern="1200" cap="none">
+          <a:solidFill>
+            <a:schemeClr val="bg2">
+              <a:lumMod val="75000"/>
+            </a:schemeClr>
+          </a:solidFill>
+          <a:effectLst/>
+          <a:latin typeface="+mn-lt"/>
+          <a:ea typeface="+mn-ea"/>
+          <a:cs typeface="+mn-cs"/>
+        </a:defRPr>
+      </a:lvl2pPr>
+      <a:lvl3pPr marL="1200150" indent="-285750" algn="l" defTabSz="457200" rtl="0" eaLnBrk="1" latinLnBrk="0" hangingPunct="1">
+        <a:spcBef>
+          <a:spcPct val="20000"/>
+        </a:spcBef>
+        <a:spcAft>
+          <a:spcPts val="600"/>
+        </a:spcAft>
+        <a:buClr>
+          <a:schemeClr val="tx1"/>
+        </a:buClr>
+        <a:buSzPct val="80000"/>
+        <a:buFont typeface="Wingdings 3" panose="05040102010807070707" pitchFamily="18" charset="2"/>
+        <a:buChar char=""/>
+        <a:defRPr sz="1600" kern="1200" cap="none">
+          <a:solidFill>
+            <a:schemeClr val="bg2">
+              <a:lumMod val="75000"/>
+            </a:schemeClr>
+          </a:solidFill>
+          <a:effectLst/>
+          <a:latin typeface="+mn-lt"/>
+          <a:ea typeface="+mn-ea"/>
+          <a:cs typeface="+mn-cs"/>
+        </a:defRPr>
+      </a:lvl3pPr>
+      <a:lvl4pPr marL="1543050" indent="-171450" algn="l" defTabSz="457200" rtl="0" eaLnBrk="1" latinLnBrk="0" hangingPunct="1">
+        <a:spcBef>
+          <a:spcPct val="20000"/>
+        </a:spcBef>
+        <a:spcAft>
+          <a:spcPts val="600"/>
+        </a:spcAft>
+        <a:buClr>
+          <a:schemeClr val="tx1"/>
+        </a:buClr>
+        <a:buSzPct val="80000"/>
+        <a:buFont typeface="Wingdings 3" panose="05040102010807070707" pitchFamily="18" charset="2"/>
+        <a:buChar char=""/>
+        <a:defRPr sz="1400" kern="1200" cap="none">
+          <a:solidFill>
+            <a:schemeClr val="bg2">
+              <a:lumMod val="75000"/>
+            </a:schemeClr>
+          </a:solidFill>
+          <a:effectLst/>
+          <a:latin typeface="+mn-lt"/>
+          <a:ea typeface="+mn-ea"/>
+          <a:cs typeface="+mn-cs"/>
+        </a:defRPr>
+      </a:lvl4pPr>
+      <a:lvl5pPr marL="2000250" indent="-171450" algn="l" defTabSz="457200" rtl="0" eaLnBrk="1" latinLnBrk="0" hangingPunct="1">
+        <a:spcBef>
+          <a:spcPct val="20000"/>
+        </a:spcBef>
+        <a:spcAft>
+          <a:spcPts val="600"/>
+        </a:spcAft>
+        <a:buClr>
+          <a:schemeClr val="tx1"/>
+        </a:buClr>
+        <a:buSzPct val="80000"/>
+        <a:buFont typeface="Wingdings 3" panose="05040102010807070707" pitchFamily="18" charset="2"/>
+        <a:buChar char=""/>
+        <a:defRPr sz="1400" kern="1200" cap="none">
+          <a:solidFill>
+            <a:schemeClr val="bg2">
+              <a:lumMod val="75000"/>
+            </a:schemeClr>
+          </a:solidFill>
+          <a:effectLst/>
+          <a:latin typeface="+mn-lt"/>
+          <a:ea typeface="+mn-ea"/>
+          <a:cs typeface="+mn-cs"/>
+        </a:defRPr>
+      </a:lvl5pPr>
+      <a:lvl6pPr marL="2514600" indent="-228600" algn="l" defTabSz="457200" rtl="0" eaLnBrk="1" latinLnBrk="0" hangingPunct="1">
+        <a:spcBef>
+          <a:spcPct val="20000"/>
+        </a:spcBef>
+        <a:spcAft>
+          <a:spcPts val="600"/>
+        </a:spcAft>
+        <a:buClr>
+          <a:schemeClr val="tx1"/>
+        </a:buClr>
+        <a:buSzPct val="80000"/>
+        <a:buFont typeface="Wingdings 3" panose="05040102010807070707" pitchFamily="18" charset="2"/>
+        <a:buChar char=""/>
+        <a:defRPr sz="1400" kern="1200" cap="none">
+          <a:solidFill>
+            <a:schemeClr val="bg2">
+              <a:lumMod val="75000"/>
+            </a:schemeClr>
+          </a:solidFill>
+          <a:effectLst/>
+          <a:latin typeface="+mn-lt"/>
+          <a:ea typeface="+mn-ea"/>
+          <a:cs typeface="+mn-cs"/>
+        </a:defRPr>
+      </a:lvl6pPr>
+      <a:lvl7pPr marL="2971800" indent="-228600" algn="l" defTabSz="457200" rtl="0" eaLnBrk="1" latinLnBrk="0" hangingPunct="1">
+        <a:spcBef>
+          <a:spcPct val="20000"/>
+        </a:spcBef>
+        <a:spcAft>
+          <a:spcPts val="600"/>
+        </a:spcAft>
+        <a:buClr>
+          <a:schemeClr val="tx1"/>
+        </a:buClr>
+        <a:buSzPct val="80000"/>
+        <a:buFont typeface="Wingdings 3" panose="05040102010807070707" pitchFamily="18" charset="2"/>
+        <a:buChar char=""/>
+        <a:defRPr sz="1400" kern="1200" cap="none">
+          <a:solidFill>
+            <a:schemeClr val="bg2">
+              <a:lumMod val="75000"/>
+            </a:schemeClr>
+          </a:solidFill>
+          <a:effectLst/>
+          <a:latin typeface="+mn-lt"/>
+          <a:ea typeface="+mn-ea"/>
+          <a:cs typeface="+mn-cs"/>
+        </a:defRPr>
+      </a:lvl7pPr>
+      <a:lvl8pPr marL="3429000" indent="-228600" algn="l" defTabSz="457200" rtl="0" eaLnBrk="1" latinLnBrk="0" hangingPunct="1">
+        <a:spcBef>
+          <a:spcPct val="20000"/>
+        </a:spcBef>
+        <a:spcAft>
+          <a:spcPts val="600"/>
+        </a:spcAft>
+        <a:buClr>
+          <a:schemeClr val="tx1"/>
+        </a:buClr>
+        <a:buSzPct val="80000"/>
+        <a:buFont typeface="Wingdings 3" panose="05040102010807070707" pitchFamily="18" charset="2"/>
+        <a:buChar char=""/>
+        <a:defRPr sz="1400" kern="1200" cap="none">
+          <a:solidFill>
+            <a:schemeClr val="bg2">
+              <a:lumMod val="75000"/>
+            </a:schemeClr>
+          </a:solidFill>
+          <a:effectLst/>
+          <a:latin typeface="+mn-lt"/>
+          <a:ea typeface="+mn-ea"/>
+          <a:cs typeface="+mn-cs"/>
+        </a:defRPr>
+      </a:lvl8pPr>
+      <a:lvl9pPr marL="3886200" indent="-228600" algn="l" defTabSz="457200" rtl="0" eaLnBrk="1" latinLnBrk="0" hangingPunct="1">
+        <a:spcBef>
+          <a:spcPct val="20000"/>
+        </a:spcBef>
+        <a:spcAft>
+          <a:spcPts val="600"/>
+        </a:spcAft>
+        <a:buClr>
+          <a:schemeClr val="tx1"/>
+        </a:buClr>
+        <a:buSzPct val="80000"/>
+        <a:buFont typeface="Wingdings 3" panose="05040102010807070707" pitchFamily="18" charset="2"/>
+        <a:buChar char=""/>
+        <a:defRPr sz="1400" kern="1200" cap="none">
+          <a:solidFill>
+            <a:schemeClr val="bg2">
+              <a:lumMod val="75000"/>
+            </a:schemeClr>
+          </a:solidFill>
+          <a:effectLst/>
+          <a:latin typeface="+mn-lt"/>
+          <a:ea typeface="+mn-ea"/>
+          <a:cs typeface="+mn-cs"/>
+        </a:defRPr>
+      </a:lvl9pPr>
+    </p:bodyStyle>
+    <p:otherStyle>
+      <a:defPPr>
+        <a:defRPr lang="en-US"/>
+      </a:defPPr>
+      <a:lvl1pPr marL="0" algn="l" defTabSz="457200" rtl="0" eaLnBrk="1" latinLnBrk="0" hangingPunct="1">
+        <a:defRPr sz="1800" kern="1200">
           <a:solidFill>
             <a:schemeClr val="tx1"/>
           </a:solidFill>
@@ -3068,16 +5270,8 @@
           <a:cs typeface="+mn-cs"/>
         </a:defRPr>
       </a:lvl1pPr>
-      <a:lvl2pPr marL="685800" indent="-228600" algn="l" defTabSz="914400" rtl="0" eaLnBrk="1" latinLnBrk="0" hangingPunct="1">
-        <a:lnSpc>
-          <a:spcPct val="90000"/>
-        </a:lnSpc>
-        <a:spcBef>
-          <a:spcPts val="500"/>
-        </a:spcBef>
-        <a:buFont typeface="Arial" panose="020B0604020202020204" pitchFamily="34" charset="0"/>
-        <a:buChar char="•"/>
-        <a:defRPr sz="2400" kern="1200">
+      <a:lvl2pPr marL="457200" algn="l" defTabSz="457200" rtl="0" eaLnBrk="1" latinLnBrk="0" hangingPunct="1">
+        <a:defRPr sz="1800" kern="1200">
           <a:solidFill>
             <a:schemeClr val="tx1"/>
           </a:solidFill>
@@ -3086,16 +5280,8 @@
           <a:cs typeface="+mn-cs"/>
         </a:defRPr>
       </a:lvl2pPr>
-      <a:lvl3pPr marL="1143000" indent="-228600" algn="l" defTabSz="914400" rtl="0" eaLnBrk="1" latinLnBrk="0" hangingPunct="1">
-        <a:lnSpc>
-          <a:spcPct val="90000"/>
-        </a:lnSpc>
-        <a:spcBef>
-          <a:spcPts val="500"/>
-        </a:spcBef>
-        <a:buFont typeface="Arial" panose="020B0604020202020204" pitchFamily="34" charset="0"/>
-        <a:buChar char="•"/>
-        <a:defRPr sz="2000" kern="1200">
+      <a:lvl3pPr marL="914400" algn="l" defTabSz="457200" rtl="0" eaLnBrk="1" latinLnBrk="0" hangingPunct="1">
+        <a:defRPr sz="1800" kern="1200">
           <a:solidFill>
             <a:schemeClr val="tx1"/>
           </a:solidFill>
@@ -3104,15 +5290,7 @@
           <a:cs typeface="+mn-cs"/>
         </a:defRPr>
       </a:lvl3pPr>
-      <a:lvl4pPr marL="1600200" indent="-228600" algn="l" defTabSz="914400" rtl="0" eaLnBrk="1" latinLnBrk="0" hangingPunct="1">
-        <a:lnSpc>
-          <a:spcPct val="90000"/>
-        </a:lnSpc>
-        <a:spcBef>
-          <a:spcPts val="500"/>
-        </a:spcBef>
-        <a:buFont typeface="Arial" panose="020B0604020202020204" pitchFamily="34" charset="0"/>
-        <a:buChar char="•"/>
+      <a:lvl4pPr marL="1371600" algn="l" defTabSz="457200" rtl="0" eaLnBrk="1" latinLnBrk="0" hangingPunct="1">
         <a:defRPr sz="1800" kern="1200">
           <a:solidFill>
             <a:schemeClr val="tx1"/>
@@ -3122,15 +5300,7 @@
           <a:cs typeface="+mn-cs"/>
         </a:defRPr>
       </a:lvl4pPr>
-      <a:lvl5pPr marL="2057400" indent="-228600" algn="l" defTabSz="914400" rtl="0" eaLnBrk="1" latinLnBrk="0" hangingPunct="1">
-        <a:lnSpc>
-          <a:spcPct val="90000"/>
-        </a:lnSpc>
-        <a:spcBef>
-          <a:spcPts val="500"/>
-        </a:spcBef>
-        <a:buFont typeface="Arial" panose="020B0604020202020204" pitchFamily="34" charset="0"/>
-        <a:buChar char="•"/>
+      <a:lvl5pPr marL="1828800" algn="l" defTabSz="457200" rtl="0" eaLnBrk="1" latinLnBrk="0" hangingPunct="1">
         <a:defRPr sz="1800" kern="1200">
           <a:solidFill>
             <a:schemeClr val="tx1"/>
@@ -3140,15 +5310,7 @@
           <a:cs typeface="+mn-cs"/>
         </a:defRPr>
       </a:lvl5pPr>
-      <a:lvl6pPr marL="2514600" indent="-228600" algn="l" defTabSz="914400" rtl="0" eaLnBrk="1" latinLnBrk="0" hangingPunct="1">
-        <a:lnSpc>
-          <a:spcPct val="90000"/>
-        </a:lnSpc>
-        <a:spcBef>
-          <a:spcPts val="500"/>
-        </a:spcBef>
-        <a:buFont typeface="Arial" panose="020B0604020202020204" pitchFamily="34" charset="0"/>
-        <a:buChar char="•"/>
+      <a:lvl6pPr marL="2286000" algn="l" defTabSz="457200" rtl="0" eaLnBrk="1" latinLnBrk="0" hangingPunct="1">
         <a:defRPr sz="1800" kern="1200">
           <a:solidFill>
             <a:schemeClr val="tx1"/>
@@ -3158,15 +5320,7 @@
           <a:cs typeface="+mn-cs"/>
         </a:defRPr>
       </a:lvl6pPr>
-      <a:lvl7pPr marL="2971800" indent="-228600" algn="l" defTabSz="914400" rtl="0" eaLnBrk="1" latinLnBrk="0" hangingPunct="1">
-        <a:lnSpc>
-          <a:spcPct val="90000"/>
-        </a:lnSpc>
-        <a:spcBef>
-          <a:spcPts val="500"/>
-        </a:spcBef>
-        <a:buFont typeface="Arial" panose="020B0604020202020204" pitchFamily="34" charset="0"/>
-        <a:buChar char="•"/>
+      <a:lvl7pPr marL="2743200" algn="l" defTabSz="457200" rtl="0" eaLnBrk="1" latinLnBrk="0" hangingPunct="1">
         <a:defRPr sz="1800" kern="1200">
           <a:solidFill>
             <a:schemeClr val="tx1"/>
@@ -3176,15 +5330,7 @@
           <a:cs typeface="+mn-cs"/>
         </a:defRPr>
       </a:lvl7pPr>
-      <a:lvl8pPr marL="3429000" indent="-228600" algn="l" defTabSz="914400" rtl="0" eaLnBrk="1" latinLnBrk="0" hangingPunct="1">
-        <a:lnSpc>
-          <a:spcPct val="90000"/>
-        </a:lnSpc>
-        <a:spcBef>
-          <a:spcPts val="500"/>
-        </a:spcBef>
-        <a:buFont typeface="Arial" panose="020B0604020202020204" pitchFamily="34" charset="0"/>
-        <a:buChar char="•"/>
+      <a:lvl8pPr marL="3200400" algn="l" defTabSz="457200" rtl="0" eaLnBrk="1" latinLnBrk="0" hangingPunct="1">
         <a:defRPr sz="1800" kern="1200">
           <a:solidFill>
             <a:schemeClr val="tx1"/>
@@ -3194,110 +5340,7 @@
           <a:cs typeface="+mn-cs"/>
         </a:defRPr>
       </a:lvl8pPr>
-      <a:lvl9pPr marL="3886200" indent="-228600" algn="l" defTabSz="914400" rtl="0" eaLnBrk="1" latinLnBrk="0" hangingPunct="1">
-        <a:lnSpc>
-          <a:spcPct val="90000"/>
-        </a:lnSpc>
-        <a:spcBef>
-          <a:spcPts val="500"/>
-        </a:spcBef>
-        <a:buFont typeface="Arial" panose="020B0604020202020204" pitchFamily="34" charset="0"/>
-        <a:buChar char="•"/>
-        <a:defRPr sz="1800" kern="1200">
-          <a:solidFill>
-            <a:schemeClr val="tx1"/>
-          </a:solidFill>
-          <a:latin typeface="+mn-lt"/>
-          <a:ea typeface="+mn-ea"/>
-          <a:cs typeface="+mn-cs"/>
-        </a:defRPr>
-      </a:lvl9pPr>
-    </p:bodyStyle>
-    <p:otherStyle>
-      <a:defPPr>
-        <a:defRPr lang="zh-TW"/>
-      </a:defPPr>
-      <a:lvl1pPr marL="0" algn="l" defTabSz="914400" rtl="0" eaLnBrk="1" latinLnBrk="0" hangingPunct="1">
-        <a:defRPr sz="1800" kern="1200">
-          <a:solidFill>
-            <a:schemeClr val="tx1"/>
-          </a:solidFill>
-          <a:latin typeface="+mn-lt"/>
-          <a:ea typeface="+mn-ea"/>
-          <a:cs typeface="+mn-cs"/>
-        </a:defRPr>
-      </a:lvl1pPr>
-      <a:lvl2pPr marL="457200" algn="l" defTabSz="914400" rtl="0" eaLnBrk="1" latinLnBrk="0" hangingPunct="1">
-        <a:defRPr sz="1800" kern="1200">
-          <a:solidFill>
-            <a:schemeClr val="tx1"/>
-          </a:solidFill>
-          <a:latin typeface="+mn-lt"/>
-          <a:ea typeface="+mn-ea"/>
-          <a:cs typeface="+mn-cs"/>
-        </a:defRPr>
-      </a:lvl2pPr>
-      <a:lvl3pPr marL="914400" algn="l" defTabSz="914400" rtl="0" eaLnBrk="1" latinLnBrk="0" hangingPunct="1">
-        <a:defRPr sz="1800" kern="1200">
-          <a:solidFill>
-            <a:schemeClr val="tx1"/>
-          </a:solidFill>
-          <a:latin typeface="+mn-lt"/>
-          <a:ea typeface="+mn-ea"/>
-          <a:cs typeface="+mn-cs"/>
-        </a:defRPr>
-      </a:lvl3pPr>
-      <a:lvl4pPr marL="1371600" algn="l" defTabSz="914400" rtl="0" eaLnBrk="1" latinLnBrk="0" hangingPunct="1">
-        <a:defRPr sz="1800" kern="1200">
-          <a:solidFill>
-            <a:schemeClr val="tx1"/>
-          </a:solidFill>
-          <a:latin typeface="+mn-lt"/>
-          <a:ea typeface="+mn-ea"/>
-          <a:cs typeface="+mn-cs"/>
-        </a:defRPr>
-      </a:lvl4pPr>
-      <a:lvl5pPr marL="1828800" algn="l" defTabSz="914400" rtl="0" eaLnBrk="1" latinLnBrk="0" hangingPunct="1">
-        <a:defRPr sz="1800" kern="1200">
-          <a:solidFill>
-            <a:schemeClr val="tx1"/>
-          </a:solidFill>
-          <a:latin typeface="+mn-lt"/>
-          <a:ea typeface="+mn-ea"/>
-          <a:cs typeface="+mn-cs"/>
-        </a:defRPr>
-      </a:lvl5pPr>
-      <a:lvl6pPr marL="2286000" algn="l" defTabSz="914400" rtl="0" eaLnBrk="1" latinLnBrk="0" hangingPunct="1">
-        <a:defRPr sz="1800" kern="1200">
-          <a:solidFill>
-            <a:schemeClr val="tx1"/>
-          </a:solidFill>
-          <a:latin typeface="+mn-lt"/>
-          <a:ea typeface="+mn-ea"/>
-          <a:cs typeface="+mn-cs"/>
-        </a:defRPr>
-      </a:lvl6pPr>
-      <a:lvl7pPr marL="2743200" algn="l" defTabSz="914400" rtl="0" eaLnBrk="1" latinLnBrk="0" hangingPunct="1">
-        <a:defRPr sz="1800" kern="1200">
-          <a:solidFill>
-            <a:schemeClr val="tx1"/>
-          </a:solidFill>
-          <a:latin typeface="+mn-lt"/>
-          <a:ea typeface="+mn-ea"/>
-          <a:cs typeface="+mn-cs"/>
-        </a:defRPr>
-      </a:lvl7pPr>
-      <a:lvl8pPr marL="3200400" algn="l" defTabSz="914400" rtl="0" eaLnBrk="1" latinLnBrk="0" hangingPunct="1">
-        <a:defRPr sz="1800" kern="1200">
-          <a:solidFill>
-            <a:schemeClr val="tx1"/>
-          </a:solidFill>
-          <a:latin typeface="+mn-lt"/>
-          <a:ea typeface="+mn-ea"/>
-          <a:cs typeface="+mn-cs"/>
-        </a:defRPr>
-      </a:lvl8pPr>
-      <a:lvl9pPr marL="3657600" algn="l" defTabSz="914400" rtl="0" eaLnBrk="1" latinLnBrk="0" hangingPunct="1">
+      <a:lvl9pPr marL="3657600" algn="l" defTabSz="457200" rtl="0" eaLnBrk="1" latinLnBrk="0" hangingPunct="1">
         <a:defRPr sz="1800" kern="1200">
           <a:solidFill>
             <a:schemeClr val="tx1"/>
@@ -3453,7 +5496,7 @@
           <p:cNvPr id="2" name="標題 1">
             <a:extLst>
               <a:ext uri="{FF2B5EF4-FFF2-40B4-BE49-F238E27FC236}">
-                <a16:creationId xmlns:a16="http://schemas.microsoft.com/office/drawing/2014/main" id="{8A960C15-AD7F-424D-812C-7D2AFF03F2C2}"/>
+                <a16:creationId xmlns:a16="http://schemas.microsoft.com/office/drawing/2014/main" id="{52A9496D-C9D1-4EF7-B808-04F3856AF7BA}"/>
               </a:ext>
             </a:extLst>
           </p:cNvPr>
@@ -3470,52 +5513,55 @@
           <a:lstStyle/>
           <a:p>
             <a:r>
-              <a:rPr lang="en-US" altLang="zh-TW" dirty="0"/>
-              <a:t>Figma</a:t>
-            </a:r>
-            <a:endParaRPr lang="zh-TW" altLang="en-US" dirty="0"/>
-          </a:p>
-        </p:txBody>
-      </p:sp>
-      <p:pic>
-        <p:nvPicPr>
-          <p:cNvPr id="5" name="內容版面配置區 4">
+              <a:rPr lang="zh-TW" altLang="en-US" dirty="0"/>
+              <a:t>主題</a:t>
+            </a:r>
+          </a:p>
+        </p:txBody>
+      </p:sp>
+      <p:sp>
+        <p:nvSpPr>
+          <p:cNvPr id="3" name="內容版面配置區 2">
             <a:extLst>
               <a:ext uri="{FF2B5EF4-FFF2-40B4-BE49-F238E27FC236}">
-                <a16:creationId xmlns:a16="http://schemas.microsoft.com/office/drawing/2014/main" id="{00367147-FBB0-4342-A996-71A266B31881}"/>
+                <a16:creationId xmlns:a16="http://schemas.microsoft.com/office/drawing/2014/main" id="{28B39D27-0DBA-4030-B2A2-69BDDCDEC6E7}"/>
               </a:ext>
             </a:extLst>
           </p:cNvPr>
-          <p:cNvPicPr>
-            <a:picLocks noGrp="1" noChangeAspect="1"/>
-          </p:cNvPicPr>
+          <p:cNvSpPr>
+            <a:spLocks noGrp="1"/>
+          </p:cNvSpPr>
           <p:nvPr>
             <p:ph idx="1"/>
           </p:nvPr>
-        </p:nvPicPr>
-        <p:blipFill>
-          <a:blip r:embed="rId2">
-            <a:extLst>
-              <a:ext uri="{28A0092B-C50C-407E-A947-70E740481C1C}">
-                <a14:useLocalDpi xmlns:a14="http://schemas.microsoft.com/office/drawing/2010/main" val="0"/>
-              </a:ext>
-            </a:extLst>
-          </a:blip>
-          <a:stretch>
-            <a:fillRect/>
-          </a:stretch>
-        </p:blipFill>
-        <p:spPr>
-          <a:xfrm>
-            <a:off x="1894449" y="1825625"/>
-            <a:ext cx="8403101" cy="4351338"/>
-          </a:xfrm>
-        </p:spPr>
-      </p:pic>
+        </p:nvSpPr>
+        <p:spPr/>
+        <p:txBody>
+          <a:bodyPr/>
+          <a:lstStyle/>
+          <a:p>
+            <a:pPr marL="0" indent="0">
+              <a:buNone/>
+            </a:pPr>
+            <a:r>
+              <a:rPr lang="zh-TW" altLang="en-US" dirty="0"/>
+              <a:t>題目要與個人有關，所以我就打算做自己的簡介，介紹有關自己的專長、興趣</a:t>
+            </a:r>
+            <a:r>
+              <a:rPr lang="en-US" altLang="zh-TW" dirty="0"/>
+              <a:t>…</a:t>
+            </a:r>
+            <a:r>
+              <a:rPr lang="zh-TW" altLang="en-US" dirty="0"/>
+              <a:t>等等。</a:t>
+            </a:r>
+          </a:p>
+        </p:txBody>
+      </p:sp>
     </p:spTree>
     <p:extLst>
       <p:ext uri="{BB962C8B-B14F-4D97-AF65-F5344CB8AC3E}">
-        <p14:creationId xmlns:p14="http://schemas.microsoft.com/office/powerpoint/2010/main" val="4009918100"/>
+        <p14:creationId xmlns:p14="http://schemas.microsoft.com/office/powerpoint/2010/main" val="398275223"/>
       </p:ext>
     </p:extLst>
   </p:cSld>
@@ -3547,7 +5593,7 @@
           <p:cNvPr id="2" name="標題 1">
             <a:extLst>
               <a:ext uri="{FF2B5EF4-FFF2-40B4-BE49-F238E27FC236}">
-                <a16:creationId xmlns:a16="http://schemas.microsoft.com/office/drawing/2014/main" id="{E7F4DFC6-B9B8-4F53-9CF7-6829DDE27074}"/>
+                <a16:creationId xmlns:a16="http://schemas.microsoft.com/office/drawing/2014/main" id="{8A960C15-AD7F-424D-812C-7D2AFF03F2C2}"/>
               </a:ext>
             </a:extLst>
           </p:cNvPr>
@@ -3565,41 +5611,102 @@
           <a:p>
             <a:r>
               <a:rPr lang="en-US" altLang="zh-TW" dirty="0"/>
-              <a:t>HTML</a:t>
+              <a:t>Figma</a:t>
             </a:r>
             <a:endParaRPr lang="zh-TW" altLang="en-US" dirty="0"/>
           </a:p>
         </p:txBody>
       </p:sp>
-      <p:sp>
-        <p:nvSpPr>
-          <p:cNvPr id="3" name="內容版面配置區 2">
+      <p:pic>
+        <p:nvPicPr>
+          <p:cNvPr id="5" name="內容版面配置區 4">
             <a:extLst>
               <a:ext uri="{FF2B5EF4-FFF2-40B4-BE49-F238E27FC236}">
-                <a16:creationId xmlns:a16="http://schemas.microsoft.com/office/drawing/2014/main" id="{5F812AC2-16E3-43BD-A075-64B6CC20B313}"/>
+                <a16:creationId xmlns:a16="http://schemas.microsoft.com/office/drawing/2014/main" id="{00367147-FBB0-4342-A996-71A266B31881}"/>
               </a:ext>
             </a:extLst>
           </p:cNvPr>
-          <p:cNvSpPr>
-            <a:spLocks noGrp="1"/>
-          </p:cNvSpPr>
+          <p:cNvPicPr>
+            <a:picLocks noGrp="1" noChangeAspect="1"/>
+          </p:cNvPicPr>
           <p:nvPr>
             <p:ph idx="1"/>
           </p:nvPr>
-        </p:nvSpPr>
-        <p:spPr/>
-        <p:txBody>
-          <a:bodyPr/>
-          <a:lstStyle/>
-          <a:p>
-            <a:endParaRPr lang="zh-TW" altLang="en-US"/>
+        </p:nvPicPr>
+        <p:blipFill>
+          <a:blip r:embed="rId2">
+            <a:extLst>
+              <a:ext uri="{28A0092B-C50C-407E-A947-70E740481C1C}">
+                <a14:useLocalDpi xmlns:a14="http://schemas.microsoft.com/office/drawing/2010/main" val="0"/>
+              </a:ext>
+            </a:extLst>
+          </a:blip>
+          <a:stretch>
+            <a:fillRect/>
+          </a:stretch>
+        </p:blipFill>
+        <p:spPr>
+          <a:xfrm>
+            <a:off x="573211" y="927971"/>
+            <a:ext cx="5085468" cy="2885393"/>
+          </a:xfrm>
+        </p:spPr>
+      </p:pic>
+      <p:sp>
+        <p:nvSpPr>
+          <p:cNvPr id="4" name="文字方塊 3">
+            <a:extLst>
+              <a:ext uri="{FF2B5EF4-FFF2-40B4-BE49-F238E27FC236}">
+                <a16:creationId xmlns:a16="http://schemas.microsoft.com/office/drawing/2014/main" id="{009DAA3B-3996-473D-BECE-F898425B9074}"/>
+              </a:ext>
+            </a:extLst>
+          </p:cNvPr>
+          <p:cNvSpPr txBox="1"/>
+          <p:nvPr/>
+        </p:nvSpPr>
+        <p:spPr>
+          <a:xfrm>
+            <a:off x="6096000" y="1999606"/>
+            <a:ext cx="5300870" cy="369332"/>
+          </a:xfrm>
+          <a:prstGeom prst="rect">
+            <a:avLst/>
+          </a:prstGeom>
+          <a:noFill/>
+        </p:spPr>
+        <p:txBody>
+          <a:bodyPr wrap="square" rtlCol="0">
+            <a:spAutoFit/>
+          </a:bodyPr>
+          <a:lstStyle/>
+          <a:p>
+            <a:r>
+              <a:rPr lang="zh-TW" altLang="en-US" dirty="0"/>
+              <a:t>先用</a:t>
+            </a:r>
+            <a:r>
+              <a:rPr lang="en-US" altLang="zh-TW" dirty="0"/>
+              <a:t>Figma</a:t>
+            </a:r>
+            <a:r>
+              <a:rPr lang="zh-TW" altLang="en-US" dirty="0"/>
+              <a:t>設計網站的樣式，再把它呈現在</a:t>
+            </a:r>
+            <a:r>
+              <a:rPr lang="en-US" altLang="zh-TW" dirty="0"/>
+              <a:t>html</a:t>
+            </a:r>
+            <a:r>
+              <a:rPr lang="zh-TW" altLang="en-US" dirty="0"/>
+              <a:t>上。</a:t>
+            </a:r>
           </a:p>
         </p:txBody>
       </p:sp>
     </p:spTree>
     <p:extLst>
       <p:ext uri="{BB962C8B-B14F-4D97-AF65-F5344CB8AC3E}">
-        <p14:creationId xmlns:p14="http://schemas.microsoft.com/office/powerpoint/2010/main" val="3150458071"/>
+        <p14:creationId xmlns:p14="http://schemas.microsoft.com/office/powerpoint/2010/main" val="4009918100"/>
       </p:ext>
     </p:extLst>
   </p:cSld>
@@ -3631,6 +5738,164 @@
           <p:cNvPr id="2" name="標題 1">
             <a:extLst>
               <a:ext uri="{FF2B5EF4-FFF2-40B4-BE49-F238E27FC236}">
+                <a16:creationId xmlns:a16="http://schemas.microsoft.com/office/drawing/2014/main" id="{E7F4DFC6-B9B8-4F53-9CF7-6829DDE27074}"/>
+              </a:ext>
+            </a:extLst>
+          </p:cNvPr>
+          <p:cNvSpPr>
+            <a:spLocks noGrp="1"/>
+          </p:cNvSpPr>
+          <p:nvPr>
+            <p:ph type="title"/>
+          </p:nvPr>
+        </p:nvSpPr>
+        <p:spPr/>
+        <p:txBody>
+          <a:bodyPr/>
+          <a:lstStyle/>
+          <a:p>
+            <a:r>
+              <a:rPr lang="en-US" altLang="zh-TW" dirty="0"/>
+              <a:t>HTML</a:t>
+            </a:r>
+            <a:endParaRPr lang="zh-TW" altLang="en-US" dirty="0"/>
+          </a:p>
+        </p:txBody>
+      </p:sp>
+      <p:pic>
+        <p:nvPicPr>
+          <p:cNvPr id="5" name="內容版面配置區 4">
+            <a:extLst>
+              <a:ext uri="{FF2B5EF4-FFF2-40B4-BE49-F238E27FC236}">
+                <a16:creationId xmlns:a16="http://schemas.microsoft.com/office/drawing/2014/main" id="{D6484658-9D75-4044-9B2A-299BC6D9E721}"/>
+              </a:ext>
+            </a:extLst>
+          </p:cNvPr>
+          <p:cNvPicPr>
+            <a:picLocks noGrp="1" noChangeAspect="1"/>
+          </p:cNvPicPr>
+          <p:nvPr>
+            <p:ph idx="1"/>
+          </p:nvPr>
+        </p:nvPicPr>
+        <p:blipFill>
+          <a:blip r:embed="rId2">
+            <a:extLst>
+              <a:ext uri="{28A0092B-C50C-407E-A947-70E740481C1C}">
+                <a14:useLocalDpi xmlns:a14="http://schemas.microsoft.com/office/drawing/2010/main" val="0"/>
+              </a:ext>
+            </a:extLst>
+          </a:blip>
+          <a:stretch>
+            <a:fillRect/>
+          </a:stretch>
+        </p:blipFill>
+        <p:spPr>
+          <a:xfrm>
+            <a:off x="344557" y="869755"/>
+            <a:ext cx="5315483" cy="3001825"/>
+          </a:xfrm>
+        </p:spPr>
+      </p:pic>
+      <p:sp>
+        <p:nvSpPr>
+          <p:cNvPr id="6" name="文字方塊 5">
+            <a:extLst>
+              <a:ext uri="{FF2B5EF4-FFF2-40B4-BE49-F238E27FC236}">
+                <a16:creationId xmlns:a16="http://schemas.microsoft.com/office/drawing/2014/main" id="{322317EA-2C76-4ED6-A9E0-4488E83DD608}"/>
+              </a:ext>
+            </a:extLst>
+          </p:cNvPr>
+          <p:cNvSpPr txBox="1"/>
+          <p:nvPr/>
+        </p:nvSpPr>
+        <p:spPr>
+          <a:xfrm>
+            <a:off x="6096000" y="1749287"/>
+            <a:ext cx="5679760" cy="369332"/>
+          </a:xfrm>
+          <a:prstGeom prst="rect">
+            <a:avLst/>
+          </a:prstGeom>
+          <a:noFill/>
+        </p:spPr>
+        <p:txBody>
+          <a:bodyPr wrap="none" rtlCol="0">
+            <a:spAutoFit/>
+          </a:bodyPr>
+          <a:lstStyle/>
+          <a:p>
+            <a:r>
+              <a:rPr lang="zh-TW" altLang="en-US" dirty="0"/>
+              <a:t>先建立</a:t>
+            </a:r>
+            <a:r>
+              <a:rPr lang="en-US" altLang="zh-TW" dirty="0"/>
+              <a:t>html</a:t>
+            </a:r>
+            <a:r>
+              <a:rPr lang="zh-TW" altLang="en-US" dirty="0"/>
+              <a:t>和</a:t>
+            </a:r>
+            <a:r>
+              <a:rPr lang="en-US" altLang="zh-TW" dirty="0"/>
+              <a:t>sass</a:t>
+            </a:r>
+            <a:r>
+              <a:rPr lang="zh-TW" altLang="en-US" dirty="0"/>
+              <a:t>，並用</a:t>
+            </a:r>
+            <a:r>
+              <a:rPr lang="en-US" altLang="zh-TW" dirty="0"/>
+              <a:t>Figma</a:t>
+            </a:r>
+            <a:r>
+              <a:rPr lang="zh-TW" altLang="en-US" dirty="0"/>
+              <a:t>寫好的圖層來寫成</a:t>
+            </a:r>
+            <a:r>
+              <a:rPr lang="en-US" altLang="zh-TW" dirty="0"/>
+              <a:t>html</a:t>
+            </a:r>
+            <a:endParaRPr lang="zh-TW" altLang="en-US" dirty="0"/>
+          </a:p>
+        </p:txBody>
+      </p:sp>
+    </p:spTree>
+    <p:extLst>
+      <p:ext uri="{BB962C8B-B14F-4D97-AF65-F5344CB8AC3E}">
+        <p14:creationId xmlns:p14="http://schemas.microsoft.com/office/powerpoint/2010/main" val="3150458071"/>
+      </p:ext>
+    </p:extLst>
+  </p:cSld>
+  <p:clrMapOvr>
+    <a:masterClrMapping/>
+  </p:clrMapOvr>
+</p:sld>
+</file>
+
+<file path=ppt/slides/slide5.xml><?xml version="1.0" encoding="utf-8"?>
+<p:sld xmlns:a="http://schemas.openxmlformats.org/drawingml/2006/main" xmlns:r="http://schemas.openxmlformats.org/officeDocument/2006/relationships" xmlns:p="http://schemas.openxmlformats.org/presentationml/2006/main">
+  <p:cSld>
+    <p:spTree>
+      <p:nvGrpSpPr>
+        <p:cNvPr id="1" name=""/>
+        <p:cNvGrpSpPr/>
+        <p:nvPr/>
+      </p:nvGrpSpPr>
+      <p:grpSpPr>
+        <a:xfrm>
+          <a:off x="0" y="0"/>
+          <a:ext cx="0" cy="0"/>
+          <a:chOff x="0" y="0"/>
+          <a:chExt cx="0" cy="0"/>
+        </a:xfrm>
+      </p:grpSpPr>
+      <p:sp>
+        <p:nvSpPr>
+          <p:cNvPr id="2" name="標題 1">
+            <a:extLst>
+              <a:ext uri="{FF2B5EF4-FFF2-40B4-BE49-F238E27FC236}">
                 <a16:creationId xmlns:a16="http://schemas.microsoft.com/office/drawing/2014/main" id="{69BE5F5A-07C6-4BE7-A9FC-7E16D8F5B8EA}"/>
               </a:ext>
             </a:extLst>
@@ -3655,28 +5920,86 @@
           </a:p>
         </p:txBody>
       </p:sp>
-      <p:sp>
-        <p:nvSpPr>
-          <p:cNvPr id="3" name="內容版面配置區 2">
+      <p:pic>
+        <p:nvPicPr>
+          <p:cNvPr id="5" name="內容版面配置區 4">
             <a:extLst>
               <a:ext uri="{FF2B5EF4-FFF2-40B4-BE49-F238E27FC236}">
-                <a16:creationId xmlns:a16="http://schemas.microsoft.com/office/drawing/2014/main" id="{0D8D35FA-A9CC-472F-B218-30DCCEE9C4EA}"/>
+                <a16:creationId xmlns:a16="http://schemas.microsoft.com/office/drawing/2014/main" id="{86BBE62E-C5F7-41CD-97D1-42A8802B1B6A}"/>
               </a:ext>
             </a:extLst>
           </p:cNvPr>
-          <p:cNvSpPr>
-            <a:spLocks noGrp="1"/>
-          </p:cNvSpPr>
+          <p:cNvPicPr>
+            <a:picLocks noGrp="1" noChangeAspect="1"/>
+          </p:cNvPicPr>
           <p:nvPr>
             <p:ph idx="1"/>
           </p:nvPr>
-        </p:nvSpPr>
-        <p:spPr/>
-        <p:txBody>
-          <a:bodyPr/>
-          <a:lstStyle/>
-          <a:p>
-            <a:endParaRPr lang="zh-TW" altLang="en-US"/>
+        </p:nvPicPr>
+        <p:blipFill>
+          <a:blip r:embed="rId2">
+            <a:extLst>
+              <a:ext uri="{28A0092B-C50C-407E-A947-70E740481C1C}">
+                <a14:useLocalDpi xmlns:a14="http://schemas.microsoft.com/office/drawing/2010/main" val="0"/>
+              </a:ext>
+            </a:extLst>
+          </a:blip>
+          <a:stretch>
+            <a:fillRect/>
+          </a:stretch>
+        </p:blipFill>
+        <p:spPr>
+          <a:xfrm>
+            <a:off x="544575" y="1099931"/>
+            <a:ext cx="5551425" cy="2962068"/>
+          </a:xfrm>
+        </p:spPr>
+      </p:pic>
+      <p:sp>
+        <p:nvSpPr>
+          <p:cNvPr id="6" name="文字方塊 5">
+            <a:extLst>
+              <a:ext uri="{FF2B5EF4-FFF2-40B4-BE49-F238E27FC236}">
+                <a16:creationId xmlns:a16="http://schemas.microsoft.com/office/drawing/2014/main" id="{DB2AF2BC-288F-4EBA-98B2-925C8B6D11C4}"/>
+              </a:ext>
+            </a:extLst>
+          </p:cNvPr>
+          <p:cNvSpPr txBox="1"/>
+          <p:nvPr/>
+        </p:nvSpPr>
+        <p:spPr>
+          <a:xfrm>
+            <a:off x="7169426" y="1643270"/>
+            <a:ext cx="3368230" cy="369332"/>
+          </a:xfrm>
+          <a:prstGeom prst="rect">
+            <a:avLst/>
+          </a:prstGeom>
+          <a:noFill/>
+        </p:spPr>
+        <p:txBody>
+          <a:bodyPr wrap="none" rtlCol="0">
+            <a:spAutoFit/>
+          </a:bodyPr>
+          <a:lstStyle/>
+          <a:p>
+            <a:r>
+              <a:rPr lang="zh-TW" altLang="en-US" dirty="0"/>
+              <a:t>用</a:t>
+            </a:r>
+            <a:r>
+              <a:rPr lang="en-US" altLang="zh-TW" dirty="0"/>
+              <a:t>Figma</a:t>
+            </a:r>
+            <a:r>
+              <a:rPr lang="zh-TW" altLang="en-US" dirty="0"/>
+              <a:t>設計好的樣式來寫</a:t>
+            </a:r>
+            <a:r>
+              <a:rPr lang="en-US" altLang="zh-TW" dirty="0" err="1"/>
+              <a:t>scss</a:t>
+            </a:r>
+            <a:endParaRPr lang="zh-TW" altLang="en-US" dirty="0"/>
           </a:p>
         </p:txBody>
       </p:sp>
@@ -3694,9 +6017,9 @@
 </file>
 
 <file path=ppt/theme/theme1.xml><?xml version="1.0" encoding="utf-8"?>
-<a:theme xmlns:a="http://schemas.openxmlformats.org/drawingml/2006/main" name="Office 佈景主題">
+<a:theme xmlns:a="http://schemas.openxmlformats.org/drawingml/2006/main" name="切割線">
   <a:themeElements>
-    <a:clrScheme name="Office">
+    <a:clrScheme name="切割線">
       <a:dk1>
         <a:sysClr val="windowText" lastClr="000000"/>
       </a:dk1>
@@ -3704,100 +6027,48 @@
         <a:sysClr val="window" lastClr="FFFFFF"/>
       </a:lt1>
       <a:dk2>
-        <a:srgbClr val="44546A"/>
+        <a:srgbClr val="146194"/>
       </a:dk2>
       <a:lt2>
-        <a:srgbClr val="E7E6E6"/>
+        <a:srgbClr val="76DBF4"/>
       </a:lt2>
       <a:accent1>
-        <a:srgbClr val="4472C4"/>
+        <a:srgbClr val="052F61"/>
       </a:accent1>
       <a:accent2>
-        <a:srgbClr val="ED7D31"/>
+        <a:srgbClr val="A50E82"/>
       </a:accent2>
       <a:accent3>
-        <a:srgbClr val="A5A5A5"/>
+        <a:srgbClr val="14967C"/>
       </a:accent3>
       <a:accent4>
-        <a:srgbClr val="FFC000"/>
+        <a:srgbClr val="6A9E1F"/>
       </a:accent4>
       <a:accent5>
-        <a:srgbClr val="5B9BD5"/>
+        <a:srgbClr val="E87D37"/>
       </a:accent5>
       <a:accent6>
-        <a:srgbClr val="70AD47"/>
+        <a:srgbClr val="C62324"/>
       </a:accent6>
       <a:hlink>
-        <a:srgbClr val="0563C1"/>
+        <a:srgbClr val="0D2E46"/>
       </a:hlink>
       <a:folHlink>
-        <a:srgbClr val="954F72"/>
+        <a:srgbClr val="356A95"/>
       </a:folHlink>
     </a:clrScheme>
-    <a:fontScheme name="Office">
+    <a:fontScheme name="切割線">
       <a:majorFont>
-        <a:latin typeface="Calibri Light" panose="020F0302020204030204"/>
+        <a:latin typeface="Century Gothic" panose="020B0502020202020204"/>
         <a:ea typeface=""/>
         <a:cs typeface=""/>
-        <a:font script="Jpan" typeface="游ゴシック Light"/>
-        <a:font script="Hang" typeface="맑은 고딕"/>
-        <a:font script="Hans" typeface="等线 Light"/>
-        <a:font script="Hant" typeface="新細明體"/>
-        <a:font script="Arab" typeface="Times New Roman"/>
-        <a:font script="Hebr" typeface="Times New Roman"/>
-        <a:font script="Thai" typeface="Angsana New"/>
-        <a:font script="Ethi" typeface="Nyala"/>
-        <a:font script="Beng" typeface="Vrinda"/>
-        <a:font script="Gujr" typeface="Shruti"/>
-        <a:font script="Khmr" typeface="MoolBoran"/>
-        <a:font script="Knda" typeface="Tunga"/>
-        <a:font script="Guru" typeface="Raavi"/>
-        <a:font script="Cans" typeface="Euphemia"/>
-        <a:font script="Cher" typeface="Plantagenet Cherokee"/>
-        <a:font script="Yiii" typeface="Microsoft Yi Baiti"/>
-        <a:font script="Tibt" typeface="Microsoft Himalaya"/>
-        <a:font script="Thaa" typeface="MV Boli"/>
-        <a:font script="Deva" typeface="Mangal"/>
-        <a:font script="Telu" typeface="Gautami"/>
-        <a:font script="Taml" typeface="Latha"/>
-        <a:font script="Syrc" typeface="Estrangelo Edessa"/>
-        <a:font script="Orya" typeface="Kalinga"/>
-        <a:font script="Mlym" typeface="Kartika"/>
-        <a:font script="Laoo" typeface="DokChampa"/>
-        <a:font script="Sinh" typeface="Iskoola Pota"/>
-        <a:font script="Mong" typeface="Mongolian Baiti"/>
-        <a:font script="Viet" typeface="Times New Roman"/>
-        <a:font script="Uigh" typeface="Microsoft Uighur"/>
-        <a:font script="Geor" typeface="Sylfaen"/>
-        <a:font script="Armn" typeface="Arial"/>
-        <a:font script="Bugi" typeface="Leelawadee UI"/>
-        <a:font script="Bopo" typeface="Microsoft JhengHei"/>
-        <a:font script="Java" typeface="Javanese Text"/>
-        <a:font script="Lisu" typeface="Segoe UI"/>
-        <a:font script="Mymr" typeface="Myanmar Text"/>
-        <a:font script="Nkoo" typeface="Ebrima"/>
-        <a:font script="Olck" typeface="Nirmala UI"/>
-        <a:font script="Osma" typeface="Ebrima"/>
-        <a:font script="Phag" typeface="Phagspa"/>
-        <a:font script="Syrn" typeface="Estrangelo Edessa"/>
-        <a:font script="Syrj" typeface="Estrangelo Edessa"/>
-        <a:font script="Syre" typeface="Estrangelo Edessa"/>
-        <a:font script="Sora" typeface="Nirmala UI"/>
-        <a:font script="Tale" typeface="Microsoft Tai Le"/>
-        <a:font script="Talu" typeface="Microsoft New Tai Lue"/>
-        <a:font script="Tfng" typeface="Ebrima"/>
-      </a:majorFont>
-      <a:minorFont>
-        <a:latin typeface="Calibri" panose="020F0502020204030204"/>
-        <a:ea typeface=""/>
-        <a:cs typeface=""/>
-        <a:font script="Jpan" typeface="游ゴシック"/>
-        <a:font script="Hang" typeface="맑은 고딕"/>
-        <a:font script="Hans" typeface="等线"/>
-        <a:font script="Hant" typeface="新細明體"/>
-        <a:font script="Arab" typeface="Arial"/>
-        <a:font script="Hebr" typeface="Arial"/>
-        <a:font script="Thai" typeface="Cordia New"/>
+        <a:font script="Jpan" typeface="メイリオ"/>
+        <a:font script="Hang" typeface="HY중고딕"/>
+        <a:font script="Hans" typeface="幼圆"/>
+        <a:font script="Hant" typeface="微軟正黑體"/>
+        <a:font script="Arab" typeface="Tahoma"/>
+        <a:font script="Hebr" typeface="Gisha"/>
+        <a:font script="Thai" typeface="DilleniaUPC"/>
         <a:font script="Ethi" typeface="Nyala"/>
         <a:font script="Beng" typeface="Vrinda"/>
         <a:font script="Gujr" typeface="Shruti"/>
@@ -3818,29 +6089,47 @@
         <a:font script="Laoo" typeface="DokChampa"/>
         <a:font script="Sinh" typeface="Iskoola Pota"/>
         <a:font script="Mong" typeface="Mongolian Baiti"/>
-        <a:font script="Viet" typeface="Arial"/>
+        <a:font script="Viet" typeface="Tahoma"/>
         <a:font script="Uigh" typeface="Microsoft Uighur"/>
         <a:font script="Geor" typeface="Sylfaen"/>
-        <a:font script="Armn" typeface="Arial"/>
-        <a:font script="Bugi" typeface="Leelawadee UI"/>
-        <a:font script="Bopo" typeface="Microsoft JhengHei"/>
-        <a:font script="Java" typeface="Javanese Text"/>
-        <a:font script="Lisu" typeface="Segoe UI"/>
-        <a:font script="Mymr" typeface="Myanmar Text"/>
-        <a:font script="Nkoo" typeface="Ebrima"/>
-        <a:font script="Olck" typeface="Nirmala UI"/>
-        <a:font script="Osma" typeface="Ebrima"/>
-        <a:font script="Phag" typeface="Phagspa"/>
-        <a:font script="Syrn" typeface="Estrangelo Edessa"/>
-        <a:font script="Syrj" typeface="Estrangelo Edessa"/>
-        <a:font script="Syre" typeface="Estrangelo Edessa"/>
-        <a:font script="Sora" typeface="Nirmala UI"/>
-        <a:font script="Tale" typeface="Microsoft Tai Le"/>
-        <a:font script="Talu" typeface="Microsoft New Tai Lue"/>
-        <a:font script="Tfng" typeface="Ebrima"/>
+      </a:majorFont>
+      <a:minorFont>
+        <a:latin typeface="Century Gothic" panose="020B0502020202020204"/>
+        <a:ea typeface=""/>
+        <a:cs typeface=""/>
+        <a:font script="Jpan" typeface="メイリオ"/>
+        <a:font script="Hang" typeface="HY중고딕"/>
+        <a:font script="Hans" typeface="幼圆"/>
+        <a:font script="Hant" typeface="微軟正黑體"/>
+        <a:font script="Arab" typeface="Tahoma"/>
+        <a:font script="Hebr" typeface="Gisha"/>
+        <a:font script="Thai" typeface="DilleniaUPC"/>
+        <a:font script="Ethi" typeface="Nyala"/>
+        <a:font script="Beng" typeface="Vrinda"/>
+        <a:font script="Gujr" typeface="Shruti"/>
+        <a:font script="Khmr" typeface="DaunPenh"/>
+        <a:font script="Knda" typeface="Tunga"/>
+        <a:font script="Guru" typeface="Raavi"/>
+        <a:font script="Cans" typeface="Euphemia"/>
+        <a:font script="Cher" typeface="Plantagenet Cherokee"/>
+        <a:font script="Yiii" typeface="Microsoft Yi Baiti"/>
+        <a:font script="Tibt" typeface="Microsoft Himalaya"/>
+        <a:font script="Thaa" typeface="MV Boli"/>
+        <a:font script="Deva" typeface="Mangal"/>
+        <a:font script="Telu" typeface="Gautami"/>
+        <a:font script="Taml" typeface="Latha"/>
+        <a:font script="Syrc" typeface="Estrangelo Edessa"/>
+        <a:font script="Orya" typeface="Kalinga"/>
+        <a:font script="Mlym" typeface="Kartika"/>
+        <a:font script="Laoo" typeface="DokChampa"/>
+        <a:font script="Sinh" typeface="Iskoola Pota"/>
+        <a:font script="Mong" typeface="Mongolian Baiti"/>
+        <a:font script="Viet" typeface="Tahoma"/>
+        <a:font script="Uigh" typeface="Microsoft Uighur"/>
+        <a:font script="Geor" typeface="Sylfaen"/>
       </a:minorFont>
     </a:fontScheme>
-    <a:fmtScheme name="Office">
+    <a:fmtScheme name="切割線">
       <a:fillStyleLst>
         <a:solidFill>
           <a:schemeClr val="phClr"/>
@@ -3849,23 +6138,16 @@
           <a:gsLst>
             <a:gs pos="0">
               <a:schemeClr val="phClr">
+                <a:tint val="62000"/>
+                <a:hueMod val="94000"/>
+                <a:satMod val="140000"/>
                 <a:lumMod val="110000"/>
-                <a:satMod val="105000"/>
-                <a:tint val="67000"/>
-              </a:schemeClr>
-            </a:gs>
-            <a:gs pos="50000">
-              <a:schemeClr val="phClr">
-                <a:lumMod val="105000"/>
-                <a:satMod val="103000"/>
-                <a:tint val="73000"/>
               </a:schemeClr>
             </a:gs>
             <a:gs pos="100000">
               <a:schemeClr val="phClr">
-                <a:lumMod val="105000"/>
-                <a:satMod val="109000"/>
-                <a:tint val="81000"/>
+                <a:tint val="84000"/>
+                <a:satMod val="160000"/>
               </a:schemeClr>
             </a:gs>
           </a:gsLst>
@@ -3875,23 +6157,16 @@
           <a:gsLst>
             <a:gs pos="0">
               <a:schemeClr val="phClr">
-                <a:satMod val="103000"/>
-                <a:lumMod val="102000"/>
-                <a:tint val="94000"/>
-              </a:schemeClr>
-            </a:gs>
-            <a:gs pos="50000">
-              <a:schemeClr val="phClr">
-                <a:satMod val="110000"/>
-                <a:lumMod val="100000"/>
-                <a:shade val="100000"/>
+                <a:tint val="98000"/>
+                <a:hueMod val="94000"/>
+                <a:satMod val="130000"/>
+                <a:lumMod val="128000"/>
               </a:schemeClr>
             </a:gs>
             <a:gs pos="100000">
               <a:schemeClr val="phClr">
-                <a:lumMod val="99000"/>
-                <a:satMod val="120000"/>
-                <a:shade val="78000"/>
+                <a:shade val="94000"/>
+                <a:lumMod val="88000"/>
               </a:schemeClr>
             </a:gs>
           </a:gsLst>
@@ -3899,26 +6174,29 @@
         </a:gradFill>
       </a:fillStyleLst>
       <a:lnStyleLst>
-        <a:ln w="6350" cap="flat" cmpd="sng" algn="ctr">
+        <a:ln w="9525" cap="rnd" cmpd="sng" algn="ctr">
+          <a:solidFill>
+            <a:schemeClr val="phClr">
+              <a:tint val="76000"/>
+              <a:alpha val="60000"/>
+              <a:hueMod val="94000"/>
+            </a:schemeClr>
+          </a:solidFill>
+          <a:prstDash val="solid"/>
+        </a:ln>
+        <a:ln w="15875" cap="rnd" cmpd="sng" algn="ctr">
+          <a:solidFill>
+            <a:schemeClr val="phClr">
+              <a:hueMod val="94000"/>
+            </a:schemeClr>
+          </a:solidFill>
+          <a:prstDash val="solid"/>
+        </a:ln>
+        <a:ln w="28575" cap="rnd" cmpd="sng" algn="ctr">
           <a:solidFill>
             <a:schemeClr val="phClr"/>
           </a:solidFill>
           <a:prstDash val="solid"/>
-          <a:miter lim="800000"/>
-        </a:ln>
-        <a:ln w="12700" cap="flat" cmpd="sng" algn="ctr">
-          <a:solidFill>
-            <a:schemeClr val="phClr"/>
-          </a:solidFill>
-          <a:prstDash val="solid"/>
-          <a:miter lim="800000"/>
-        </a:ln>
-        <a:ln w="19050" cap="flat" cmpd="sng" algn="ctr">
-          <a:solidFill>
-            <a:schemeClr val="phClr"/>
-          </a:solidFill>
-          <a:prstDash val="solid"/>
-          <a:miter lim="800000"/>
         </a:ln>
       </a:lnStyleLst>
       <a:effectStyleLst>
@@ -3926,54 +6204,78 @@
           <a:effectLst/>
         </a:effectStyle>
         <a:effectStyle>
-          <a:effectLst/>
+          <a:effectLst>
+            <a:innerShdw blurRad="25400" dist="12700" dir="13500000">
+              <a:srgbClr val="000000">
+                <a:alpha val="45000"/>
+              </a:srgbClr>
+            </a:innerShdw>
+          </a:effectLst>
         </a:effectStyle>
         <a:effectStyle>
           <a:effectLst>
-            <a:outerShdw blurRad="57150" dist="19050" dir="5400000" algn="ctr" rotWithShape="0">
+            <a:outerShdw blurRad="50800" dist="38100" dir="5400000" rotWithShape="0">
               <a:srgbClr val="000000">
-                <a:alpha val="63000"/>
+                <a:alpha val="46000"/>
               </a:srgbClr>
             </a:outerShdw>
           </a:effectLst>
+          <a:scene3d>
+            <a:camera prst="orthographicFront">
+              <a:rot lat="0" lon="0" rev="0"/>
+            </a:camera>
+            <a:lightRig rig="threePt" dir="t"/>
+          </a:scene3d>
+          <a:sp3d prstMaterial="plastic">
+            <a:bevelT w="25400" h="25400"/>
+          </a:sp3d>
         </a:effectStyle>
       </a:effectStyleLst>
       <a:bgFillStyleLst>
         <a:solidFill>
           <a:schemeClr val="phClr"/>
         </a:solidFill>
-        <a:solidFill>
-          <a:schemeClr val="phClr">
-            <a:tint val="95000"/>
-            <a:satMod val="170000"/>
-          </a:schemeClr>
-        </a:solidFill>
+        <a:gradFill rotWithShape="1">
+          <a:gsLst>
+            <a:gs pos="10000">
+              <a:schemeClr val="phClr">
+                <a:tint val="97000"/>
+                <a:hueMod val="92000"/>
+                <a:satMod val="169000"/>
+                <a:lumMod val="164000"/>
+              </a:schemeClr>
+            </a:gs>
+            <a:gs pos="100000">
+              <a:schemeClr val="phClr">
+                <a:shade val="96000"/>
+                <a:satMod val="120000"/>
+                <a:lumMod val="90000"/>
+              </a:schemeClr>
+            </a:gs>
+          </a:gsLst>
+          <a:lin ang="6120000" scaled="1"/>
+        </a:gradFill>
         <a:gradFill rotWithShape="1">
           <a:gsLst>
             <a:gs pos="0">
               <a:schemeClr val="phClr">
-                <a:tint val="93000"/>
-                <a:satMod val="150000"/>
-                <a:shade val="98000"/>
-                <a:lumMod val="102000"/>
-              </a:schemeClr>
-            </a:gs>
-            <a:gs pos="50000">
-              <a:schemeClr val="phClr">
-                <a:tint val="98000"/>
-                <a:satMod val="130000"/>
-                <a:shade val="90000"/>
-                <a:lumMod val="103000"/>
+                <a:tint val="97000"/>
+                <a:hueMod val="92000"/>
+                <a:satMod val="169000"/>
+                <a:lumMod val="164000"/>
               </a:schemeClr>
             </a:gs>
             <a:gs pos="100000">
               <a:schemeClr val="phClr">
-                <a:shade val="63000"/>
+                <a:shade val="96000"/>
                 <a:satMod val="120000"/>
+                <a:lumMod val="90000"/>
               </a:schemeClr>
             </a:gs>
           </a:gsLst>
-          <a:lin ang="5400000" scaled="0"/>
+          <a:path path="circle">
+            <a:fillToRect b="100000"/>
+          </a:path>
         </a:gradFill>
       </a:bgFillStyleLst>
     </a:fmtScheme>
@@ -3982,7 +6284,7 @@
   <a:extraClrSchemeLst/>
   <a:extLst>
     <a:ext uri="{05A4C25C-085E-4340-85A3-A5531E510DB2}">
-      <thm15:themeFamily xmlns:thm15="http://schemas.microsoft.com/office/thememl/2012/main" name="Office Theme" id="{62F939B6-93AF-4DB8-9C6B-D6C7DFDC589F}" vid="{4A3C46E8-61CC-4603-A589-7422A47A8E4A}"/>
+      <thm15:themeFamily xmlns:thm15="http://schemas.microsoft.com/office/thememl/2012/main" name="Slice" id="{0507925B-6AC9-4358-8E18-C330545D08F8}" vid="{13FEC7C6-62A9-40C4-99D2-581AACACAA2F}"/>
     </a:ext>
   </a:extLst>
 </a:theme>
